--- a/FW/Thanh/REVIEW_TRELLO/reveiw_trello_.pptx
+++ b/FW/Thanh/REVIEW_TRELLO/reveiw_trello_.pptx
@@ -41,6 +41,11 @@
       <p:bold r:id="rId24"/>
       <p:italic r:id="rId25"/>
       <p:boldItalic r:id="rId26"/>
+    </p:embeddedFont>
+    <p:embeddedFont>
+      <p:font typeface="Segoe UI Black" panose="020B0A02040204020203" pitchFamily="34" charset="0"/>
+      <p:bold r:id="rId27"/>
+      <p:boldItalic r:id="rId28"/>
     </p:embeddedFont>
   </p:embeddedFontLst>
   <p:defaultTextStyle>
@@ -6524,8 +6529,9 @@
           <a:lstStyle/>
           <a:p>
             <a:r>
-              <a:rPr lang="en-US" sz="5000" dirty="0">
-                <a:latin typeface="Times New Roman" panose="02020603050405020304" pitchFamily="18" charset="0"/>
+              <a:rPr lang="en-US" sz="3000" dirty="0">
+                <a:latin typeface="Segoe UI Black" panose="020B0A02040204020203" pitchFamily="34" charset="0"/>
+                <a:ea typeface="Segoe UI Black" panose="020B0A02040204020203" pitchFamily="34" charset="0"/>
                 <a:cs typeface="Times New Roman" panose="02020603050405020304" pitchFamily="18" charset="0"/>
               </a:rPr>
               <a:t>THIẾT LẬP CẤU HÌNH CHO CARD</a:t>
@@ -6548,7 +6554,7 @@
         <p:spPr>
           <a:xfrm>
             <a:off x="1969476" y="1730326"/>
-            <a:ext cx="9833317" cy="553998"/>
+            <a:ext cx="9833317" cy="338554"/>
           </a:xfrm>
           <a:prstGeom prst="rect">
             <a:avLst/>
@@ -6562,182 +6568,208 @@
           <a:lstStyle/>
           <a:p>
             <a:r>
-              <a:rPr lang="en-US" sz="3000" dirty="0" err="1">
-                <a:latin typeface="Times New Roman" panose="02020603050405020304" pitchFamily="18" charset="0"/>
+              <a:rPr lang="en-US" sz="1600" dirty="0" err="1">
+                <a:latin typeface="Segoe UI Black" panose="020B0A02040204020203" pitchFamily="34" charset="0"/>
+                <a:ea typeface="Segoe UI Black" panose="020B0A02040204020203" pitchFamily="34" charset="0"/>
                 <a:cs typeface="Times New Roman" panose="02020603050405020304" pitchFamily="18" charset="0"/>
               </a:rPr>
               <a:t>Thiết</a:t>
             </a:r>
             <a:r>
-              <a:rPr lang="en-US" sz="3000" dirty="0">
-                <a:latin typeface="Times New Roman" panose="02020603050405020304" pitchFamily="18" charset="0"/>
+              <a:rPr lang="en-US" sz="1600" dirty="0">
+                <a:latin typeface="Segoe UI Black" panose="020B0A02040204020203" pitchFamily="34" charset="0"/>
+                <a:ea typeface="Segoe UI Black" panose="020B0A02040204020203" pitchFamily="34" charset="0"/>
                 <a:cs typeface="Times New Roman" panose="02020603050405020304" pitchFamily="18" charset="0"/>
               </a:rPr>
               <a:t> </a:t>
             </a:r>
             <a:r>
-              <a:rPr lang="en-US" sz="3000" dirty="0" err="1">
-                <a:latin typeface="Times New Roman" panose="02020603050405020304" pitchFamily="18" charset="0"/>
+              <a:rPr lang="en-US" sz="1600" dirty="0" err="1">
+                <a:latin typeface="Segoe UI Black" panose="020B0A02040204020203" pitchFamily="34" charset="0"/>
+                <a:ea typeface="Segoe UI Black" panose="020B0A02040204020203" pitchFamily="34" charset="0"/>
                 <a:cs typeface="Times New Roman" panose="02020603050405020304" pitchFamily="18" charset="0"/>
               </a:rPr>
               <a:t>lập</a:t>
             </a:r>
             <a:r>
-              <a:rPr lang="en-US" sz="3000" dirty="0">
-                <a:latin typeface="Times New Roman" panose="02020603050405020304" pitchFamily="18" charset="0"/>
+              <a:rPr lang="en-US" sz="1600" dirty="0">
+                <a:latin typeface="Segoe UI Black" panose="020B0A02040204020203" pitchFamily="34" charset="0"/>
+                <a:ea typeface="Segoe UI Black" panose="020B0A02040204020203" pitchFamily="34" charset="0"/>
                 <a:cs typeface="Times New Roman" panose="02020603050405020304" pitchFamily="18" charset="0"/>
               </a:rPr>
               <a:t> </a:t>
             </a:r>
             <a:r>
-              <a:rPr lang="en-US" sz="3000" dirty="0" err="1">
-                <a:latin typeface="Times New Roman" panose="02020603050405020304" pitchFamily="18" charset="0"/>
+              <a:rPr lang="en-US" sz="1600" dirty="0" err="1">
+                <a:latin typeface="Segoe UI Black" panose="020B0A02040204020203" pitchFamily="34" charset="0"/>
+                <a:ea typeface="Segoe UI Black" panose="020B0A02040204020203" pitchFamily="34" charset="0"/>
                 <a:cs typeface="Times New Roman" panose="02020603050405020304" pitchFamily="18" charset="0"/>
               </a:rPr>
               <a:t>ngày</a:t>
             </a:r>
             <a:r>
-              <a:rPr lang="en-US" sz="3000" dirty="0">
-                <a:latin typeface="Times New Roman" panose="02020603050405020304" pitchFamily="18" charset="0"/>
+              <a:rPr lang="en-US" sz="1600" dirty="0">
+                <a:latin typeface="Segoe UI Black" panose="020B0A02040204020203" pitchFamily="34" charset="0"/>
+                <a:ea typeface="Segoe UI Black" panose="020B0A02040204020203" pitchFamily="34" charset="0"/>
                 <a:cs typeface="Times New Roman" panose="02020603050405020304" pitchFamily="18" charset="0"/>
               </a:rPr>
               <a:t> </a:t>
             </a:r>
             <a:r>
-              <a:rPr lang="en-US" sz="3000" dirty="0" err="1">
-                <a:latin typeface="Times New Roman" panose="02020603050405020304" pitchFamily="18" charset="0"/>
+              <a:rPr lang="en-US" sz="1600" dirty="0" err="1">
+                <a:latin typeface="Segoe UI Black" panose="020B0A02040204020203" pitchFamily="34" charset="0"/>
+                <a:ea typeface="Segoe UI Black" panose="020B0A02040204020203" pitchFamily="34" charset="0"/>
                 <a:cs typeface="Times New Roman" panose="02020603050405020304" pitchFamily="18" charset="0"/>
               </a:rPr>
               <a:t>dealine</a:t>
             </a:r>
             <a:r>
-              <a:rPr lang="en-US" sz="3000" dirty="0">
-                <a:latin typeface="Times New Roman" panose="02020603050405020304" pitchFamily="18" charset="0"/>
+              <a:rPr lang="en-US" sz="1600" dirty="0">
+                <a:latin typeface="Segoe UI Black" panose="020B0A02040204020203" pitchFamily="34" charset="0"/>
+                <a:ea typeface="Segoe UI Black" panose="020B0A02040204020203" pitchFamily="34" charset="0"/>
                 <a:cs typeface="Times New Roman" panose="02020603050405020304" pitchFamily="18" charset="0"/>
               </a:rPr>
               <a:t> </a:t>
             </a:r>
             <a:r>
-              <a:rPr lang="en-US" sz="3000" dirty="0" err="1">
-                <a:latin typeface="Times New Roman" panose="02020603050405020304" pitchFamily="18" charset="0"/>
+              <a:rPr lang="en-US" sz="1600" dirty="0" err="1">
+                <a:latin typeface="Segoe UI Black" panose="020B0A02040204020203" pitchFamily="34" charset="0"/>
+                <a:ea typeface="Segoe UI Black" panose="020B0A02040204020203" pitchFamily="34" charset="0"/>
                 <a:cs typeface="Times New Roman" panose="02020603050405020304" pitchFamily="18" charset="0"/>
               </a:rPr>
               <a:t>và</a:t>
             </a:r>
             <a:r>
-              <a:rPr lang="en-US" sz="3000" dirty="0">
-                <a:latin typeface="Times New Roman" panose="02020603050405020304" pitchFamily="18" charset="0"/>
+              <a:rPr lang="en-US" sz="1600" dirty="0">
+                <a:latin typeface="Segoe UI Black" panose="020B0A02040204020203" pitchFamily="34" charset="0"/>
+                <a:ea typeface="Segoe UI Black" panose="020B0A02040204020203" pitchFamily="34" charset="0"/>
                 <a:cs typeface="Times New Roman" panose="02020603050405020304" pitchFamily="18" charset="0"/>
               </a:rPr>
               <a:t> </a:t>
             </a:r>
             <a:r>
-              <a:rPr lang="en-US" sz="3000" dirty="0" err="1">
-                <a:latin typeface="Times New Roman" panose="02020603050405020304" pitchFamily="18" charset="0"/>
+              <a:rPr lang="en-US" sz="1600" dirty="0" err="1">
+                <a:latin typeface="Segoe UI Black" panose="020B0A02040204020203" pitchFamily="34" charset="0"/>
+                <a:ea typeface="Segoe UI Black" panose="020B0A02040204020203" pitchFamily="34" charset="0"/>
                 <a:cs typeface="Times New Roman" panose="02020603050405020304" pitchFamily="18" charset="0"/>
               </a:rPr>
               <a:t>thời</a:t>
             </a:r>
             <a:r>
-              <a:rPr lang="en-US" sz="3000" dirty="0">
-                <a:latin typeface="Times New Roman" panose="02020603050405020304" pitchFamily="18" charset="0"/>
+              <a:rPr lang="en-US" sz="1600" dirty="0">
+                <a:latin typeface="Segoe UI Black" panose="020B0A02040204020203" pitchFamily="34" charset="0"/>
+                <a:ea typeface="Segoe UI Black" panose="020B0A02040204020203" pitchFamily="34" charset="0"/>
                 <a:cs typeface="Times New Roman" panose="02020603050405020304" pitchFamily="18" charset="0"/>
               </a:rPr>
               <a:t> </a:t>
             </a:r>
             <a:r>
-              <a:rPr lang="en-US" sz="3000" dirty="0" err="1">
-                <a:latin typeface="Times New Roman" panose="02020603050405020304" pitchFamily="18" charset="0"/>
+              <a:rPr lang="en-US" sz="1600" dirty="0" err="1">
+                <a:latin typeface="Segoe UI Black" panose="020B0A02040204020203" pitchFamily="34" charset="0"/>
+                <a:ea typeface="Segoe UI Black" panose="020B0A02040204020203" pitchFamily="34" charset="0"/>
                 <a:cs typeface="Times New Roman" panose="02020603050405020304" pitchFamily="18" charset="0"/>
               </a:rPr>
               <a:t>gian</a:t>
             </a:r>
             <a:r>
-              <a:rPr lang="en-US" sz="3000" dirty="0">
-                <a:latin typeface="Times New Roman" panose="02020603050405020304" pitchFamily="18" charset="0"/>
+              <a:rPr lang="en-US" sz="1600" dirty="0">
+                <a:latin typeface="Segoe UI Black" panose="020B0A02040204020203" pitchFamily="34" charset="0"/>
+                <a:ea typeface="Segoe UI Black" panose="020B0A02040204020203" pitchFamily="34" charset="0"/>
                 <a:cs typeface="Times New Roman" panose="02020603050405020304" pitchFamily="18" charset="0"/>
               </a:rPr>
               <a:t> </a:t>
             </a:r>
             <a:r>
-              <a:rPr lang="en-US" sz="3000" dirty="0" err="1">
-                <a:latin typeface="Times New Roman" panose="02020603050405020304" pitchFamily="18" charset="0"/>
+              <a:rPr lang="en-US" sz="1600" dirty="0" err="1">
+                <a:latin typeface="Segoe UI Black" panose="020B0A02040204020203" pitchFamily="34" charset="0"/>
+                <a:ea typeface="Segoe UI Black" panose="020B0A02040204020203" pitchFamily="34" charset="0"/>
                 <a:cs typeface="Times New Roman" panose="02020603050405020304" pitchFamily="18" charset="0"/>
               </a:rPr>
               <a:t>nhắc</a:t>
             </a:r>
             <a:r>
-              <a:rPr lang="en-US" sz="3000" dirty="0">
-                <a:latin typeface="Times New Roman" panose="02020603050405020304" pitchFamily="18" charset="0"/>
+              <a:rPr lang="en-US" sz="1600" dirty="0">
+                <a:latin typeface="Segoe UI Black" panose="020B0A02040204020203" pitchFamily="34" charset="0"/>
+                <a:ea typeface="Segoe UI Black" panose="020B0A02040204020203" pitchFamily="34" charset="0"/>
                 <a:cs typeface="Times New Roman" panose="02020603050405020304" pitchFamily="18" charset="0"/>
               </a:rPr>
               <a:t> </a:t>
             </a:r>
             <a:r>
-              <a:rPr lang="en-US" sz="3000" dirty="0" err="1">
-                <a:latin typeface="Times New Roman" panose="02020603050405020304" pitchFamily="18" charset="0"/>
+              <a:rPr lang="en-US" sz="1600" dirty="0" err="1">
+                <a:latin typeface="Segoe UI Black" panose="020B0A02040204020203" pitchFamily="34" charset="0"/>
+                <a:ea typeface="Segoe UI Black" panose="020B0A02040204020203" pitchFamily="34" charset="0"/>
                 <a:cs typeface="Times New Roman" panose="02020603050405020304" pitchFamily="18" charset="0"/>
               </a:rPr>
               <a:t>hẹn</a:t>
             </a:r>
             <a:r>
-              <a:rPr lang="en-US" sz="3000" dirty="0">
-                <a:latin typeface="Times New Roman" panose="02020603050405020304" pitchFamily="18" charset="0"/>
+              <a:rPr lang="en-US" sz="1600" dirty="0">
+                <a:latin typeface="Segoe UI Black" panose="020B0A02040204020203" pitchFamily="34" charset="0"/>
+                <a:ea typeface="Segoe UI Black" panose="020B0A02040204020203" pitchFamily="34" charset="0"/>
                 <a:cs typeface="Times New Roman" panose="02020603050405020304" pitchFamily="18" charset="0"/>
               </a:rPr>
               <a:t> </a:t>
             </a:r>
             <a:r>
-              <a:rPr lang="en-US" sz="3000" dirty="0" err="1">
-                <a:latin typeface="Times New Roman" panose="02020603050405020304" pitchFamily="18" charset="0"/>
+              <a:rPr lang="en-US" sz="1600" dirty="0" err="1">
+                <a:latin typeface="Segoe UI Black" panose="020B0A02040204020203" pitchFamily="34" charset="0"/>
+                <a:ea typeface="Segoe UI Black" panose="020B0A02040204020203" pitchFamily="34" charset="0"/>
                 <a:cs typeface="Times New Roman" panose="02020603050405020304" pitchFamily="18" charset="0"/>
               </a:rPr>
               <a:t>sau</a:t>
             </a:r>
             <a:r>
-              <a:rPr lang="en-US" sz="3000" dirty="0">
-                <a:latin typeface="Times New Roman" panose="02020603050405020304" pitchFamily="18" charset="0"/>
+              <a:rPr lang="en-US" sz="1600" dirty="0">
+                <a:latin typeface="Segoe UI Black" panose="020B0A02040204020203" pitchFamily="34" charset="0"/>
+                <a:ea typeface="Segoe UI Black" panose="020B0A02040204020203" pitchFamily="34" charset="0"/>
                 <a:cs typeface="Times New Roman" panose="02020603050405020304" pitchFamily="18" charset="0"/>
               </a:rPr>
               <a:t> </a:t>
             </a:r>
             <a:r>
-              <a:rPr lang="en-US" sz="3000" dirty="0" err="1">
-                <a:latin typeface="Times New Roman" panose="02020603050405020304" pitchFamily="18" charset="0"/>
+              <a:rPr lang="en-US" sz="1600" dirty="0" err="1">
+                <a:latin typeface="Segoe UI Black" panose="020B0A02040204020203" pitchFamily="34" charset="0"/>
+                <a:ea typeface="Segoe UI Black" panose="020B0A02040204020203" pitchFamily="34" charset="0"/>
                 <a:cs typeface="Times New Roman" panose="02020603050405020304" pitchFamily="18" charset="0"/>
               </a:rPr>
               <a:t>đó</a:t>
             </a:r>
             <a:r>
-              <a:rPr lang="en-US" sz="3000" dirty="0">
-                <a:latin typeface="Times New Roman" panose="02020603050405020304" pitchFamily="18" charset="0"/>
+              <a:rPr lang="en-US" sz="1600" dirty="0">
+                <a:latin typeface="Segoe UI Black" panose="020B0A02040204020203" pitchFamily="34" charset="0"/>
+                <a:ea typeface="Segoe UI Black" panose="020B0A02040204020203" pitchFamily="34" charset="0"/>
                 <a:cs typeface="Times New Roman" panose="02020603050405020304" pitchFamily="18" charset="0"/>
               </a:rPr>
               <a:t> </a:t>
             </a:r>
             <a:r>
-              <a:rPr lang="en-US" sz="3000" dirty="0" err="1">
-                <a:latin typeface="Times New Roman" panose="02020603050405020304" pitchFamily="18" charset="0"/>
+              <a:rPr lang="en-US" sz="1600" dirty="0" err="1">
+                <a:latin typeface="Segoe UI Black" panose="020B0A02040204020203" pitchFamily="34" charset="0"/>
+                <a:ea typeface="Segoe UI Black" panose="020B0A02040204020203" pitchFamily="34" charset="0"/>
                 <a:cs typeface="Times New Roman" panose="02020603050405020304" pitchFamily="18" charset="0"/>
               </a:rPr>
               <a:t>bấm</a:t>
             </a:r>
             <a:r>
-              <a:rPr lang="en-US" sz="3000" dirty="0">
-                <a:latin typeface="Times New Roman" panose="02020603050405020304" pitchFamily="18" charset="0"/>
+              <a:rPr lang="en-US" sz="1600" dirty="0">
+                <a:latin typeface="Segoe UI Black" panose="020B0A02040204020203" pitchFamily="34" charset="0"/>
+                <a:ea typeface="Segoe UI Black" panose="020B0A02040204020203" pitchFamily="34" charset="0"/>
                 <a:cs typeface="Times New Roman" panose="02020603050405020304" pitchFamily="18" charset="0"/>
               </a:rPr>
               <a:t> </a:t>
             </a:r>
             <a:r>
-              <a:rPr lang="en-US" sz="3000" dirty="0" err="1">
-                <a:latin typeface="Times New Roman" panose="02020603050405020304" pitchFamily="18" charset="0"/>
+              <a:rPr lang="en-US" sz="1600" dirty="0" err="1">
+                <a:latin typeface="Segoe UI Black" panose="020B0A02040204020203" pitchFamily="34" charset="0"/>
+                <a:ea typeface="Segoe UI Black" panose="020B0A02040204020203" pitchFamily="34" charset="0"/>
                 <a:cs typeface="Times New Roman" panose="02020603050405020304" pitchFamily="18" charset="0"/>
               </a:rPr>
               <a:t>lưu</a:t>
             </a:r>
-            <a:endParaRPr lang="en-US" sz="3000" dirty="0">
-              <a:latin typeface="Times New Roman" panose="02020603050405020304" pitchFamily="18" charset="0"/>
+            <a:endParaRPr lang="en-US" sz="1600" dirty="0">
+              <a:latin typeface="Segoe UI Black" panose="020B0A02040204020203" pitchFamily="34" charset="0"/>
+              <a:ea typeface="Segoe UI Black" panose="020B0A02040204020203" pitchFamily="34" charset="0"/>
               <a:cs typeface="Times New Roman" panose="02020603050405020304" pitchFamily="18" charset="0"/>
             </a:endParaRPr>
           </a:p>
@@ -6830,8 +6862,9 @@
           <a:lstStyle/>
           <a:p>
             <a:r>
-              <a:rPr lang="en-US" sz="5000" dirty="0">
-                <a:latin typeface="Times New Roman" panose="02020603050405020304" pitchFamily="18" charset="0"/>
+              <a:rPr lang="en-US" sz="3000" dirty="0">
+                <a:latin typeface="Segoe UI Black" panose="020B0A02040204020203" pitchFamily="34" charset="0"/>
+                <a:ea typeface="Segoe UI Black" panose="020B0A02040204020203" pitchFamily="34" charset="0"/>
                 <a:cs typeface="Times New Roman" panose="02020603050405020304" pitchFamily="18" charset="0"/>
               </a:rPr>
               <a:t>THIẾT LẬP CẤU HÌNH CHO CARD</a:t>
@@ -6854,7 +6887,7 @@
         <p:spPr>
           <a:xfrm>
             <a:off x="1969476" y="1730326"/>
-            <a:ext cx="9833317" cy="553998"/>
+            <a:ext cx="9833317" cy="338554"/>
           </a:xfrm>
           <a:prstGeom prst="rect">
             <a:avLst/>
@@ -6868,127 +6901,145 @@
           <a:lstStyle/>
           <a:p>
             <a:r>
-              <a:rPr lang="en-US" sz="3000" dirty="0" err="1">
-                <a:latin typeface="Times New Roman" panose="02020603050405020304" pitchFamily="18" charset="0"/>
+              <a:rPr lang="en-US" sz="1600" dirty="0" err="1">
+                <a:latin typeface="Segoe UI Black" panose="020B0A02040204020203" pitchFamily="34" charset="0"/>
+                <a:ea typeface="Segoe UI Black" panose="020B0A02040204020203" pitchFamily="34" charset="0"/>
                 <a:cs typeface="Times New Roman" panose="02020603050405020304" pitchFamily="18" charset="0"/>
               </a:rPr>
               <a:t>Đính</a:t>
             </a:r>
             <a:r>
-              <a:rPr lang="en-US" sz="3000" dirty="0">
-                <a:latin typeface="Times New Roman" panose="02020603050405020304" pitchFamily="18" charset="0"/>
+              <a:rPr lang="en-US" sz="1600" dirty="0">
+                <a:latin typeface="Segoe UI Black" panose="020B0A02040204020203" pitchFamily="34" charset="0"/>
+                <a:ea typeface="Segoe UI Black" panose="020B0A02040204020203" pitchFamily="34" charset="0"/>
                 <a:cs typeface="Times New Roman" panose="02020603050405020304" pitchFamily="18" charset="0"/>
               </a:rPr>
               <a:t> </a:t>
             </a:r>
             <a:r>
-              <a:rPr lang="en-US" sz="3000" dirty="0" err="1">
-                <a:latin typeface="Times New Roman" panose="02020603050405020304" pitchFamily="18" charset="0"/>
+              <a:rPr lang="en-US" sz="1600" dirty="0" err="1">
+                <a:latin typeface="Segoe UI Black" panose="020B0A02040204020203" pitchFamily="34" charset="0"/>
+                <a:ea typeface="Segoe UI Black" panose="020B0A02040204020203" pitchFamily="34" charset="0"/>
                 <a:cs typeface="Times New Roman" panose="02020603050405020304" pitchFamily="18" charset="0"/>
               </a:rPr>
               <a:t>kèm</a:t>
             </a:r>
             <a:r>
-              <a:rPr lang="en-US" sz="3000" dirty="0">
-                <a:latin typeface="Times New Roman" panose="02020603050405020304" pitchFamily="18" charset="0"/>
+              <a:rPr lang="en-US" sz="1600" dirty="0">
+                <a:latin typeface="Segoe UI Black" panose="020B0A02040204020203" pitchFamily="34" charset="0"/>
+                <a:ea typeface="Segoe UI Black" panose="020B0A02040204020203" pitchFamily="34" charset="0"/>
                 <a:cs typeface="Times New Roman" panose="02020603050405020304" pitchFamily="18" charset="0"/>
               </a:rPr>
               <a:t> </a:t>
             </a:r>
             <a:r>
-              <a:rPr lang="en-US" sz="3000" dirty="0" err="1">
-                <a:latin typeface="Times New Roman" panose="02020603050405020304" pitchFamily="18" charset="0"/>
+              <a:rPr lang="en-US" sz="1600" dirty="0" err="1">
+                <a:latin typeface="Segoe UI Black" panose="020B0A02040204020203" pitchFamily="34" charset="0"/>
+                <a:ea typeface="Segoe UI Black" panose="020B0A02040204020203" pitchFamily="34" charset="0"/>
                 <a:cs typeface="Times New Roman" panose="02020603050405020304" pitchFamily="18" charset="0"/>
               </a:rPr>
               <a:t>tài</a:t>
             </a:r>
             <a:r>
-              <a:rPr lang="en-US" sz="3000" dirty="0">
-                <a:latin typeface="Times New Roman" panose="02020603050405020304" pitchFamily="18" charset="0"/>
+              <a:rPr lang="en-US" sz="1600" dirty="0">
+                <a:latin typeface="Segoe UI Black" panose="020B0A02040204020203" pitchFamily="34" charset="0"/>
+                <a:ea typeface="Segoe UI Black" panose="020B0A02040204020203" pitchFamily="34" charset="0"/>
                 <a:cs typeface="Times New Roman" panose="02020603050405020304" pitchFamily="18" charset="0"/>
               </a:rPr>
               <a:t> </a:t>
             </a:r>
             <a:r>
-              <a:rPr lang="en-US" sz="3000" dirty="0" err="1">
-                <a:latin typeface="Times New Roman" panose="02020603050405020304" pitchFamily="18" charset="0"/>
+              <a:rPr lang="en-US" sz="1600" dirty="0" err="1">
+                <a:latin typeface="Segoe UI Black" panose="020B0A02040204020203" pitchFamily="34" charset="0"/>
+                <a:ea typeface="Segoe UI Black" panose="020B0A02040204020203" pitchFamily="34" charset="0"/>
                 <a:cs typeface="Times New Roman" panose="02020603050405020304" pitchFamily="18" charset="0"/>
               </a:rPr>
               <a:t>liệu</a:t>
             </a:r>
             <a:r>
-              <a:rPr lang="en-US" sz="3000" dirty="0">
-                <a:latin typeface="Times New Roman" panose="02020603050405020304" pitchFamily="18" charset="0"/>
+              <a:rPr lang="en-US" sz="1600" dirty="0">
+                <a:latin typeface="Segoe UI Black" panose="020B0A02040204020203" pitchFamily="34" charset="0"/>
+                <a:ea typeface="Segoe UI Black" panose="020B0A02040204020203" pitchFamily="34" charset="0"/>
                 <a:cs typeface="Times New Roman" panose="02020603050405020304" pitchFamily="18" charset="0"/>
               </a:rPr>
               <a:t> </a:t>
             </a:r>
             <a:r>
-              <a:rPr lang="en-US" sz="3000" dirty="0" err="1">
-                <a:latin typeface="Times New Roman" panose="02020603050405020304" pitchFamily="18" charset="0"/>
+              <a:rPr lang="en-US" sz="1600" dirty="0" err="1">
+                <a:latin typeface="Segoe UI Black" panose="020B0A02040204020203" pitchFamily="34" charset="0"/>
+                <a:ea typeface="Segoe UI Black" panose="020B0A02040204020203" pitchFamily="34" charset="0"/>
                 <a:cs typeface="Times New Roman" panose="02020603050405020304" pitchFamily="18" charset="0"/>
               </a:rPr>
               <a:t>cho:có</a:t>
             </a:r>
             <a:r>
-              <a:rPr lang="en-US" sz="3000" dirty="0">
-                <a:latin typeface="Times New Roman" panose="02020603050405020304" pitchFamily="18" charset="0"/>
+              <a:rPr lang="en-US" sz="1600" dirty="0">
+                <a:latin typeface="Segoe UI Black" panose="020B0A02040204020203" pitchFamily="34" charset="0"/>
+                <a:ea typeface="Segoe UI Black" panose="020B0A02040204020203" pitchFamily="34" charset="0"/>
                 <a:cs typeface="Times New Roman" panose="02020603050405020304" pitchFamily="18" charset="0"/>
               </a:rPr>
               <a:t> </a:t>
             </a:r>
             <a:r>
-              <a:rPr lang="en-US" sz="3000" dirty="0" err="1">
-                <a:latin typeface="Times New Roman" panose="02020603050405020304" pitchFamily="18" charset="0"/>
+              <a:rPr lang="en-US" sz="1600" dirty="0" err="1">
+                <a:latin typeface="Segoe UI Black" panose="020B0A02040204020203" pitchFamily="34" charset="0"/>
+                <a:ea typeface="Segoe UI Black" panose="020B0A02040204020203" pitchFamily="34" charset="0"/>
                 <a:cs typeface="Times New Roman" panose="02020603050405020304" pitchFamily="18" charset="0"/>
               </a:rPr>
               <a:t>thể</a:t>
             </a:r>
             <a:r>
-              <a:rPr lang="en-US" sz="3000" dirty="0">
-                <a:latin typeface="Times New Roman" panose="02020603050405020304" pitchFamily="18" charset="0"/>
+              <a:rPr lang="en-US" sz="1600" dirty="0">
+                <a:latin typeface="Segoe UI Black" panose="020B0A02040204020203" pitchFamily="34" charset="0"/>
+                <a:ea typeface="Segoe UI Black" panose="020B0A02040204020203" pitchFamily="34" charset="0"/>
                 <a:cs typeface="Times New Roman" panose="02020603050405020304" pitchFamily="18" charset="0"/>
               </a:rPr>
               <a:t> </a:t>
             </a:r>
             <a:r>
-              <a:rPr lang="en-US" sz="3000" dirty="0" err="1">
-                <a:latin typeface="Times New Roman" panose="02020603050405020304" pitchFamily="18" charset="0"/>
+              <a:rPr lang="en-US" sz="1600" dirty="0" err="1">
+                <a:latin typeface="Segoe UI Black" panose="020B0A02040204020203" pitchFamily="34" charset="0"/>
+                <a:ea typeface="Segoe UI Black" panose="020B0A02040204020203" pitchFamily="34" charset="0"/>
                 <a:cs typeface="Times New Roman" panose="02020603050405020304" pitchFamily="18" charset="0"/>
               </a:rPr>
               <a:t>chọn</a:t>
             </a:r>
             <a:r>
-              <a:rPr lang="en-US" sz="3000" dirty="0">
-                <a:latin typeface="Times New Roman" panose="02020603050405020304" pitchFamily="18" charset="0"/>
+              <a:rPr lang="en-US" sz="1600" dirty="0">
+                <a:latin typeface="Segoe UI Black" panose="020B0A02040204020203" pitchFamily="34" charset="0"/>
+                <a:ea typeface="Segoe UI Black" panose="020B0A02040204020203" pitchFamily="34" charset="0"/>
                 <a:cs typeface="Times New Roman" panose="02020603050405020304" pitchFamily="18" charset="0"/>
               </a:rPr>
               <a:t> </a:t>
             </a:r>
             <a:r>
-              <a:rPr lang="en-US" sz="3000" dirty="0" err="1">
-                <a:latin typeface="Times New Roman" panose="02020603050405020304" pitchFamily="18" charset="0"/>
+              <a:rPr lang="en-US" sz="1600" dirty="0" err="1">
+                <a:latin typeface="Segoe UI Black" panose="020B0A02040204020203" pitchFamily="34" charset="0"/>
+                <a:ea typeface="Segoe UI Black" panose="020B0A02040204020203" pitchFamily="34" charset="0"/>
                 <a:cs typeface="Times New Roman" panose="02020603050405020304" pitchFamily="18" charset="0"/>
               </a:rPr>
               <a:t>nguồn</a:t>
             </a:r>
             <a:r>
-              <a:rPr lang="en-US" sz="3000" dirty="0">
-                <a:latin typeface="Times New Roman" panose="02020603050405020304" pitchFamily="18" charset="0"/>
+              <a:rPr lang="en-US" sz="1600" dirty="0">
+                <a:latin typeface="Segoe UI Black" panose="020B0A02040204020203" pitchFamily="34" charset="0"/>
+                <a:ea typeface="Segoe UI Black" panose="020B0A02040204020203" pitchFamily="34" charset="0"/>
                 <a:cs typeface="Times New Roman" panose="02020603050405020304" pitchFamily="18" charset="0"/>
               </a:rPr>
               <a:t> </a:t>
             </a:r>
             <a:r>
-              <a:rPr lang="en-US" sz="3000" dirty="0" err="1">
-                <a:latin typeface="Times New Roman" panose="02020603050405020304" pitchFamily="18" charset="0"/>
+              <a:rPr lang="en-US" sz="1600" dirty="0" err="1">
+                <a:latin typeface="Segoe UI Black" panose="020B0A02040204020203" pitchFamily="34" charset="0"/>
+                <a:ea typeface="Segoe UI Black" panose="020B0A02040204020203" pitchFamily="34" charset="0"/>
                 <a:cs typeface="Times New Roman" panose="02020603050405020304" pitchFamily="18" charset="0"/>
               </a:rPr>
               <a:t>để</a:t>
             </a:r>
             <a:r>
-              <a:rPr lang="en-US" sz="3000" dirty="0">
-                <a:latin typeface="Times New Roman" panose="02020603050405020304" pitchFamily="18" charset="0"/>
+              <a:rPr lang="en-US" sz="1600" dirty="0">
+                <a:latin typeface="Segoe UI Black" panose="020B0A02040204020203" pitchFamily="34" charset="0"/>
+                <a:ea typeface="Segoe UI Black" panose="020B0A02040204020203" pitchFamily="34" charset="0"/>
                 <a:cs typeface="Times New Roman" panose="02020603050405020304" pitchFamily="18" charset="0"/>
               </a:rPr>
               <a:t> upload</a:t>
@@ -7083,8 +7134,9 @@
           <a:lstStyle/>
           <a:p>
             <a:r>
-              <a:rPr lang="en-US" sz="5000" dirty="0">
-                <a:latin typeface="Times New Roman" panose="02020603050405020304" pitchFamily="18" charset="0"/>
+              <a:rPr lang="en-US" sz="3000" dirty="0">
+                <a:latin typeface="Segoe UI Black" panose="020B0A02040204020203" pitchFamily="34" charset="0"/>
+                <a:ea typeface="Segoe UI Black" panose="020B0A02040204020203" pitchFamily="34" charset="0"/>
                 <a:cs typeface="Times New Roman" panose="02020603050405020304" pitchFamily="18" charset="0"/>
               </a:rPr>
               <a:t>THIẾT LẬP CẤU HÌNH CHO CARD</a:t>
@@ -7107,7 +7159,7 @@
         <p:spPr>
           <a:xfrm>
             <a:off x="1969476" y="1730326"/>
-            <a:ext cx="9833317" cy="1938992"/>
+            <a:ext cx="9833317" cy="830997"/>
           </a:xfrm>
           <a:prstGeom prst="rect">
             <a:avLst/>
@@ -7121,398 +7173,455 @@
           <a:lstStyle/>
           <a:p>
             <a:r>
-              <a:rPr lang="en-US" sz="3000" dirty="0">
-                <a:latin typeface="Times New Roman" panose="02020603050405020304" pitchFamily="18" charset="0"/>
+              <a:rPr lang="en-US" sz="1600" dirty="0">
+                <a:latin typeface="Segoe UI Black" panose="020B0A02040204020203" pitchFamily="34" charset="0"/>
+                <a:ea typeface="Segoe UI Black" panose="020B0A02040204020203" pitchFamily="34" charset="0"/>
                 <a:cs typeface="Times New Roman" panose="02020603050405020304" pitchFamily="18" charset="0"/>
               </a:rPr>
               <a:t>Di </a:t>
             </a:r>
             <a:r>
-              <a:rPr lang="en-US" sz="3000" dirty="0" err="1">
-                <a:latin typeface="Times New Roman" panose="02020603050405020304" pitchFamily="18" charset="0"/>
+              <a:rPr lang="en-US" sz="1600" dirty="0" err="1">
+                <a:latin typeface="Segoe UI Black" panose="020B0A02040204020203" pitchFamily="34" charset="0"/>
+                <a:ea typeface="Segoe UI Black" panose="020B0A02040204020203" pitchFamily="34" charset="0"/>
                 <a:cs typeface="Times New Roman" panose="02020603050405020304" pitchFamily="18" charset="0"/>
               </a:rPr>
               <a:t>chuyển</a:t>
             </a:r>
             <a:r>
-              <a:rPr lang="en-US" sz="3000" dirty="0">
-                <a:latin typeface="Times New Roman" panose="02020603050405020304" pitchFamily="18" charset="0"/>
+              <a:rPr lang="en-US" sz="1600" dirty="0">
+                <a:latin typeface="Segoe UI Black" panose="020B0A02040204020203" pitchFamily="34" charset="0"/>
+                <a:ea typeface="Segoe UI Black" panose="020B0A02040204020203" pitchFamily="34" charset="0"/>
                 <a:cs typeface="Times New Roman" panose="02020603050405020304" pitchFamily="18" charset="0"/>
               </a:rPr>
               <a:t> </a:t>
             </a:r>
             <a:r>
-              <a:rPr lang="en-US" sz="3000" dirty="0" err="1">
-                <a:latin typeface="Times New Roman" panose="02020603050405020304" pitchFamily="18" charset="0"/>
+              <a:rPr lang="en-US" sz="1600" dirty="0" err="1">
+                <a:latin typeface="Segoe UI Black" panose="020B0A02040204020203" pitchFamily="34" charset="0"/>
+                <a:ea typeface="Segoe UI Black" panose="020B0A02040204020203" pitchFamily="34" charset="0"/>
                 <a:cs typeface="Times New Roman" panose="02020603050405020304" pitchFamily="18" charset="0"/>
               </a:rPr>
               <a:t>giữa</a:t>
             </a:r>
             <a:r>
-              <a:rPr lang="en-US" sz="3000" dirty="0">
-                <a:latin typeface="Times New Roman" panose="02020603050405020304" pitchFamily="18" charset="0"/>
+              <a:rPr lang="en-US" sz="1600" dirty="0">
+                <a:latin typeface="Segoe UI Black" panose="020B0A02040204020203" pitchFamily="34" charset="0"/>
+                <a:ea typeface="Segoe UI Black" panose="020B0A02040204020203" pitchFamily="34" charset="0"/>
                 <a:cs typeface="Times New Roman" panose="02020603050405020304" pitchFamily="18" charset="0"/>
               </a:rPr>
               <a:t> </a:t>
             </a:r>
             <a:r>
-              <a:rPr lang="en-US" sz="3000" dirty="0" err="1">
-                <a:latin typeface="Times New Roman" panose="02020603050405020304" pitchFamily="18" charset="0"/>
+              <a:rPr lang="en-US" sz="1600" dirty="0" err="1">
+                <a:latin typeface="Segoe UI Black" panose="020B0A02040204020203" pitchFamily="34" charset="0"/>
+                <a:ea typeface="Segoe UI Black" panose="020B0A02040204020203" pitchFamily="34" charset="0"/>
                 <a:cs typeface="Times New Roman" panose="02020603050405020304" pitchFamily="18" charset="0"/>
               </a:rPr>
               <a:t>các</a:t>
             </a:r>
             <a:r>
-              <a:rPr lang="en-US" sz="3000" dirty="0">
-                <a:latin typeface="Times New Roman" panose="02020603050405020304" pitchFamily="18" charset="0"/>
+              <a:rPr lang="en-US" sz="1600" dirty="0">
+                <a:latin typeface="Segoe UI Black" panose="020B0A02040204020203" pitchFamily="34" charset="0"/>
+                <a:ea typeface="Segoe UI Black" panose="020B0A02040204020203" pitchFamily="34" charset="0"/>
                 <a:cs typeface="Times New Roman" panose="02020603050405020304" pitchFamily="18" charset="0"/>
               </a:rPr>
               <a:t> card: ta </a:t>
             </a:r>
             <a:r>
-              <a:rPr lang="en-US" sz="3000" dirty="0" err="1">
-                <a:latin typeface="Times New Roman" panose="02020603050405020304" pitchFamily="18" charset="0"/>
+              <a:rPr lang="en-US" sz="1600" dirty="0" err="1">
+                <a:latin typeface="Segoe UI Black" panose="020B0A02040204020203" pitchFamily="34" charset="0"/>
+                <a:ea typeface="Segoe UI Black" panose="020B0A02040204020203" pitchFamily="34" charset="0"/>
                 <a:cs typeface="Times New Roman" panose="02020603050405020304" pitchFamily="18" charset="0"/>
               </a:rPr>
               <a:t>chỉ</a:t>
             </a:r>
             <a:r>
-              <a:rPr lang="en-US" sz="3000" dirty="0">
-                <a:latin typeface="Times New Roman" panose="02020603050405020304" pitchFamily="18" charset="0"/>
+              <a:rPr lang="en-US" sz="1600" dirty="0">
+                <a:latin typeface="Segoe UI Black" panose="020B0A02040204020203" pitchFamily="34" charset="0"/>
+                <a:ea typeface="Segoe UI Black" panose="020B0A02040204020203" pitchFamily="34" charset="0"/>
                 <a:cs typeface="Times New Roman" panose="02020603050405020304" pitchFamily="18" charset="0"/>
               </a:rPr>
               <a:t> </a:t>
             </a:r>
             <a:r>
-              <a:rPr lang="en-US" sz="3000" dirty="0" err="1">
-                <a:latin typeface="Times New Roman" panose="02020603050405020304" pitchFamily="18" charset="0"/>
+              <a:rPr lang="en-US" sz="1600" dirty="0" err="1">
+                <a:latin typeface="Segoe UI Black" panose="020B0A02040204020203" pitchFamily="34" charset="0"/>
+                <a:ea typeface="Segoe UI Black" panose="020B0A02040204020203" pitchFamily="34" charset="0"/>
                 <a:cs typeface="Times New Roman" panose="02020603050405020304" pitchFamily="18" charset="0"/>
               </a:rPr>
               <a:t>cần</a:t>
             </a:r>
             <a:r>
-              <a:rPr lang="en-US" sz="3000" dirty="0">
-                <a:latin typeface="Times New Roman" panose="02020603050405020304" pitchFamily="18" charset="0"/>
+              <a:rPr lang="en-US" sz="1600" dirty="0">
+                <a:latin typeface="Segoe UI Black" panose="020B0A02040204020203" pitchFamily="34" charset="0"/>
+                <a:ea typeface="Segoe UI Black" panose="020B0A02040204020203" pitchFamily="34" charset="0"/>
                 <a:cs typeface="Times New Roman" panose="02020603050405020304" pitchFamily="18" charset="0"/>
               </a:rPr>
               <a:t> list </a:t>
             </a:r>
             <a:r>
-              <a:rPr lang="en-US" sz="3000" dirty="0" err="1">
-                <a:latin typeface="Times New Roman" panose="02020603050405020304" pitchFamily="18" charset="0"/>
+              <a:rPr lang="en-US" sz="1600" dirty="0" err="1">
+                <a:latin typeface="Segoe UI Black" panose="020B0A02040204020203" pitchFamily="34" charset="0"/>
+                <a:ea typeface="Segoe UI Black" panose="020B0A02040204020203" pitchFamily="34" charset="0"/>
                 <a:cs typeface="Times New Roman" panose="02020603050405020304" pitchFamily="18" charset="0"/>
               </a:rPr>
               <a:t>chuột</a:t>
             </a:r>
             <a:r>
-              <a:rPr lang="en-US" sz="3000" dirty="0">
-                <a:latin typeface="Times New Roman" panose="02020603050405020304" pitchFamily="18" charset="0"/>
+              <a:rPr lang="en-US" sz="1600" dirty="0">
+                <a:latin typeface="Segoe UI Black" panose="020B0A02040204020203" pitchFamily="34" charset="0"/>
+                <a:ea typeface="Segoe UI Black" panose="020B0A02040204020203" pitchFamily="34" charset="0"/>
                 <a:cs typeface="Times New Roman" panose="02020603050405020304" pitchFamily="18" charset="0"/>
               </a:rPr>
               <a:t> </a:t>
             </a:r>
             <a:r>
-              <a:rPr lang="en-US" sz="3000" dirty="0" err="1">
-                <a:latin typeface="Times New Roman" panose="02020603050405020304" pitchFamily="18" charset="0"/>
+              <a:rPr lang="en-US" sz="1600" dirty="0" err="1">
+                <a:latin typeface="Segoe UI Black" panose="020B0A02040204020203" pitchFamily="34" charset="0"/>
+                <a:ea typeface="Segoe UI Black" panose="020B0A02040204020203" pitchFamily="34" charset="0"/>
                 <a:cs typeface="Times New Roman" panose="02020603050405020304" pitchFamily="18" charset="0"/>
               </a:rPr>
               <a:t>vào</a:t>
             </a:r>
             <a:r>
-              <a:rPr lang="en-US" sz="3000" dirty="0">
-                <a:latin typeface="Times New Roman" panose="02020603050405020304" pitchFamily="18" charset="0"/>
+              <a:rPr lang="en-US" sz="1600" dirty="0">
+                <a:latin typeface="Segoe UI Black" panose="020B0A02040204020203" pitchFamily="34" charset="0"/>
+                <a:ea typeface="Segoe UI Black" panose="020B0A02040204020203" pitchFamily="34" charset="0"/>
                 <a:cs typeface="Times New Roman" panose="02020603050405020304" pitchFamily="18" charset="0"/>
               </a:rPr>
               <a:t> </a:t>
             </a:r>
             <a:r>
-              <a:rPr lang="en-US" sz="3000" dirty="0" err="1">
-                <a:latin typeface="Times New Roman" panose="02020603050405020304" pitchFamily="18" charset="0"/>
+              <a:rPr lang="en-US" sz="1600" dirty="0" err="1">
+                <a:latin typeface="Segoe UI Black" panose="020B0A02040204020203" pitchFamily="34" charset="0"/>
+                <a:ea typeface="Segoe UI Black" panose="020B0A02040204020203" pitchFamily="34" charset="0"/>
                 <a:cs typeface="Times New Roman" panose="02020603050405020304" pitchFamily="18" charset="0"/>
               </a:rPr>
               <a:t>thẻ</a:t>
             </a:r>
             <a:r>
-              <a:rPr lang="en-US" sz="3000" dirty="0">
-                <a:latin typeface="Times New Roman" panose="02020603050405020304" pitchFamily="18" charset="0"/>
+              <a:rPr lang="en-US" sz="1600" dirty="0">
+                <a:latin typeface="Segoe UI Black" panose="020B0A02040204020203" pitchFamily="34" charset="0"/>
+                <a:ea typeface="Segoe UI Black" panose="020B0A02040204020203" pitchFamily="34" charset="0"/>
                 <a:cs typeface="Times New Roman" panose="02020603050405020304" pitchFamily="18" charset="0"/>
               </a:rPr>
               <a:t> </a:t>
             </a:r>
             <a:r>
-              <a:rPr lang="en-US" sz="3000" dirty="0" err="1">
-                <a:latin typeface="Times New Roman" panose="02020603050405020304" pitchFamily="18" charset="0"/>
+              <a:rPr lang="en-US" sz="1600" dirty="0" err="1">
+                <a:latin typeface="Segoe UI Black" panose="020B0A02040204020203" pitchFamily="34" charset="0"/>
+                <a:ea typeface="Segoe UI Black" panose="020B0A02040204020203" pitchFamily="34" charset="0"/>
                 <a:cs typeface="Times New Roman" panose="02020603050405020304" pitchFamily="18" charset="0"/>
               </a:rPr>
               <a:t>cần</a:t>
             </a:r>
             <a:r>
-              <a:rPr lang="en-US" sz="3000" dirty="0">
-                <a:latin typeface="Times New Roman" panose="02020603050405020304" pitchFamily="18" charset="0"/>
+              <a:rPr lang="en-US" sz="1600" dirty="0">
+                <a:latin typeface="Segoe UI Black" panose="020B0A02040204020203" pitchFamily="34" charset="0"/>
+                <a:ea typeface="Segoe UI Black" panose="020B0A02040204020203" pitchFamily="34" charset="0"/>
                 <a:cs typeface="Times New Roman" panose="02020603050405020304" pitchFamily="18" charset="0"/>
               </a:rPr>
               <a:t> di </a:t>
             </a:r>
             <a:r>
-              <a:rPr lang="en-US" sz="3000" dirty="0" err="1">
-                <a:latin typeface="Times New Roman" panose="02020603050405020304" pitchFamily="18" charset="0"/>
+              <a:rPr lang="en-US" sz="1600" dirty="0" err="1">
+                <a:latin typeface="Segoe UI Black" panose="020B0A02040204020203" pitchFamily="34" charset="0"/>
+                <a:ea typeface="Segoe UI Black" panose="020B0A02040204020203" pitchFamily="34" charset="0"/>
                 <a:cs typeface="Times New Roman" panose="02020603050405020304" pitchFamily="18" charset="0"/>
               </a:rPr>
               <a:t>chuyển</a:t>
             </a:r>
             <a:r>
-              <a:rPr lang="en-US" sz="3000" dirty="0">
-                <a:latin typeface="Times New Roman" panose="02020603050405020304" pitchFamily="18" charset="0"/>
+              <a:rPr lang="en-US" sz="1600" dirty="0">
+                <a:latin typeface="Segoe UI Black" panose="020B0A02040204020203" pitchFamily="34" charset="0"/>
+                <a:ea typeface="Segoe UI Black" panose="020B0A02040204020203" pitchFamily="34" charset="0"/>
                 <a:cs typeface="Times New Roman" panose="02020603050405020304" pitchFamily="18" charset="0"/>
               </a:rPr>
               <a:t> </a:t>
             </a:r>
             <a:r>
-              <a:rPr lang="en-US" sz="3000" dirty="0" err="1">
-                <a:latin typeface="Times New Roman" panose="02020603050405020304" pitchFamily="18" charset="0"/>
+              <a:rPr lang="en-US" sz="1600" dirty="0" err="1">
+                <a:latin typeface="Segoe UI Black" panose="020B0A02040204020203" pitchFamily="34" charset="0"/>
+                <a:ea typeface="Segoe UI Black" panose="020B0A02040204020203" pitchFamily="34" charset="0"/>
                 <a:cs typeface="Times New Roman" panose="02020603050405020304" pitchFamily="18" charset="0"/>
               </a:rPr>
               <a:t>và</a:t>
             </a:r>
             <a:r>
-              <a:rPr lang="en-US" sz="3000" dirty="0">
-                <a:latin typeface="Times New Roman" panose="02020603050405020304" pitchFamily="18" charset="0"/>
+              <a:rPr lang="en-US" sz="1600" dirty="0">
+                <a:latin typeface="Segoe UI Black" panose="020B0A02040204020203" pitchFamily="34" charset="0"/>
+                <a:ea typeface="Segoe UI Black" panose="020B0A02040204020203" pitchFamily="34" charset="0"/>
                 <a:cs typeface="Times New Roman" panose="02020603050405020304" pitchFamily="18" charset="0"/>
               </a:rPr>
               <a:t> di </a:t>
             </a:r>
             <a:r>
-              <a:rPr lang="en-US" sz="3000" dirty="0" err="1">
-                <a:latin typeface="Times New Roman" panose="02020603050405020304" pitchFamily="18" charset="0"/>
+              <a:rPr lang="en-US" sz="1600" dirty="0" err="1">
+                <a:latin typeface="Segoe UI Black" panose="020B0A02040204020203" pitchFamily="34" charset="0"/>
+                <a:ea typeface="Segoe UI Black" panose="020B0A02040204020203" pitchFamily="34" charset="0"/>
                 <a:cs typeface="Times New Roman" panose="02020603050405020304" pitchFamily="18" charset="0"/>
               </a:rPr>
               <a:t>chuyển</a:t>
             </a:r>
             <a:r>
-              <a:rPr lang="en-US" sz="3000" dirty="0">
-                <a:latin typeface="Times New Roman" panose="02020603050405020304" pitchFamily="18" charset="0"/>
+              <a:rPr lang="en-US" sz="1600" dirty="0">
+                <a:latin typeface="Segoe UI Black" panose="020B0A02040204020203" pitchFamily="34" charset="0"/>
+                <a:ea typeface="Segoe UI Black" panose="020B0A02040204020203" pitchFamily="34" charset="0"/>
                 <a:cs typeface="Times New Roman" panose="02020603050405020304" pitchFamily="18" charset="0"/>
               </a:rPr>
               <a:t> </a:t>
             </a:r>
             <a:r>
-              <a:rPr lang="en-US" sz="3000" dirty="0" err="1">
-                <a:latin typeface="Times New Roman" panose="02020603050405020304" pitchFamily="18" charset="0"/>
+              <a:rPr lang="en-US" sz="1600" dirty="0" err="1">
+                <a:latin typeface="Segoe UI Black" panose="020B0A02040204020203" pitchFamily="34" charset="0"/>
+                <a:ea typeface="Segoe UI Black" panose="020B0A02040204020203" pitchFamily="34" charset="0"/>
                 <a:cs typeface="Times New Roman" panose="02020603050405020304" pitchFamily="18" charset="0"/>
               </a:rPr>
               <a:t>đến</a:t>
             </a:r>
             <a:r>
-              <a:rPr lang="en-US" sz="3000" dirty="0">
-                <a:latin typeface="Times New Roman" panose="02020603050405020304" pitchFamily="18" charset="0"/>
+              <a:rPr lang="en-US" sz="1600" dirty="0">
+                <a:latin typeface="Segoe UI Black" panose="020B0A02040204020203" pitchFamily="34" charset="0"/>
+                <a:ea typeface="Segoe UI Black" panose="020B0A02040204020203" pitchFamily="34" charset="0"/>
                 <a:cs typeface="Times New Roman" panose="02020603050405020304" pitchFamily="18" charset="0"/>
               </a:rPr>
               <a:t> </a:t>
             </a:r>
             <a:r>
-              <a:rPr lang="en-US" sz="3000" dirty="0" err="1">
-                <a:latin typeface="Times New Roman" panose="02020603050405020304" pitchFamily="18" charset="0"/>
+              <a:rPr lang="en-US" sz="1600" dirty="0" err="1">
+                <a:latin typeface="Segoe UI Black" panose="020B0A02040204020203" pitchFamily="34" charset="0"/>
+                <a:ea typeface="Segoe UI Black" panose="020B0A02040204020203" pitchFamily="34" charset="0"/>
                 <a:cs typeface="Times New Roman" panose="02020603050405020304" pitchFamily="18" charset="0"/>
               </a:rPr>
               <a:t>nơi</a:t>
             </a:r>
             <a:r>
-              <a:rPr lang="en-US" sz="3000" dirty="0">
-                <a:latin typeface="Times New Roman" panose="02020603050405020304" pitchFamily="18" charset="0"/>
+              <a:rPr lang="en-US" sz="1600" dirty="0">
+                <a:latin typeface="Segoe UI Black" panose="020B0A02040204020203" pitchFamily="34" charset="0"/>
+                <a:ea typeface="Segoe UI Black" panose="020B0A02040204020203" pitchFamily="34" charset="0"/>
                 <a:cs typeface="Times New Roman" panose="02020603050405020304" pitchFamily="18" charset="0"/>
               </a:rPr>
               <a:t> </a:t>
             </a:r>
             <a:r>
-              <a:rPr lang="en-US" sz="3000" dirty="0" err="1">
-                <a:latin typeface="Times New Roman" panose="02020603050405020304" pitchFamily="18" charset="0"/>
+              <a:rPr lang="en-US" sz="1600" dirty="0" err="1">
+                <a:latin typeface="Segoe UI Black" panose="020B0A02040204020203" pitchFamily="34" charset="0"/>
+                <a:ea typeface="Segoe UI Black" panose="020B0A02040204020203" pitchFamily="34" charset="0"/>
                 <a:cs typeface="Times New Roman" panose="02020603050405020304" pitchFamily="18" charset="0"/>
               </a:rPr>
               <a:t>bạn</a:t>
             </a:r>
             <a:r>
-              <a:rPr lang="en-US" sz="3000" dirty="0">
-                <a:latin typeface="Times New Roman" panose="02020603050405020304" pitchFamily="18" charset="0"/>
+              <a:rPr lang="en-US" sz="1600" dirty="0">
+                <a:latin typeface="Segoe UI Black" panose="020B0A02040204020203" pitchFamily="34" charset="0"/>
+                <a:ea typeface="Segoe UI Black" panose="020B0A02040204020203" pitchFamily="34" charset="0"/>
                 <a:cs typeface="Times New Roman" panose="02020603050405020304" pitchFamily="18" charset="0"/>
               </a:rPr>
               <a:t> </a:t>
             </a:r>
             <a:r>
-              <a:rPr lang="en-US" sz="3000" dirty="0" err="1">
-                <a:latin typeface="Times New Roman" panose="02020603050405020304" pitchFamily="18" charset="0"/>
+              <a:rPr lang="en-US" sz="1600" dirty="0" err="1">
+                <a:latin typeface="Segoe UI Black" panose="020B0A02040204020203" pitchFamily="34" charset="0"/>
+                <a:ea typeface="Segoe UI Black" panose="020B0A02040204020203" pitchFamily="34" charset="0"/>
                 <a:cs typeface="Times New Roman" panose="02020603050405020304" pitchFamily="18" charset="0"/>
               </a:rPr>
               <a:t>muốn</a:t>
             </a:r>
-            <a:endParaRPr lang="en-US" sz="3000" dirty="0">
-              <a:latin typeface="Times New Roman" panose="02020603050405020304" pitchFamily="18" charset="0"/>
+            <a:endParaRPr lang="en-US" sz="1600" dirty="0">
+              <a:latin typeface="Segoe UI Black" panose="020B0A02040204020203" pitchFamily="34" charset="0"/>
+              <a:ea typeface="Segoe UI Black" panose="020B0A02040204020203" pitchFamily="34" charset="0"/>
               <a:cs typeface="Times New Roman" panose="02020603050405020304" pitchFamily="18" charset="0"/>
             </a:endParaRPr>
           </a:p>
           <a:p>
             <a:r>
-              <a:rPr lang="en-US" sz="3000" dirty="0" err="1">
-                <a:latin typeface="Times New Roman" panose="02020603050405020304" pitchFamily="18" charset="0"/>
+              <a:rPr lang="en-US" sz="1600" dirty="0" err="1">
+                <a:latin typeface="Segoe UI Black" panose="020B0A02040204020203" pitchFamily="34" charset="0"/>
+                <a:ea typeface="Segoe UI Black" panose="020B0A02040204020203" pitchFamily="34" charset="0"/>
                 <a:cs typeface="Times New Roman" panose="02020603050405020304" pitchFamily="18" charset="0"/>
               </a:rPr>
               <a:t>Ngoài</a:t>
             </a:r>
             <a:r>
-              <a:rPr lang="en-US" sz="3000" dirty="0">
-                <a:latin typeface="Times New Roman" panose="02020603050405020304" pitchFamily="18" charset="0"/>
+              <a:rPr lang="en-US" sz="1600" dirty="0">
+                <a:latin typeface="Segoe UI Black" panose="020B0A02040204020203" pitchFamily="34" charset="0"/>
+                <a:ea typeface="Segoe UI Black" panose="020B0A02040204020203" pitchFamily="34" charset="0"/>
                 <a:cs typeface="Times New Roman" panose="02020603050405020304" pitchFamily="18" charset="0"/>
               </a:rPr>
               <a:t> ra, </a:t>
             </a:r>
             <a:r>
-              <a:rPr lang="en-US" sz="3000" dirty="0" err="1">
-                <a:latin typeface="Times New Roman" panose="02020603050405020304" pitchFamily="18" charset="0"/>
+              <a:rPr lang="en-US" sz="1600" dirty="0" err="1">
+                <a:latin typeface="Segoe UI Black" panose="020B0A02040204020203" pitchFamily="34" charset="0"/>
+                <a:ea typeface="Segoe UI Black" panose="020B0A02040204020203" pitchFamily="34" charset="0"/>
                 <a:cs typeface="Times New Roman" panose="02020603050405020304" pitchFamily="18" charset="0"/>
               </a:rPr>
               <a:t>chọn</a:t>
             </a:r>
             <a:r>
-              <a:rPr lang="en-US" sz="3000" dirty="0">
-                <a:latin typeface="Times New Roman" panose="02020603050405020304" pitchFamily="18" charset="0"/>
+              <a:rPr lang="en-US" sz="1600" dirty="0">
+                <a:latin typeface="Segoe UI Black" panose="020B0A02040204020203" pitchFamily="34" charset="0"/>
+                <a:ea typeface="Segoe UI Black" panose="020B0A02040204020203" pitchFamily="34" charset="0"/>
                 <a:cs typeface="Times New Roman" panose="02020603050405020304" pitchFamily="18" charset="0"/>
               </a:rPr>
               <a:t> </a:t>
             </a:r>
             <a:r>
-              <a:rPr lang="en-US" sz="3000" dirty="0" err="1">
-                <a:latin typeface="Times New Roman" panose="02020603050405020304" pitchFamily="18" charset="0"/>
+              <a:rPr lang="en-US" sz="1600" dirty="0" err="1">
+                <a:latin typeface="Segoe UI Black" panose="020B0A02040204020203" pitchFamily="34" charset="0"/>
+                <a:ea typeface="Segoe UI Black" panose="020B0A02040204020203" pitchFamily="34" charset="0"/>
                 <a:cs typeface="Times New Roman" panose="02020603050405020304" pitchFamily="18" charset="0"/>
               </a:rPr>
               <a:t>thẻ</a:t>
             </a:r>
             <a:r>
-              <a:rPr lang="en-US" sz="3000" dirty="0">
-                <a:latin typeface="Times New Roman" panose="02020603050405020304" pitchFamily="18" charset="0"/>
+              <a:rPr lang="en-US" sz="1600" dirty="0">
+                <a:latin typeface="Segoe UI Black" panose="020B0A02040204020203" pitchFamily="34" charset="0"/>
+                <a:ea typeface="Segoe UI Black" panose="020B0A02040204020203" pitchFamily="34" charset="0"/>
                 <a:cs typeface="Times New Roman" panose="02020603050405020304" pitchFamily="18" charset="0"/>
               </a:rPr>
               <a:t> di </a:t>
             </a:r>
             <a:r>
-              <a:rPr lang="en-US" sz="3000" dirty="0" err="1">
-                <a:latin typeface="Times New Roman" panose="02020603050405020304" pitchFamily="18" charset="0"/>
+              <a:rPr lang="en-US" sz="1600" dirty="0" err="1">
+                <a:latin typeface="Segoe UI Black" panose="020B0A02040204020203" pitchFamily="34" charset="0"/>
+                <a:ea typeface="Segoe UI Black" panose="020B0A02040204020203" pitchFamily="34" charset="0"/>
                 <a:cs typeface="Times New Roman" panose="02020603050405020304" pitchFamily="18" charset="0"/>
               </a:rPr>
               <a:t>chuyển</a:t>
             </a:r>
             <a:r>
-              <a:rPr lang="en-US" sz="3000" dirty="0">
-                <a:latin typeface="Times New Roman" panose="02020603050405020304" pitchFamily="18" charset="0"/>
+              <a:rPr lang="en-US" sz="1600" dirty="0">
+                <a:latin typeface="Segoe UI Black" panose="020B0A02040204020203" pitchFamily="34" charset="0"/>
+                <a:ea typeface="Segoe UI Black" panose="020B0A02040204020203" pitchFamily="34" charset="0"/>
                 <a:cs typeface="Times New Roman" panose="02020603050405020304" pitchFamily="18" charset="0"/>
               </a:rPr>
               <a:t> -&gt; di </a:t>
             </a:r>
             <a:r>
-              <a:rPr lang="en-US" sz="3000" dirty="0" err="1">
-                <a:latin typeface="Times New Roman" panose="02020603050405020304" pitchFamily="18" charset="0"/>
+              <a:rPr lang="en-US" sz="1600" dirty="0" err="1">
+                <a:latin typeface="Segoe UI Black" panose="020B0A02040204020203" pitchFamily="34" charset="0"/>
+                <a:ea typeface="Segoe UI Black" panose="020B0A02040204020203" pitchFamily="34" charset="0"/>
                 <a:cs typeface="Times New Roman" panose="02020603050405020304" pitchFamily="18" charset="0"/>
               </a:rPr>
               <a:t>chuyển</a:t>
             </a:r>
             <a:r>
-              <a:rPr lang="en-US" sz="3000" dirty="0">
-                <a:latin typeface="Times New Roman" panose="02020603050405020304" pitchFamily="18" charset="0"/>
+              <a:rPr lang="en-US" sz="1600" dirty="0">
+                <a:latin typeface="Segoe UI Black" panose="020B0A02040204020203" pitchFamily="34" charset="0"/>
+                <a:ea typeface="Segoe UI Black" panose="020B0A02040204020203" pitchFamily="34" charset="0"/>
                 <a:cs typeface="Times New Roman" panose="02020603050405020304" pitchFamily="18" charset="0"/>
               </a:rPr>
               <a:t> -&gt; </a:t>
             </a:r>
             <a:r>
-              <a:rPr lang="en-US" sz="3000" dirty="0" err="1">
-                <a:latin typeface="Times New Roman" panose="02020603050405020304" pitchFamily="18" charset="0"/>
+              <a:rPr lang="en-US" sz="1600" dirty="0" err="1">
+                <a:latin typeface="Segoe UI Black" panose="020B0A02040204020203" pitchFamily="34" charset="0"/>
+                <a:ea typeface="Segoe UI Black" panose="020B0A02040204020203" pitchFamily="34" charset="0"/>
                 <a:cs typeface="Times New Roman" panose="02020603050405020304" pitchFamily="18" charset="0"/>
               </a:rPr>
               <a:t>chọn</a:t>
             </a:r>
             <a:r>
-              <a:rPr lang="en-US" sz="3000" dirty="0">
-                <a:latin typeface="Times New Roman" panose="02020603050405020304" pitchFamily="18" charset="0"/>
+              <a:rPr lang="en-US" sz="1600" dirty="0">
+                <a:latin typeface="Segoe UI Black" panose="020B0A02040204020203" pitchFamily="34" charset="0"/>
+                <a:ea typeface="Segoe UI Black" panose="020B0A02040204020203" pitchFamily="34" charset="0"/>
                 <a:cs typeface="Times New Roman" panose="02020603050405020304" pitchFamily="18" charset="0"/>
               </a:rPr>
               <a:t> </a:t>
             </a:r>
             <a:r>
-              <a:rPr lang="en-US" sz="3000" dirty="0" err="1">
-                <a:latin typeface="Times New Roman" panose="02020603050405020304" pitchFamily="18" charset="0"/>
+              <a:rPr lang="en-US" sz="1600" dirty="0" err="1">
+                <a:latin typeface="Segoe UI Black" panose="020B0A02040204020203" pitchFamily="34" charset="0"/>
+                <a:ea typeface="Segoe UI Black" panose="020B0A02040204020203" pitchFamily="34" charset="0"/>
                 <a:cs typeface="Times New Roman" panose="02020603050405020304" pitchFamily="18" charset="0"/>
               </a:rPr>
               <a:t>đích</a:t>
             </a:r>
             <a:r>
-              <a:rPr lang="en-US" sz="3000" dirty="0">
-                <a:latin typeface="Times New Roman" panose="02020603050405020304" pitchFamily="18" charset="0"/>
+              <a:rPr lang="en-US" sz="1600" dirty="0">
+                <a:latin typeface="Segoe UI Black" panose="020B0A02040204020203" pitchFamily="34" charset="0"/>
+                <a:ea typeface="Segoe UI Black" panose="020B0A02040204020203" pitchFamily="34" charset="0"/>
                 <a:cs typeface="Times New Roman" panose="02020603050405020304" pitchFamily="18" charset="0"/>
               </a:rPr>
               <a:t> </a:t>
             </a:r>
             <a:r>
-              <a:rPr lang="en-US" sz="3000" dirty="0" err="1">
-                <a:latin typeface="Times New Roman" panose="02020603050405020304" pitchFamily="18" charset="0"/>
+              <a:rPr lang="en-US" sz="1600" dirty="0" err="1">
+                <a:latin typeface="Segoe UI Black" panose="020B0A02040204020203" pitchFamily="34" charset="0"/>
+                <a:ea typeface="Segoe UI Black" panose="020B0A02040204020203" pitchFamily="34" charset="0"/>
                 <a:cs typeface="Times New Roman" panose="02020603050405020304" pitchFamily="18" charset="0"/>
               </a:rPr>
               <a:t>đến</a:t>
             </a:r>
             <a:r>
-              <a:rPr lang="en-US" sz="3000" dirty="0">
-                <a:latin typeface="Times New Roman" panose="02020603050405020304" pitchFamily="18" charset="0"/>
+              <a:rPr lang="en-US" sz="1600" dirty="0">
+                <a:latin typeface="Segoe UI Black" panose="020B0A02040204020203" pitchFamily="34" charset="0"/>
+                <a:ea typeface="Segoe UI Black" panose="020B0A02040204020203" pitchFamily="34" charset="0"/>
                 <a:cs typeface="Times New Roman" panose="02020603050405020304" pitchFamily="18" charset="0"/>
               </a:rPr>
               <a:t> -&gt; di </a:t>
             </a:r>
             <a:r>
-              <a:rPr lang="en-US" sz="3000" dirty="0" err="1">
-                <a:latin typeface="Times New Roman" panose="02020603050405020304" pitchFamily="18" charset="0"/>
+              <a:rPr lang="en-US" sz="1600" dirty="0" err="1">
+                <a:latin typeface="Segoe UI Black" panose="020B0A02040204020203" pitchFamily="34" charset="0"/>
+                <a:ea typeface="Segoe UI Black" panose="020B0A02040204020203" pitchFamily="34" charset="0"/>
                 <a:cs typeface="Times New Roman" panose="02020603050405020304" pitchFamily="18" charset="0"/>
               </a:rPr>
               <a:t>chuyển</a:t>
             </a:r>
             <a:r>
-              <a:rPr lang="en-US" sz="3000" dirty="0">
-                <a:latin typeface="Times New Roman" panose="02020603050405020304" pitchFamily="18" charset="0"/>
+              <a:rPr lang="en-US" sz="1600" dirty="0">
+                <a:latin typeface="Segoe UI Black" panose="020B0A02040204020203" pitchFamily="34" charset="0"/>
+                <a:ea typeface="Segoe UI Black" panose="020B0A02040204020203" pitchFamily="34" charset="0"/>
                 <a:cs typeface="Times New Roman" panose="02020603050405020304" pitchFamily="18" charset="0"/>
               </a:rPr>
               <a:t> </a:t>
             </a:r>
             <a:r>
-              <a:rPr lang="en-US" sz="3000" dirty="0" err="1">
-                <a:latin typeface="Times New Roman" panose="02020603050405020304" pitchFamily="18" charset="0"/>
+              <a:rPr lang="en-US" sz="1600" dirty="0" err="1">
+                <a:latin typeface="Segoe UI Black" panose="020B0A02040204020203" pitchFamily="34" charset="0"/>
+                <a:ea typeface="Segoe UI Black" panose="020B0A02040204020203" pitchFamily="34" charset="0"/>
                 <a:cs typeface="Times New Roman" panose="02020603050405020304" pitchFamily="18" charset="0"/>
               </a:rPr>
               <a:t>là</a:t>
             </a:r>
             <a:r>
-              <a:rPr lang="en-US" sz="3000" dirty="0">
-                <a:latin typeface="Times New Roman" panose="02020603050405020304" pitchFamily="18" charset="0"/>
+              <a:rPr lang="en-US" sz="1600" dirty="0">
+                <a:latin typeface="Segoe UI Black" panose="020B0A02040204020203" pitchFamily="34" charset="0"/>
+                <a:ea typeface="Segoe UI Black" panose="020B0A02040204020203" pitchFamily="34" charset="0"/>
                 <a:cs typeface="Times New Roman" panose="02020603050405020304" pitchFamily="18" charset="0"/>
               </a:rPr>
               <a:t> </a:t>
             </a:r>
             <a:r>
-              <a:rPr lang="en-US" sz="3000" dirty="0" err="1">
-                <a:latin typeface="Times New Roman" panose="02020603050405020304" pitchFamily="18" charset="0"/>
+              <a:rPr lang="en-US" sz="1600" dirty="0" err="1">
+                <a:latin typeface="Segoe UI Black" panose="020B0A02040204020203" pitchFamily="34" charset="0"/>
+                <a:ea typeface="Segoe UI Black" panose="020B0A02040204020203" pitchFamily="34" charset="0"/>
                 <a:cs typeface="Times New Roman" panose="02020603050405020304" pitchFamily="18" charset="0"/>
               </a:rPr>
               <a:t>hoàn</a:t>
             </a:r>
             <a:r>
-              <a:rPr lang="en-US" sz="3000" dirty="0">
-                <a:latin typeface="Times New Roman" panose="02020603050405020304" pitchFamily="18" charset="0"/>
+              <a:rPr lang="en-US" sz="1600" dirty="0">
+                <a:latin typeface="Segoe UI Black" panose="020B0A02040204020203" pitchFamily="34" charset="0"/>
+                <a:ea typeface="Segoe UI Black" panose="020B0A02040204020203" pitchFamily="34" charset="0"/>
                 <a:cs typeface="Times New Roman" panose="02020603050405020304" pitchFamily="18" charset="0"/>
               </a:rPr>
               <a:t> </a:t>
             </a:r>
             <a:r>
-              <a:rPr lang="en-US" sz="3000" dirty="0" err="1">
-                <a:latin typeface="Times New Roman" panose="02020603050405020304" pitchFamily="18" charset="0"/>
+              <a:rPr lang="en-US" sz="1600" dirty="0" err="1">
+                <a:latin typeface="Segoe UI Black" panose="020B0A02040204020203" pitchFamily="34" charset="0"/>
+                <a:ea typeface="Segoe UI Black" panose="020B0A02040204020203" pitchFamily="34" charset="0"/>
                 <a:cs typeface="Times New Roman" panose="02020603050405020304" pitchFamily="18" charset="0"/>
               </a:rPr>
               <a:t>thành</a:t>
             </a:r>
-            <a:endParaRPr lang="en-US" sz="3000" dirty="0">
-              <a:latin typeface="Times New Roman" panose="02020603050405020304" pitchFamily="18" charset="0"/>
+            <a:endParaRPr lang="en-US" sz="1600" dirty="0">
+              <a:latin typeface="Segoe UI Black" panose="020B0A02040204020203" pitchFamily="34" charset="0"/>
+              <a:ea typeface="Segoe UI Black" panose="020B0A02040204020203" pitchFamily="34" charset="0"/>
               <a:cs typeface="Times New Roman" panose="02020603050405020304" pitchFamily="18" charset="0"/>
             </a:endParaRPr>
           </a:p>
@@ -7605,8 +7714,9 @@
           <a:lstStyle/>
           <a:p>
             <a:r>
-              <a:rPr lang="en-US" sz="5000" dirty="0">
-                <a:latin typeface="Times New Roman" panose="02020603050405020304" pitchFamily="18" charset="0"/>
+              <a:rPr lang="en-US" sz="3000" dirty="0">
+                <a:latin typeface="Segoe UI Black" panose="020B0A02040204020203" pitchFamily="34" charset="0"/>
+                <a:ea typeface="Segoe UI Black" panose="020B0A02040204020203" pitchFamily="34" charset="0"/>
                 <a:cs typeface="Times New Roman" panose="02020603050405020304" pitchFamily="18" charset="0"/>
               </a:rPr>
               <a:t>THIẾT LẬP CẤU HÌNH CHO CARD</a:t>
@@ -7629,7 +7739,7 @@
         <p:spPr>
           <a:xfrm>
             <a:off x="1969476" y="1730326"/>
-            <a:ext cx="9833317" cy="553998"/>
+            <a:ext cx="9833317" cy="338554"/>
           </a:xfrm>
           <a:prstGeom prst="rect">
             <a:avLst/>
@@ -7643,85 +7753,97 @@
           <a:lstStyle/>
           <a:p>
             <a:r>
-              <a:rPr lang="en-US" sz="3000" dirty="0" err="1">
-                <a:latin typeface="Times New Roman" panose="02020603050405020304" pitchFamily="18" charset="0"/>
+              <a:rPr lang="en-US" sz="1600" dirty="0" err="1">
+                <a:latin typeface="Segoe UI Black" panose="020B0A02040204020203" pitchFamily="34" charset="0"/>
+                <a:ea typeface="Segoe UI Black" panose="020B0A02040204020203" pitchFamily="34" charset="0"/>
                 <a:cs typeface="Times New Roman" panose="02020603050405020304" pitchFamily="18" charset="0"/>
               </a:rPr>
               <a:t>Cấu</a:t>
             </a:r>
             <a:r>
-              <a:rPr lang="en-US" sz="3000" dirty="0">
-                <a:latin typeface="Times New Roman" panose="02020603050405020304" pitchFamily="18" charset="0"/>
+              <a:rPr lang="en-US" sz="1600" dirty="0">
+                <a:latin typeface="Segoe UI Black" panose="020B0A02040204020203" pitchFamily="34" charset="0"/>
+                <a:ea typeface="Segoe UI Black" panose="020B0A02040204020203" pitchFamily="34" charset="0"/>
                 <a:cs typeface="Times New Roman" panose="02020603050405020304" pitchFamily="18" charset="0"/>
               </a:rPr>
               <a:t> </a:t>
             </a:r>
             <a:r>
-              <a:rPr lang="en-US" sz="3000" dirty="0" err="1">
-                <a:latin typeface="Times New Roman" panose="02020603050405020304" pitchFamily="18" charset="0"/>
+              <a:rPr lang="en-US" sz="1600" dirty="0" err="1">
+                <a:latin typeface="Segoe UI Black" panose="020B0A02040204020203" pitchFamily="34" charset="0"/>
+                <a:ea typeface="Segoe UI Black" panose="020B0A02040204020203" pitchFamily="34" charset="0"/>
                 <a:cs typeface="Times New Roman" panose="02020603050405020304" pitchFamily="18" charset="0"/>
               </a:rPr>
               <a:t>hình</a:t>
             </a:r>
             <a:r>
-              <a:rPr lang="en-US" sz="3000" dirty="0">
-                <a:latin typeface="Times New Roman" panose="02020603050405020304" pitchFamily="18" charset="0"/>
+              <a:rPr lang="en-US" sz="1600" dirty="0">
+                <a:latin typeface="Segoe UI Black" panose="020B0A02040204020203" pitchFamily="34" charset="0"/>
+                <a:ea typeface="Segoe UI Black" panose="020B0A02040204020203" pitchFamily="34" charset="0"/>
                 <a:cs typeface="Times New Roman" panose="02020603050405020304" pitchFamily="18" charset="0"/>
               </a:rPr>
               <a:t> </a:t>
             </a:r>
             <a:r>
-              <a:rPr lang="en-US" sz="3000" dirty="0" err="1">
-                <a:latin typeface="Times New Roman" panose="02020603050405020304" pitchFamily="18" charset="0"/>
+              <a:rPr lang="en-US" sz="1600" dirty="0" err="1">
+                <a:latin typeface="Segoe UI Black" panose="020B0A02040204020203" pitchFamily="34" charset="0"/>
+                <a:ea typeface="Segoe UI Black" panose="020B0A02040204020203" pitchFamily="34" charset="0"/>
                 <a:cs typeface="Times New Roman" panose="02020603050405020304" pitchFamily="18" charset="0"/>
               </a:rPr>
               <a:t>hoàn</a:t>
             </a:r>
             <a:r>
-              <a:rPr lang="en-US" sz="3000" dirty="0">
-                <a:latin typeface="Times New Roman" panose="02020603050405020304" pitchFamily="18" charset="0"/>
+              <a:rPr lang="en-US" sz="1600" dirty="0">
+                <a:latin typeface="Segoe UI Black" panose="020B0A02040204020203" pitchFamily="34" charset="0"/>
+                <a:ea typeface="Segoe UI Black" panose="020B0A02040204020203" pitchFamily="34" charset="0"/>
                 <a:cs typeface="Times New Roman" panose="02020603050405020304" pitchFamily="18" charset="0"/>
               </a:rPr>
               <a:t> </a:t>
             </a:r>
             <a:r>
-              <a:rPr lang="en-US" sz="3000" dirty="0" err="1">
-                <a:latin typeface="Times New Roman" panose="02020603050405020304" pitchFamily="18" charset="0"/>
+              <a:rPr lang="en-US" sz="1600" dirty="0" err="1">
+                <a:latin typeface="Segoe UI Black" panose="020B0A02040204020203" pitchFamily="34" charset="0"/>
+                <a:ea typeface="Segoe UI Black" panose="020B0A02040204020203" pitchFamily="34" charset="0"/>
                 <a:cs typeface="Times New Roman" panose="02020603050405020304" pitchFamily="18" charset="0"/>
               </a:rPr>
               <a:t>chỉnh</a:t>
             </a:r>
             <a:r>
-              <a:rPr lang="en-US" sz="3000" dirty="0">
-                <a:latin typeface="Times New Roman" panose="02020603050405020304" pitchFamily="18" charset="0"/>
+              <a:rPr lang="en-US" sz="1600" dirty="0">
+                <a:latin typeface="Segoe UI Black" panose="020B0A02040204020203" pitchFamily="34" charset="0"/>
+                <a:ea typeface="Segoe UI Black" panose="020B0A02040204020203" pitchFamily="34" charset="0"/>
                 <a:cs typeface="Times New Roman" panose="02020603050405020304" pitchFamily="18" charset="0"/>
               </a:rPr>
               <a:t> </a:t>
             </a:r>
             <a:r>
-              <a:rPr lang="en-US" sz="3000" dirty="0" err="1">
-                <a:latin typeface="Times New Roman" panose="02020603050405020304" pitchFamily="18" charset="0"/>
+              <a:rPr lang="en-US" sz="1600" dirty="0" err="1">
+                <a:latin typeface="Segoe UI Black" panose="020B0A02040204020203" pitchFamily="34" charset="0"/>
+                <a:ea typeface="Segoe UI Black" panose="020B0A02040204020203" pitchFamily="34" charset="0"/>
                 <a:cs typeface="Times New Roman" panose="02020603050405020304" pitchFamily="18" charset="0"/>
               </a:rPr>
               <a:t>cho</a:t>
             </a:r>
             <a:r>
-              <a:rPr lang="en-US" sz="3000" dirty="0">
-                <a:latin typeface="Times New Roman" panose="02020603050405020304" pitchFamily="18" charset="0"/>
+              <a:rPr lang="en-US" sz="1600" dirty="0">
+                <a:latin typeface="Segoe UI Black" panose="020B0A02040204020203" pitchFamily="34" charset="0"/>
+                <a:ea typeface="Segoe UI Black" panose="020B0A02040204020203" pitchFamily="34" charset="0"/>
                 <a:cs typeface="Times New Roman" panose="02020603050405020304" pitchFamily="18" charset="0"/>
               </a:rPr>
               <a:t> </a:t>
             </a:r>
             <a:r>
-              <a:rPr lang="en-US" sz="3000" dirty="0" err="1">
-                <a:latin typeface="Times New Roman" panose="02020603050405020304" pitchFamily="18" charset="0"/>
+              <a:rPr lang="en-US" sz="1600" dirty="0" err="1">
+                <a:latin typeface="Segoe UI Black" panose="020B0A02040204020203" pitchFamily="34" charset="0"/>
+                <a:ea typeface="Segoe UI Black" panose="020B0A02040204020203" pitchFamily="34" charset="0"/>
                 <a:cs typeface="Times New Roman" panose="02020603050405020304" pitchFamily="18" charset="0"/>
               </a:rPr>
               <a:t>một</a:t>
             </a:r>
             <a:r>
-              <a:rPr lang="en-US" sz="3000" dirty="0">
-                <a:latin typeface="Times New Roman" panose="02020603050405020304" pitchFamily="18" charset="0"/>
+              <a:rPr lang="en-US" sz="1600" dirty="0">
+                <a:latin typeface="Segoe UI Black" panose="020B0A02040204020203" pitchFamily="34" charset="0"/>
+                <a:ea typeface="Segoe UI Black" panose="020B0A02040204020203" pitchFamily="34" charset="0"/>
                 <a:cs typeface="Times New Roman" panose="02020603050405020304" pitchFamily="18" charset="0"/>
               </a:rPr>
               <a:t> card</a:t>
@@ -7816,8 +7938,9 @@
           <a:lstStyle/>
           <a:p>
             <a:r>
-              <a:rPr lang="en-US" sz="4500" dirty="0">
-                <a:latin typeface="Times New Roman" panose="02020603050405020304" pitchFamily="18" charset="0"/>
+              <a:rPr lang="en-US" sz="3000" dirty="0">
+                <a:latin typeface="Segoe UI Black" panose="020B0A02040204020203" pitchFamily="34" charset="0"/>
+                <a:ea typeface="Segoe UI Black" panose="020B0A02040204020203" pitchFamily="34" charset="0"/>
                 <a:cs typeface="Times New Roman" panose="02020603050405020304" pitchFamily="18" charset="0"/>
               </a:rPr>
               <a:t>TẠO TEAM VÀ THÊM THÀNH VIÊN</a:t>
@@ -7840,7 +7963,7 @@
         <p:spPr>
           <a:xfrm>
             <a:off x="2335237" y="1941342"/>
-            <a:ext cx="8117058" cy="553998"/>
+            <a:ext cx="8117058" cy="338554"/>
           </a:xfrm>
           <a:prstGeom prst="rect">
             <a:avLst/>
@@ -7854,15 +7977,17 @@
           <a:lstStyle/>
           <a:p>
             <a:r>
-              <a:rPr lang="en-US" sz="3000" dirty="0" err="1">
-                <a:latin typeface="Times New Roman" panose="02020603050405020304" pitchFamily="18" charset="0"/>
+              <a:rPr lang="en-US" sz="1600" dirty="0" err="1">
+                <a:latin typeface="Segoe UI Black" panose="020B0A02040204020203" pitchFamily="34" charset="0"/>
+                <a:ea typeface="Segoe UI Black" panose="020B0A02040204020203" pitchFamily="34" charset="0"/>
                 <a:cs typeface="Times New Roman" panose="02020603050405020304" pitchFamily="18" charset="0"/>
               </a:rPr>
               <a:t>Chọn</a:t>
             </a:r>
             <a:r>
-              <a:rPr lang="en-US" sz="3000" dirty="0">
-                <a:latin typeface="Times New Roman" panose="02020603050405020304" pitchFamily="18" charset="0"/>
+              <a:rPr lang="en-US" sz="1600" dirty="0">
+                <a:latin typeface="Segoe UI Black" panose="020B0A02040204020203" pitchFamily="34" charset="0"/>
+                <a:ea typeface="Segoe UI Black" panose="020B0A02040204020203" pitchFamily="34" charset="0"/>
                 <a:cs typeface="Times New Roman" panose="02020603050405020304" pitchFamily="18" charset="0"/>
               </a:rPr>
               <a:t> Personal -&gt;  Create team</a:t>
@@ -7957,8 +8082,9 @@
           <a:lstStyle/>
           <a:p>
             <a:r>
-              <a:rPr lang="en-US" sz="4500" dirty="0">
-                <a:latin typeface="Times New Roman" panose="02020603050405020304" pitchFamily="18" charset="0"/>
+              <a:rPr lang="en-US" sz="3000" dirty="0">
+                <a:latin typeface="Segoe UI Black" panose="020B0A02040204020203" pitchFamily="34" charset="0"/>
+                <a:ea typeface="Segoe UI Black" panose="020B0A02040204020203" pitchFamily="34" charset="0"/>
                 <a:cs typeface="Times New Roman" panose="02020603050405020304" pitchFamily="18" charset="0"/>
               </a:rPr>
               <a:t>TẠO TEAM VÀ THÊM THÀNH VIÊN</a:t>
@@ -7981,7 +8107,7 @@
         <p:spPr>
           <a:xfrm>
             <a:off x="2472411" y="1744395"/>
-            <a:ext cx="8117058" cy="1015663"/>
+            <a:ext cx="8117058" cy="584775"/>
           </a:xfrm>
           <a:prstGeom prst="rect">
             <a:avLst/>
@@ -7995,196 +8121,224 @@
           <a:lstStyle/>
           <a:p>
             <a:r>
-              <a:rPr lang="en-US" sz="3000" dirty="0" err="1">
-                <a:latin typeface="Times New Roman" panose="02020603050405020304" pitchFamily="18" charset="0"/>
+              <a:rPr lang="en-US" sz="1600" dirty="0" err="1">
+                <a:latin typeface="Segoe UI Black" panose="020B0A02040204020203" pitchFamily="34" charset="0"/>
+                <a:ea typeface="Segoe UI Black" panose="020B0A02040204020203" pitchFamily="34" charset="0"/>
                 <a:cs typeface="Times New Roman" panose="02020603050405020304" pitchFamily="18" charset="0"/>
               </a:rPr>
               <a:t>Thêm</a:t>
             </a:r>
             <a:r>
-              <a:rPr lang="en-US" sz="3000" dirty="0">
-                <a:latin typeface="Times New Roman" panose="02020603050405020304" pitchFamily="18" charset="0"/>
+              <a:rPr lang="en-US" sz="1600" dirty="0">
+                <a:latin typeface="Segoe UI Black" panose="020B0A02040204020203" pitchFamily="34" charset="0"/>
+                <a:ea typeface="Segoe UI Black" panose="020B0A02040204020203" pitchFamily="34" charset="0"/>
                 <a:cs typeface="Times New Roman" panose="02020603050405020304" pitchFamily="18" charset="0"/>
               </a:rPr>
               <a:t> </a:t>
             </a:r>
             <a:r>
-              <a:rPr lang="en-US" sz="3000" dirty="0" err="1">
-                <a:latin typeface="Times New Roman" panose="02020603050405020304" pitchFamily="18" charset="0"/>
+              <a:rPr lang="en-US" sz="1600" dirty="0" err="1">
+                <a:latin typeface="Segoe UI Black" panose="020B0A02040204020203" pitchFamily="34" charset="0"/>
+                <a:ea typeface="Segoe UI Black" panose="020B0A02040204020203" pitchFamily="34" charset="0"/>
                 <a:cs typeface="Times New Roman" panose="02020603050405020304" pitchFamily="18" charset="0"/>
               </a:rPr>
               <a:t>thành</a:t>
             </a:r>
             <a:r>
-              <a:rPr lang="en-US" sz="3000" dirty="0">
-                <a:latin typeface="Times New Roman" panose="02020603050405020304" pitchFamily="18" charset="0"/>
+              <a:rPr lang="en-US" sz="1600" dirty="0">
+                <a:latin typeface="Segoe UI Black" panose="020B0A02040204020203" pitchFamily="34" charset="0"/>
+                <a:ea typeface="Segoe UI Black" panose="020B0A02040204020203" pitchFamily="34" charset="0"/>
                 <a:cs typeface="Times New Roman" panose="02020603050405020304" pitchFamily="18" charset="0"/>
               </a:rPr>
               <a:t> </a:t>
             </a:r>
             <a:r>
-              <a:rPr lang="en-US" sz="3000" dirty="0" err="1">
-                <a:latin typeface="Times New Roman" panose="02020603050405020304" pitchFamily="18" charset="0"/>
+              <a:rPr lang="en-US" sz="1600" dirty="0" err="1">
+                <a:latin typeface="Segoe UI Black" panose="020B0A02040204020203" pitchFamily="34" charset="0"/>
+                <a:ea typeface="Segoe UI Black" panose="020B0A02040204020203" pitchFamily="34" charset="0"/>
                 <a:cs typeface="Times New Roman" panose="02020603050405020304" pitchFamily="18" charset="0"/>
               </a:rPr>
               <a:t>viên</a:t>
             </a:r>
             <a:r>
-              <a:rPr lang="en-US" sz="3000" dirty="0">
-                <a:latin typeface="Times New Roman" panose="02020603050405020304" pitchFamily="18" charset="0"/>
+              <a:rPr lang="en-US" sz="1600" dirty="0">
+                <a:latin typeface="Segoe UI Black" panose="020B0A02040204020203" pitchFamily="34" charset="0"/>
+                <a:ea typeface="Segoe UI Black" panose="020B0A02040204020203" pitchFamily="34" charset="0"/>
                 <a:cs typeface="Times New Roman" panose="02020603050405020304" pitchFamily="18" charset="0"/>
               </a:rPr>
               <a:t> </a:t>
             </a:r>
             <a:r>
-              <a:rPr lang="en-US" sz="3000" dirty="0" err="1">
-                <a:latin typeface="Times New Roman" panose="02020603050405020304" pitchFamily="18" charset="0"/>
+              <a:rPr lang="en-US" sz="1600" dirty="0" err="1">
+                <a:latin typeface="Segoe UI Black" panose="020B0A02040204020203" pitchFamily="34" charset="0"/>
+                <a:ea typeface="Segoe UI Black" panose="020B0A02040204020203" pitchFamily="34" charset="0"/>
                 <a:cs typeface="Times New Roman" panose="02020603050405020304" pitchFamily="18" charset="0"/>
               </a:rPr>
               <a:t>bằng</a:t>
             </a:r>
             <a:r>
-              <a:rPr lang="en-US" sz="3000" dirty="0">
-                <a:latin typeface="Times New Roman" panose="02020603050405020304" pitchFamily="18" charset="0"/>
+              <a:rPr lang="en-US" sz="1600" dirty="0">
+                <a:latin typeface="Segoe UI Black" panose="020B0A02040204020203" pitchFamily="34" charset="0"/>
+                <a:ea typeface="Segoe UI Black" panose="020B0A02040204020203" pitchFamily="34" charset="0"/>
                 <a:cs typeface="Times New Roman" panose="02020603050405020304" pitchFamily="18" charset="0"/>
               </a:rPr>
               <a:t> </a:t>
             </a:r>
             <a:r>
-              <a:rPr lang="en-US" sz="3000" dirty="0" err="1">
-                <a:latin typeface="Times New Roman" panose="02020603050405020304" pitchFamily="18" charset="0"/>
+              <a:rPr lang="en-US" sz="1600" dirty="0" err="1">
+                <a:latin typeface="Segoe UI Black" panose="020B0A02040204020203" pitchFamily="34" charset="0"/>
+                <a:ea typeface="Segoe UI Black" panose="020B0A02040204020203" pitchFamily="34" charset="0"/>
                 <a:cs typeface="Times New Roman" panose="02020603050405020304" pitchFamily="18" charset="0"/>
               </a:rPr>
               <a:t>tên</a:t>
             </a:r>
             <a:r>
-              <a:rPr lang="en-US" sz="3000" dirty="0">
-                <a:latin typeface="Times New Roman" panose="02020603050405020304" pitchFamily="18" charset="0"/>
+              <a:rPr lang="en-US" sz="1600" dirty="0">
+                <a:latin typeface="Segoe UI Black" panose="020B0A02040204020203" pitchFamily="34" charset="0"/>
+                <a:ea typeface="Segoe UI Black" panose="020B0A02040204020203" pitchFamily="34" charset="0"/>
                 <a:cs typeface="Times New Roman" panose="02020603050405020304" pitchFamily="18" charset="0"/>
               </a:rPr>
               <a:t> </a:t>
             </a:r>
             <a:r>
-              <a:rPr lang="en-US" sz="3000" dirty="0" err="1">
-                <a:latin typeface="Times New Roman" panose="02020603050405020304" pitchFamily="18" charset="0"/>
+              <a:rPr lang="en-US" sz="1600" dirty="0" err="1">
+                <a:latin typeface="Segoe UI Black" panose="020B0A02040204020203" pitchFamily="34" charset="0"/>
+                <a:ea typeface="Segoe UI Black" panose="020B0A02040204020203" pitchFamily="34" charset="0"/>
                 <a:cs typeface="Times New Roman" panose="02020603050405020304" pitchFamily="18" charset="0"/>
               </a:rPr>
               <a:t>gmail</a:t>
             </a:r>
             <a:r>
-              <a:rPr lang="en-US" sz="3000" dirty="0">
-                <a:latin typeface="Times New Roman" panose="02020603050405020304" pitchFamily="18" charset="0"/>
+              <a:rPr lang="en-US" sz="1600" dirty="0">
+                <a:latin typeface="Segoe UI Black" panose="020B0A02040204020203" pitchFamily="34" charset="0"/>
+                <a:ea typeface="Segoe UI Black" panose="020B0A02040204020203" pitchFamily="34" charset="0"/>
                 <a:cs typeface="Times New Roman" panose="02020603050405020304" pitchFamily="18" charset="0"/>
               </a:rPr>
               <a:t> </a:t>
             </a:r>
             <a:r>
-              <a:rPr lang="en-US" sz="3000" dirty="0" err="1">
-                <a:latin typeface="Times New Roman" panose="02020603050405020304" pitchFamily="18" charset="0"/>
+              <a:rPr lang="en-US" sz="1600" dirty="0" err="1">
+                <a:latin typeface="Segoe UI Black" panose="020B0A02040204020203" pitchFamily="34" charset="0"/>
+                <a:ea typeface="Segoe UI Black" panose="020B0A02040204020203" pitchFamily="34" charset="0"/>
                 <a:cs typeface="Times New Roman" panose="02020603050405020304" pitchFamily="18" charset="0"/>
               </a:rPr>
               <a:t>hoặc</a:t>
             </a:r>
             <a:r>
-              <a:rPr lang="en-US" sz="3000" dirty="0">
-                <a:latin typeface="Times New Roman" panose="02020603050405020304" pitchFamily="18" charset="0"/>
+              <a:rPr lang="en-US" sz="1600" dirty="0">
+                <a:latin typeface="Segoe UI Black" panose="020B0A02040204020203" pitchFamily="34" charset="0"/>
+                <a:ea typeface="Segoe UI Black" panose="020B0A02040204020203" pitchFamily="34" charset="0"/>
                 <a:cs typeface="Times New Roman" panose="02020603050405020304" pitchFamily="18" charset="0"/>
               </a:rPr>
               <a:t> </a:t>
             </a:r>
             <a:r>
-              <a:rPr lang="en-US" sz="3000" dirty="0" err="1">
-                <a:latin typeface="Times New Roman" panose="02020603050405020304" pitchFamily="18" charset="0"/>
+              <a:rPr lang="en-US" sz="1600" dirty="0" err="1">
+                <a:latin typeface="Segoe UI Black" panose="020B0A02040204020203" pitchFamily="34" charset="0"/>
+                <a:ea typeface="Segoe UI Black" panose="020B0A02040204020203" pitchFamily="34" charset="0"/>
                 <a:cs typeface="Times New Roman" panose="02020603050405020304" pitchFamily="18" charset="0"/>
               </a:rPr>
               <a:t>tên</a:t>
             </a:r>
             <a:r>
-              <a:rPr lang="en-US" sz="3000" dirty="0">
-                <a:latin typeface="Times New Roman" panose="02020603050405020304" pitchFamily="18" charset="0"/>
+              <a:rPr lang="en-US" sz="1600" dirty="0">
+                <a:latin typeface="Segoe UI Black" panose="020B0A02040204020203" pitchFamily="34" charset="0"/>
+                <a:ea typeface="Segoe UI Black" panose="020B0A02040204020203" pitchFamily="34" charset="0"/>
                 <a:cs typeface="Times New Roman" panose="02020603050405020304" pitchFamily="18" charset="0"/>
               </a:rPr>
               <a:t> </a:t>
             </a:r>
             <a:r>
-              <a:rPr lang="en-US" sz="3000">
-                <a:latin typeface="Times New Roman" panose="02020603050405020304" pitchFamily="18" charset="0"/>
+              <a:rPr lang="en-US" sz="1600" dirty="0" err="1">
+                <a:latin typeface="Segoe UI Black" panose="020B0A02040204020203" pitchFamily="34" charset="0"/>
+                <a:ea typeface="Segoe UI Black" panose="020B0A02040204020203" pitchFamily="34" charset="0"/>
                 <a:cs typeface="Times New Roman" panose="02020603050405020304" pitchFamily="18" charset="0"/>
               </a:rPr>
               <a:t>trello</a:t>
             </a:r>
-            <a:endParaRPr lang="en-US" sz="3000" dirty="0">
-              <a:latin typeface="Times New Roman" panose="02020603050405020304" pitchFamily="18" charset="0"/>
+            <a:endParaRPr lang="en-US" sz="1600" dirty="0">
+              <a:latin typeface="Segoe UI Black" panose="020B0A02040204020203" pitchFamily="34" charset="0"/>
+              <a:ea typeface="Segoe UI Black" panose="020B0A02040204020203" pitchFamily="34" charset="0"/>
               <a:cs typeface="Times New Roman" panose="02020603050405020304" pitchFamily="18" charset="0"/>
             </a:endParaRPr>
           </a:p>
           <a:p>
             <a:r>
-              <a:rPr lang="en-US" sz="3000" dirty="0" err="1">
-                <a:latin typeface="Times New Roman" panose="02020603050405020304" pitchFamily="18" charset="0"/>
+              <a:rPr lang="en-US" sz="1600" dirty="0" err="1">
+                <a:latin typeface="Segoe UI Black" panose="020B0A02040204020203" pitchFamily="34" charset="0"/>
+                <a:ea typeface="Segoe UI Black" panose="020B0A02040204020203" pitchFamily="34" charset="0"/>
                 <a:cs typeface="Times New Roman" panose="02020603050405020304" pitchFamily="18" charset="0"/>
               </a:rPr>
               <a:t>Ngoài</a:t>
             </a:r>
             <a:r>
-              <a:rPr lang="en-US" sz="3000" dirty="0">
-                <a:latin typeface="Times New Roman" panose="02020603050405020304" pitchFamily="18" charset="0"/>
+              <a:rPr lang="en-US" sz="1600" dirty="0">
+                <a:latin typeface="Segoe UI Black" panose="020B0A02040204020203" pitchFamily="34" charset="0"/>
+                <a:ea typeface="Segoe UI Black" panose="020B0A02040204020203" pitchFamily="34" charset="0"/>
                 <a:cs typeface="Times New Roman" panose="02020603050405020304" pitchFamily="18" charset="0"/>
               </a:rPr>
               <a:t> ra, </a:t>
             </a:r>
             <a:r>
-              <a:rPr lang="en-US" sz="3000" dirty="0" err="1">
-                <a:latin typeface="Times New Roman" panose="02020603050405020304" pitchFamily="18" charset="0"/>
+              <a:rPr lang="en-US" sz="1600" dirty="0" err="1">
+                <a:latin typeface="Segoe UI Black" panose="020B0A02040204020203" pitchFamily="34" charset="0"/>
+                <a:ea typeface="Segoe UI Black" panose="020B0A02040204020203" pitchFamily="34" charset="0"/>
                 <a:cs typeface="Times New Roman" panose="02020603050405020304" pitchFamily="18" charset="0"/>
               </a:rPr>
               <a:t>tạo</a:t>
             </a:r>
             <a:r>
-              <a:rPr lang="en-US" sz="3000" dirty="0">
-                <a:latin typeface="Times New Roman" panose="02020603050405020304" pitchFamily="18" charset="0"/>
+              <a:rPr lang="en-US" sz="1600" dirty="0">
+                <a:latin typeface="Segoe UI Black" panose="020B0A02040204020203" pitchFamily="34" charset="0"/>
+                <a:ea typeface="Segoe UI Black" panose="020B0A02040204020203" pitchFamily="34" charset="0"/>
                 <a:cs typeface="Times New Roman" panose="02020603050405020304" pitchFamily="18" charset="0"/>
               </a:rPr>
               <a:t> link </a:t>
             </a:r>
             <a:r>
-              <a:rPr lang="en-US" sz="3000" dirty="0" err="1">
-                <a:latin typeface="Times New Roman" panose="02020603050405020304" pitchFamily="18" charset="0"/>
+              <a:rPr lang="en-US" sz="1600" dirty="0" err="1">
+                <a:latin typeface="Segoe UI Black" panose="020B0A02040204020203" pitchFamily="34" charset="0"/>
+                <a:ea typeface="Segoe UI Black" panose="020B0A02040204020203" pitchFamily="34" charset="0"/>
                 <a:cs typeface="Times New Roman" panose="02020603050405020304" pitchFamily="18" charset="0"/>
               </a:rPr>
               <a:t>để</a:t>
             </a:r>
             <a:r>
-              <a:rPr lang="en-US" sz="3000" dirty="0">
-                <a:latin typeface="Times New Roman" panose="02020603050405020304" pitchFamily="18" charset="0"/>
+              <a:rPr lang="en-US" sz="1600" dirty="0">
+                <a:latin typeface="Segoe UI Black" panose="020B0A02040204020203" pitchFamily="34" charset="0"/>
+                <a:ea typeface="Segoe UI Black" panose="020B0A02040204020203" pitchFamily="34" charset="0"/>
                 <a:cs typeface="Times New Roman" panose="02020603050405020304" pitchFamily="18" charset="0"/>
               </a:rPr>
               <a:t> </a:t>
             </a:r>
             <a:r>
-              <a:rPr lang="en-US" sz="3000" dirty="0" err="1">
-                <a:latin typeface="Times New Roman" panose="02020603050405020304" pitchFamily="18" charset="0"/>
+              <a:rPr lang="en-US" sz="1600" dirty="0" err="1">
+                <a:latin typeface="Segoe UI Black" panose="020B0A02040204020203" pitchFamily="34" charset="0"/>
+                <a:ea typeface="Segoe UI Black" panose="020B0A02040204020203" pitchFamily="34" charset="0"/>
                 <a:cs typeface="Times New Roman" panose="02020603050405020304" pitchFamily="18" charset="0"/>
               </a:rPr>
               <a:t>mời</a:t>
             </a:r>
             <a:r>
-              <a:rPr lang="en-US" sz="3000" dirty="0">
-                <a:latin typeface="Times New Roman" panose="02020603050405020304" pitchFamily="18" charset="0"/>
+              <a:rPr lang="en-US" sz="1600" dirty="0">
+                <a:latin typeface="Segoe UI Black" panose="020B0A02040204020203" pitchFamily="34" charset="0"/>
+                <a:ea typeface="Segoe UI Black" panose="020B0A02040204020203" pitchFamily="34" charset="0"/>
                 <a:cs typeface="Times New Roman" panose="02020603050405020304" pitchFamily="18" charset="0"/>
               </a:rPr>
               <a:t> </a:t>
             </a:r>
             <a:r>
-              <a:rPr lang="en-US" sz="3000" dirty="0" err="1">
-                <a:latin typeface="Times New Roman" panose="02020603050405020304" pitchFamily="18" charset="0"/>
+              <a:rPr lang="en-US" sz="1600" dirty="0" err="1">
+                <a:latin typeface="Segoe UI Black" panose="020B0A02040204020203" pitchFamily="34" charset="0"/>
+                <a:ea typeface="Segoe UI Black" panose="020B0A02040204020203" pitchFamily="34" charset="0"/>
                 <a:cs typeface="Times New Roman" panose="02020603050405020304" pitchFamily="18" charset="0"/>
               </a:rPr>
               <a:t>người</a:t>
             </a:r>
             <a:r>
-              <a:rPr lang="en-US" sz="3000" dirty="0">
-                <a:latin typeface="Times New Roman" panose="02020603050405020304" pitchFamily="18" charset="0"/>
+              <a:rPr lang="en-US" sz="1600" dirty="0">
+                <a:latin typeface="Segoe UI Black" panose="020B0A02040204020203" pitchFamily="34" charset="0"/>
+                <a:ea typeface="Segoe UI Black" panose="020B0A02040204020203" pitchFamily="34" charset="0"/>
                 <a:cs typeface="Times New Roman" panose="02020603050405020304" pitchFamily="18" charset="0"/>
               </a:rPr>
               <a:t> member</a:t>
@@ -8299,14 +8453,16 @@
               <a:buNone/>
             </a:pPr>
             <a:r>
-              <a:rPr lang="en-US" sz="5000" dirty="0">
-                <a:latin typeface="Times New Roman" panose="02020603050405020304" pitchFamily="18" charset="0"/>
-                <a:cs typeface="Times New Roman" panose="02020603050405020304" pitchFamily="18" charset="0"/>
-              </a:rPr>
-              <a:t>Thanks for listening</a:t>
-            </a:r>
-            <a:endParaRPr sz="5000" dirty="0">
-              <a:latin typeface="Times New Roman" panose="02020603050405020304" pitchFamily="18" charset="0"/>
+              <a:rPr lang="en-US" sz="4800">
+                <a:latin typeface="Segoe UI Black" panose="020B0A02040204020203" pitchFamily="34" charset="0"/>
+                <a:ea typeface="Segoe UI Black" panose="020B0A02040204020203" pitchFamily="34" charset="0"/>
+                <a:cs typeface="Times New Roman" panose="02020603050405020304" pitchFamily="18" charset="0"/>
+              </a:rPr>
+              <a:t>Thank you</a:t>
+            </a:r>
+            <a:endParaRPr sz="4800" dirty="0">
+              <a:latin typeface="Segoe UI Black" panose="020B0A02040204020203" pitchFamily="34" charset="0"/>
+              <a:ea typeface="Segoe UI Black" panose="020B0A02040204020203" pitchFamily="34" charset="0"/>
               <a:cs typeface="Times New Roman" panose="02020603050405020304" pitchFamily="18" charset="0"/>
             </a:endParaRPr>
           </a:p>
@@ -8385,73 +8541,6 @@
       </p:grpSpPr>
       <p:sp>
         <p:nvSpPr>
-          <p:cNvPr id="69" name="Google Shape;69;p9"/>
-          <p:cNvSpPr txBox="1">
-            <a:spLocks noGrp="1"/>
-          </p:cNvSpPr>
-          <p:nvPr>
-            <p:ph type="title"/>
-          </p:nvPr>
-        </p:nvSpPr>
-        <p:spPr>
-          <a:xfrm>
-            <a:off x="422030" y="464234"/>
-            <a:ext cx="6879101" cy="4825218"/>
-          </a:xfrm>
-          <a:prstGeom prst="rect">
-            <a:avLst/>
-          </a:prstGeom>
-          <a:noFill/>
-          <a:ln>
-            <a:noFill/>
-          </a:ln>
-        </p:spPr>
-        <p:txBody>
-          <a:bodyPr spcFirstLastPara="1" wrap="square" lIns="91425" tIns="45700" rIns="91425" bIns="45700" anchor="ctr" anchorCtr="0">
-            <a:noAutofit/>
-          </a:bodyPr>
-          <a:lstStyle/>
-          <a:p>
-            <a:pPr marL="0" lvl="0" indent="0" algn="ctr" rtl="0">
-              <a:lnSpc>
-                <a:spcPct val="90000"/>
-              </a:lnSpc>
-              <a:spcBef>
-                <a:spcPts val="0"/>
-              </a:spcBef>
-              <a:spcAft>
-                <a:spcPts val="0"/>
-              </a:spcAft>
-              <a:buClr>
-                <a:schemeClr val="lt1"/>
-              </a:buClr>
-              <a:buSzPts val="4000"/>
-              <a:buFont typeface="Roboto"/>
-              <a:buNone/>
-            </a:pPr>
-            <a:r>
-              <a:rPr lang="en-US" sz="7000" b="1" dirty="0">
-                <a:ln w="22225">
-                  <a:solidFill>
-                    <a:schemeClr val="accent2"/>
-                  </a:solidFill>
-                  <a:prstDash val="solid"/>
-                </a:ln>
-                <a:solidFill>
-                  <a:schemeClr val="accent2">
-                    <a:lumMod val="40000"/>
-                    <a:lumOff val="60000"/>
-                  </a:schemeClr>
-                </a:solidFill>
-              </a:rPr>
-              <a:t>HƯỚNG DẪN SỬ DỤNG TRELLO</a:t>
-            </a:r>
-            <a:endParaRPr sz="7000" dirty="0"/>
-          </a:p>
-        </p:txBody>
-      </p:sp>
-      <p:sp>
-        <p:nvSpPr>
           <p:cNvPr id="70" name="Google Shape;70;p9"/>
           <p:cNvSpPr txBox="1">
             <a:spLocks noGrp="1"/>
@@ -8493,6 +8582,306 @@
               <a:t>www.indruino.com</a:t>
             </a:r>
             <a:endParaRPr/>
+          </a:p>
+        </p:txBody>
+      </p:sp>
+      <p:sp>
+        <p:nvSpPr>
+          <p:cNvPr id="4" name="Title 1">
+            <a:extLst>
+              <a:ext uri="{FF2B5EF4-FFF2-40B4-BE49-F238E27FC236}">
+                <a16:creationId xmlns:a16="http://schemas.microsoft.com/office/drawing/2014/main" id="{2543D82C-F027-4BFE-9166-EC6DBE7497FE}"/>
+              </a:ext>
+            </a:extLst>
+          </p:cNvPr>
+          <p:cNvSpPr txBox="1">
+            <a:spLocks/>
+          </p:cNvSpPr>
+          <p:nvPr/>
+        </p:nvSpPr>
+        <p:spPr>
+          <a:xfrm>
+            <a:off x="-2689103" y="2605868"/>
+            <a:ext cx="10220326" cy="1146587"/>
+          </a:xfrm>
+          <a:prstGeom prst="rect">
+            <a:avLst/>
+          </a:prstGeom>
+          <a:noFill/>
+          <a:ln>
+            <a:noFill/>
+          </a:ln>
+        </p:spPr>
+        <p:txBody>
+          <a:bodyPr spcFirstLastPara="1" wrap="square" lIns="91425" tIns="45700" rIns="91425" bIns="45700" anchor="ctr" anchorCtr="0">
+            <a:noAutofit/>
+          </a:bodyPr>
+          <a:lstStyle>
+            <a:defPPr marR="0" lvl="0" algn="l" rtl="0">
+              <a:lnSpc>
+                <a:spcPct val="100000"/>
+              </a:lnSpc>
+              <a:spcBef>
+                <a:spcPts val="0"/>
+              </a:spcBef>
+              <a:spcAft>
+                <a:spcPts val="0"/>
+              </a:spcAft>
+            </a:defPPr>
+            <a:lvl1pPr marR="0" lvl="0" algn="r" rtl="0">
+              <a:lnSpc>
+                <a:spcPct val="90000"/>
+              </a:lnSpc>
+              <a:spcBef>
+                <a:spcPts val="0"/>
+              </a:spcBef>
+              <a:spcAft>
+                <a:spcPts val="0"/>
+              </a:spcAft>
+              <a:buClr>
+                <a:schemeClr val="lt1"/>
+              </a:buClr>
+              <a:buSzPts val="4000"/>
+              <a:buFont typeface="Roboto"/>
+              <a:buNone/>
+              <a:defRPr sz="4000" b="0" i="0" u="none" strike="noStrike" cap="none">
+                <a:solidFill>
+                  <a:schemeClr val="lt1"/>
+                </a:solidFill>
+                <a:latin typeface="Roboto"/>
+                <a:ea typeface="Roboto"/>
+                <a:cs typeface="Roboto"/>
+                <a:sym typeface="Roboto"/>
+              </a:defRPr>
+            </a:lvl1pPr>
+            <a:lvl2pPr marR="0" lvl="1" algn="l" rtl="0">
+              <a:lnSpc>
+                <a:spcPct val="100000"/>
+              </a:lnSpc>
+              <a:spcBef>
+                <a:spcPts val="0"/>
+              </a:spcBef>
+              <a:spcAft>
+                <a:spcPts val="0"/>
+              </a:spcAft>
+              <a:buClr>
+                <a:srgbClr val="000000"/>
+              </a:buClr>
+              <a:buSzPts val="1400"/>
+              <a:buFont typeface="Arial"/>
+              <a:buNone/>
+              <a:defRPr sz="1800" b="0" i="0" u="none" strike="noStrike" cap="none">
+                <a:solidFill>
+                  <a:srgbClr val="000000"/>
+                </a:solidFill>
+                <a:latin typeface="Arial"/>
+                <a:ea typeface="Arial"/>
+                <a:cs typeface="Arial"/>
+                <a:sym typeface="Arial"/>
+              </a:defRPr>
+            </a:lvl2pPr>
+            <a:lvl3pPr marR="0" lvl="2" algn="l" rtl="0">
+              <a:lnSpc>
+                <a:spcPct val="100000"/>
+              </a:lnSpc>
+              <a:spcBef>
+                <a:spcPts val="0"/>
+              </a:spcBef>
+              <a:spcAft>
+                <a:spcPts val="0"/>
+              </a:spcAft>
+              <a:buClr>
+                <a:srgbClr val="000000"/>
+              </a:buClr>
+              <a:buSzPts val="1400"/>
+              <a:buFont typeface="Arial"/>
+              <a:buNone/>
+              <a:defRPr sz="1800" b="0" i="0" u="none" strike="noStrike" cap="none">
+                <a:solidFill>
+                  <a:srgbClr val="000000"/>
+                </a:solidFill>
+                <a:latin typeface="Arial"/>
+                <a:ea typeface="Arial"/>
+                <a:cs typeface="Arial"/>
+                <a:sym typeface="Arial"/>
+              </a:defRPr>
+            </a:lvl3pPr>
+            <a:lvl4pPr marR="0" lvl="3" algn="l" rtl="0">
+              <a:lnSpc>
+                <a:spcPct val="100000"/>
+              </a:lnSpc>
+              <a:spcBef>
+                <a:spcPts val="0"/>
+              </a:spcBef>
+              <a:spcAft>
+                <a:spcPts val="0"/>
+              </a:spcAft>
+              <a:buClr>
+                <a:srgbClr val="000000"/>
+              </a:buClr>
+              <a:buSzPts val="1400"/>
+              <a:buFont typeface="Arial"/>
+              <a:buNone/>
+              <a:defRPr sz="1800" b="0" i="0" u="none" strike="noStrike" cap="none">
+                <a:solidFill>
+                  <a:srgbClr val="000000"/>
+                </a:solidFill>
+                <a:latin typeface="Arial"/>
+                <a:ea typeface="Arial"/>
+                <a:cs typeface="Arial"/>
+                <a:sym typeface="Arial"/>
+              </a:defRPr>
+            </a:lvl4pPr>
+            <a:lvl5pPr marR="0" lvl="4" algn="l" rtl="0">
+              <a:lnSpc>
+                <a:spcPct val="100000"/>
+              </a:lnSpc>
+              <a:spcBef>
+                <a:spcPts val="0"/>
+              </a:spcBef>
+              <a:spcAft>
+                <a:spcPts val="0"/>
+              </a:spcAft>
+              <a:buClr>
+                <a:srgbClr val="000000"/>
+              </a:buClr>
+              <a:buSzPts val="1400"/>
+              <a:buFont typeface="Arial"/>
+              <a:buNone/>
+              <a:defRPr sz="1800" b="0" i="0" u="none" strike="noStrike" cap="none">
+                <a:solidFill>
+                  <a:srgbClr val="000000"/>
+                </a:solidFill>
+                <a:latin typeface="Arial"/>
+                <a:ea typeface="Arial"/>
+                <a:cs typeface="Arial"/>
+                <a:sym typeface="Arial"/>
+              </a:defRPr>
+            </a:lvl5pPr>
+            <a:lvl6pPr marR="0" lvl="5" algn="l" rtl="0">
+              <a:lnSpc>
+                <a:spcPct val="100000"/>
+              </a:lnSpc>
+              <a:spcBef>
+                <a:spcPts val="0"/>
+              </a:spcBef>
+              <a:spcAft>
+                <a:spcPts val="0"/>
+              </a:spcAft>
+              <a:buClr>
+                <a:srgbClr val="000000"/>
+              </a:buClr>
+              <a:buSzPts val="1400"/>
+              <a:buFont typeface="Arial"/>
+              <a:buNone/>
+              <a:defRPr sz="1800" b="0" i="0" u="none" strike="noStrike" cap="none">
+                <a:solidFill>
+                  <a:srgbClr val="000000"/>
+                </a:solidFill>
+                <a:latin typeface="Arial"/>
+                <a:ea typeface="Arial"/>
+                <a:cs typeface="Arial"/>
+                <a:sym typeface="Arial"/>
+              </a:defRPr>
+            </a:lvl6pPr>
+            <a:lvl7pPr marR="0" lvl="6" algn="l" rtl="0">
+              <a:lnSpc>
+                <a:spcPct val="100000"/>
+              </a:lnSpc>
+              <a:spcBef>
+                <a:spcPts val="0"/>
+              </a:spcBef>
+              <a:spcAft>
+                <a:spcPts val="0"/>
+              </a:spcAft>
+              <a:buClr>
+                <a:srgbClr val="000000"/>
+              </a:buClr>
+              <a:buSzPts val="1400"/>
+              <a:buFont typeface="Arial"/>
+              <a:buNone/>
+              <a:defRPr sz="1800" b="0" i="0" u="none" strike="noStrike" cap="none">
+                <a:solidFill>
+                  <a:srgbClr val="000000"/>
+                </a:solidFill>
+                <a:latin typeface="Arial"/>
+                <a:ea typeface="Arial"/>
+                <a:cs typeface="Arial"/>
+                <a:sym typeface="Arial"/>
+              </a:defRPr>
+            </a:lvl7pPr>
+            <a:lvl8pPr marR="0" lvl="7" algn="l" rtl="0">
+              <a:lnSpc>
+                <a:spcPct val="100000"/>
+              </a:lnSpc>
+              <a:spcBef>
+                <a:spcPts val="0"/>
+              </a:spcBef>
+              <a:spcAft>
+                <a:spcPts val="0"/>
+              </a:spcAft>
+              <a:buClr>
+                <a:srgbClr val="000000"/>
+              </a:buClr>
+              <a:buSzPts val="1400"/>
+              <a:buFont typeface="Arial"/>
+              <a:buNone/>
+              <a:defRPr sz="1800" b="0" i="0" u="none" strike="noStrike" cap="none">
+                <a:solidFill>
+                  <a:srgbClr val="000000"/>
+                </a:solidFill>
+                <a:latin typeface="Arial"/>
+                <a:ea typeface="Arial"/>
+                <a:cs typeface="Arial"/>
+                <a:sym typeface="Arial"/>
+              </a:defRPr>
+            </a:lvl8pPr>
+            <a:lvl9pPr marR="0" lvl="8" algn="l" rtl="0">
+              <a:lnSpc>
+                <a:spcPct val="100000"/>
+              </a:lnSpc>
+              <a:spcBef>
+                <a:spcPts val="0"/>
+              </a:spcBef>
+              <a:spcAft>
+                <a:spcPts val="0"/>
+              </a:spcAft>
+              <a:buClr>
+                <a:srgbClr val="000000"/>
+              </a:buClr>
+              <a:buSzPts val="1400"/>
+              <a:buFont typeface="Arial"/>
+              <a:buNone/>
+              <a:defRPr sz="1800" b="0" i="0" u="none" strike="noStrike" cap="none">
+                <a:solidFill>
+                  <a:srgbClr val="000000"/>
+                </a:solidFill>
+                <a:latin typeface="Arial"/>
+                <a:ea typeface="Arial"/>
+                <a:cs typeface="Arial"/>
+                <a:sym typeface="Arial"/>
+              </a:defRPr>
+            </a:lvl9pPr>
+          </a:lstStyle>
+          <a:p>
+            <a:r>
+              <a:rPr lang="en-US" sz="4800" dirty="0">
+                <a:latin typeface="Segoe UI Black" panose="020B0A02040204020203" pitchFamily="34" charset="0"/>
+                <a:ea typeface="Segoe UI Black" panose="020B0A02040204020203" pitchFamily="34" charset="0"/>
+                <a:cs typeface="Times New Roman" panose="02020603050405020304" pitchFamily="18" charset="0"/>
+              </a:rPr>
+              <a:t>HƯỚNG DẪN SỬ DỤNG </a:t>
+            </a:r>
+          </a:p>
+          <a:p>
+            <a:r>
+              <a:rPr lang="en-US" sz="4800" dirty="0">
+                <a:latin typeface="Segoe UI Black" panose="020B0A02040204020203" pitchFamily="34" charset="0"/>
+                <a:ea typeface="Segoe UI Black" panose="020B0A02040204020203" pitchFamily="34" charset="0"/>
+                <a:cs typeface="Times New Roman" panose="02020603050405020304" pitchFamily="18" charset="0"/>
+              </a:rPr>
+              <a:t>TRELLO</a:t>
+            </a:r>
           </a:p>
         </p:txBody>
       </p:sp>
@@ -8548,8 +8937,9 @@
           <a:lstStyle/>
           <a:p>
             <a:r>
-              <a:rPr lang="en-US" sz="4500" dirty="0">
-                <a:latin typeface="Times New Roman" panose="02020603050405020304" pitchFamily="18" charset="0"/>
+              <a:rPr lang="en-US" sz="3000" dirty="0">
+                <a:latin typeface="Segoe UI Black" panose="020B0A02040204020203" pitchFamily="34" charset="0"/>
+                <a:ea typeface="Segoe UI Black" panose="020B0A02040204020203" pitchFamily="34" charset="0"/>
                 <a:cs typeface="Times New Roman" panose="02020603050405020304" pitchFamily="18" charset="0"/>
               </a:rPr>
               <a:t>THIẾT LẬP CẤU HÌNH CHO BOARD</a:t>
@@ -8572,7 +8962,7 @@
         <p:spPr>
           <a:xfrm>
             <a:off x="2049045" y="1856936"/>
-            <a:ext cx="9479428" cy="3970318"/>
+            <a:ext cx="9479428" cy="1569660"/>
           </a:xfrm>
           <a:prstGeom prst="rect">
             <a:avLst/>
@@ -8586,64 +8976,73 @@
           <a:lstStyle/>
           <a:p>
             <a:r>
-              <a:rPr lang="en-US" sz="3000" dirty="0">
-                <a:latin typeface="Times New Roman" panose="02020603050405020304" pitchFamily="18" charset="0"/>
+              <a:rPr lang="en-US" sz="1600" dirty="0">
+                <a:latin typeface="Segoe UI Black" panose="020B0A02040204020203" pitchFamily="34" charset="0"/>
+                <a:ea typeface="Segoe UI Black" panose="020B0A02040204020203" pitchFamily="34" charset="0"/>
                 <a:cs typeface="Times New Roman" panose="02020603050405020304" pitchFamily="18" charset="0"/>
               </a:rPr>
               <a:t>Trello </a:t>
             </a:r>
             <a:r>
-              <a:rPr lang="en-US" sz="3000" dirty="0" err="1">
-                <a:latin typeface="Times New Roman" panose="02020603050405020304" pitchFamily="18" charset="0"/>
+              <a:rPr lang="en-US" sz="1600" dirty="0" err="1">
+                <a:latin typeface="Segoe UI Black" panose="020B0A02040204020203" pitchFamily="34" charset="0"/>
+                <a:ea typeface="Segoe UI Black" panose="020B0A02040204020203" pitchFamily="34" charset="0"/>
                 <a:cs typeface="Times New Roman" panose="02020603050405020304" pitchFamily="18" charset="0"/>
               </a:rPr>
               <a:t>gồm</a:t>
             </a:r>
             <a:r>
-              <a:rPr lang="en-US" sz="3000" dirty="0">
-                <a:latin typeface="Times New Roman" panose="02020603050405020304" pitchFamily="18" charset="0"/>
+              <a:rPr lang="en-US" sz="1600" dirty="0">
+                <a:latin typeface="Segoe UI Black" panose="020B0A02040204020203" pitchFamily="34" charset="0"/>
+                <a:ea typeface="Segoe UI Black" panose="020B0A02040204020203" pitchFamily="34" charset="0"/>
                 <a:cs typeface="Times New Roman" panose="02020603050405020304" pitchFamily="18" charset="0"/>
               </a:rPr>
               <a:t> 3 thanh </a:t>
             </a:r>
             <a:r>
-              <a:rPr lang="en-US" sz="3000" dirty="0" err="1">
-                <a:latin typeface="Times New Roman" panose="02020603050405020304" pitchFamily="18" charset="0"/>
+              <a:rPr lang="en-US" sz="1600" dirty="0" err="1">
+                <a:latin typeface="Segoe UI Black" panose="020B0A02040204020203" pitchFamily="34" charset="0"/>
+                <a:ea typeface="Segoe UI Black" panose="020B0A02040204020203" pitchFamily="34" charset="0"/>
                 <a:cs typeface="Times New Roman" panose="02020603050405020304" pitchFamily="18" charset="0"/>
               </a:rPr>
               <a:t>phần</a:t>
             </a:r>
             <a:r>
-              <a:rPr lang="en-US" sz="3000" dirty="0">
-                <a:latin typeface="Times New Roman" panose="02020603050405020304" pitchFamily="18" charset="0"/>
+              <a:rPr lang="en-US" sz="1600" dirty="0">
+                <a:latin typeface="Segoe UI Black" panose="020B0A02040204020203" pitchFamily="34" charset="0"/>
+                <a:ea typeface="Segoe UI Black" panose="020B0A02040204020203" pitchFamily="34" charset="0"/>
                 <a:cs typeface="Times New Roman" panose="02020603050405020304" pitchFamily="18" charset="0"/>
               </a:rPr>
               <a:t> </a:t>
             </a:r>
             <a:r>
-              <a:rPr lang="en-US" sz="3000" dirty="0" err="1">
-                <a:latin typeface="Times New Roman" panose="02020603050405020304" pitchFamily="18" charset="0"/>
+              <a:rPr lang="en-US" sz="1600" dirty="0" err="1">
+                <a:latin typeface="Segoe UI Black" panose="020B0A02040204020203" pitchFamily="34" charset="0"/>
+                <a:ea typeface="Segoe UI Black" panose="020B0A02040204020203" pitchFamily="34" charset="0"/>
                 <a:cs typeface="Times New Roman" panose="02020603050405020304" pitchFamily="18" charset="0"/>
               </a:rPr>
               <a:t>sau</a:t>
             </a:r>
             <a:r>
-              <a:rPr lang="en-US" sz="3000" dirty="0">
-                <a:latin typeface="Times New Roman" panose="02020603050405020304" pitchFamily="18" charset="0"/>
+              <a:rPr lang="en-US" sz="1600" dirty="0">
+                <a:latin typeface="Segoe UI Black" panose="020B0A02040204020203" pitchFamily="34" charset="0"/>
+                <a:ea typeface="Segoe UI Black" panose="020B0A02040204020203" pitchFamily="34" charset="0"/>
                 <a:cs typeface="Times New Roman" panose="02020603050405020304" pitchFamily="18" charset="0"/>
               </a:rPr>
               <a:t>: board, list </a:t>
             </a:r>
             <a:r>
-              <a:rPr lang="en-US" sz="3000" dirty="0" err="1">
-                <a:latin typeface="Times New Roman" panose="02020603050405020304" pitchFamily="18" charset="0"/>
+              <a:rPr lang="en-US" sz="1600" dirty="0" err="1">
+                <a:latin typeface="Segoe UI Black" panose="020B0A02040204020203" pitchFamily="34" charset="0"/>
+                <a:ea typeface="Segoe UI Black" panose="020B0A02040204020203" pitchFamily="34" charset="0"/>
                 <a:cs typeface="Times New Roman" panose="02020603050405020304" pitchFamily="18" charset="0"/>
               </a:rPr>
               <a:t>và</a:t>
             </a:r>
             <a:r>
-              <a:rPr lang="en-US" sz="3000" dirty="0">
-                <a:latin typeface="Times New Roman" panose="02020603050405020304" pitchFamily="18" charset="0"/>
+              <a:rPr lang="en-US" sz="1600" dirty="0">
+                <a:latin typeface="Segoe UI Black" panose="020B0A02040204020203" pitchFamily="34" charset="0"/>
+                <a:ea typeface="Segoe UI Black" panose="020B0A02040204020203" pitchFamily="34" charset="0"/>
                 <a:cs typeface="Times New Roman" panose="02020603050405020304" pitchFamily="18" charset="0"/>
               </a:rPr>
               <a:t> card</a:t>
@@ -8652,22 +9051,25 @@
           <a:p>
             <a:pPr algn="just"/>
             <a:r>
-              <a:rPr lang="en-US" sz="3200" b="1" dirty="0">
-                <a:latin typeface="Times New Roman" panose="02020603050405020304" pitchFamily="18" charset="0"/>
+              <a:rPr lang="en-US" sz="1600" b="1" dirty="0">
+                <a:latin typeface="Segoe UI Black" panose="020B0A02040204020203" pitchFamily="34" charset="0"/>
+                <a:ea typeface="Segoe UI Black" panose="020B0A02040204020203" pitchFamily="34" charset="0"/>
                 <a:cs typeface="Times New Roman" panose="02020603050405020304" pitchFamily="18" charset="0"/>
               </a:rPr>
               <a:t>Board: </a:t>
             </a:r>
             <a:r>
-              <a:rPr lang="en-US" sz="3200" dirty="0" err="1">
-                <a:latin typeface="Times New Roman" panose="02020603050405020304" pitchFamily="18" charset="0"/>
+              <a:rPr lang="en-US" sz="1600" dirty="0" err="1">
+                <a:latin typeface="Segoe UI Black" panose="020B0A02040204020203" pitchFamily="34" charset="0"/>
+                <a:ea typeface="Segoe UI Black" panose="020B0A02040204020203" pitchFamily="34" charset="0"/>
                 <a:cs typeface="Times New Roman" panose="02020603050405020304" pitchFamily="18" charset="0"/>
               </a:rPr>
               <a:t>một</a:t>
             </a:r>
             <a:r>
-              <a:rPr lang="en-US" sz="3200" dirty="0">
-                <a:latin typeface="Times New Roman" panose="02020603050405020304" pitchFamily="18" charset="0"/>
+              <a:rPr lang="en-US" sz="1600" dirty="0">
+                <a:latin typeface="Segoe UI Black" panose="020B0A02040204020203" pitchFamily="34" charset="0"/>
+                <a:ea typeface="Segoe UI Black" panose="020B0A02040204020203" pitchFamily="34" charset="0"/>
                 <a:cs typeface="Times New Roman" panose="02020603050405020304" pitchFamily="18" charset="0"/>
               </a:rPr>
               <a:t> project</a:t>
@@ -8676,566 +9078,647 @@
           <a:p>
             <a:pPr algn="just"/>
             <a:r>
-              <a:rPr lang="fr-FR" sz="3200" b="1" dirty="0">
-                <a:latin typeface="Times New Roman" panose="02020603050405020304" pitchFamily="18" charset="0"/>
+              <a:rPr lang="fr-FR" sz="1600" b="1" dirty="0">
+                <a:latin typeface="Segoe UI Black" panose="020B0A02040204020203" pitchFamily="34" charset="0"/>
+                <a:ea typeface="Segoe UI Black" panose="020B0A02040204020203" pitchFamily="34" charset="0"/>
                 <a:cs typeface="Times New Roman" panose="02020603050405020304" pitchFamily="18" charset="0"/>
               </a:rPr>
               <a:t>List: </a:t>
             </a:r>
             <a:r>
-              <a:rPr lang="fr-FR" sz="3200" dirty="0" err="1">
-                <a:latin typeface="Times New Roman" panose="02020603050405020304" pitchFamily="18" charset="0"/>
+              <a:rPr lang="fr-FR" sz="1600" dirty="0" err="1">
+                <a:latin typeface="Segoe UI Black" panose="020B0A02040204020203" pitchFamily="34" charset="0"/>
+                <a:ea typeface="Segoe UI Black" panose="020B0A02040204020203" pitchFamily="34" charset="0"/>
                 <a:cs typeface="Times New Roman" panose="02020603050405020304" pitchFamily="18" charset="0"/>
               </a:rPr>
               <a:t>các</a:t>
             </a:r>
             <a:r>
-              <a:rPr lang="fr-FR" sz="3200" dirty="0">
-                <a:latin typeface="Times New Roman" panose="02020603050405020304" pitchFamily="18" charset="0"/>
+              <a:rPr lang="fr-FR" sz="1600" dirty="0">
+                <a:latin typeface="Segoe UI Black" panose="020B0A02040204020203" pitchFamily="34" charset="0"/>
+                <a:ea typeface="Segoe UI Black" panose="020B0A02040204020203" pitchFamily="34" charset="0"/>
                 <a:cs typeface="Times New Roman" panose="02020603050405020304" pitchFamily="18" charset="0"/>
               </a:rPr>
               <a:t> </a:t>
             </a:r>
             <a:r>
-              <a:rPr lang="fr-FR" sz="3200" dirty="0" err="1">
-                <a:latin typeface="Times New Roman" panose="02020603050405020304" pitchFamily="18" charset="0"/>
+              <a:rPr lang="fr-FR" sz="1600" dirty="0" err="1">
+                <a:latin typeface="Segoe UI Black" panose="020B0A02040204020203" pitchFamily="34" charset="0"/>
+                <a:ea typeface="Segoe UI Black" panose="020B0A02040204020203" pitchFamily="34" charset="0"/>
                 <a:cs typeface="Times New Roman" panose="02020603050405020304" pitchFamily="18" charset="0"/>
               </a:rPr>
               <a:t>một</a:t>
             </a:r>
             <a:r>
-              <a:rPr lang="fr-FR" sz="3200" dirty="0">
-                <a:latin typeface="Times New Roman" panose="02020603050405020304" pitchFamily="18" charset="0"/>
+              <a:rPr lang="fr-FR" sz="1600" dirty="0">
+                <a:latin typeface="Segoe UI Black" panose="020B0A02040204020203" pitchFamily="34" charset="0"/>
+                <a:ea typeface="Segoe UI Black" panose="020B0A02040204020203" pitchFamily="34" charset="0"/>
                 <a:cs typeface="Times New Roman" panose="02020603050405020304" pitchFamily="18" charset="0"/>
               </a:rPr>
               <a:t> </a:t>
             </a:r>
             <a:r>
-              <a:rPr lang="fr-FR" sz="3200" dirty="0" err="1">
-                <a:latin typeface="Times New Roman" panose="02020603050405020304" pitchFamily="18" charset="0"/>
+              <a:rPr lang="fr-FR" sz="1600" dirty="0" err="1">
+                <a:latin typeface="Segoe UI Black" panose="020B0A02040204020203" pitchFamily="34" charset="0"/>
+                <a:ea typeface="Segoe UI Black" panose="020B0A02040204020203" pitchFamily="34" charset="0"/>
                 <a:cs typeface="Times New Roman" panose="02020603050405020304" pitchFamily="18" charset="0"/>
               </a:rPr>
               <a:t>thành</a:t>
             </a:r>
             <a:r>
-              <a:rPr lang="fr-FR" sz="3200" dirty="0">
-                <a:latin typeface="Times New Roman" panose="02020603050405020304" pitchFamily="18" charset="0"/>
+              <a:rPr lang="fr-FR" sz="1600" dirty="0">
+                <a:latin typeface="Segoe UI Black" panose="020B0A02040204020203" pitchFamily="34" charset="0"/>
+                <a:ea typeface="Segoe UI Black" panose="020B0A02040204020203" pitchFamily="34" charset="0"/>
                 <a:cs typeface="Times New Roman" panose="02020603050405020304" pitchFamily="18" charset="0"/>
               </a:rPr>
               <a:t> </a:t>
             </a:r>
             <a:r>
-              <a:rPr lang="fr-FR" sz="3200" dirty="0" err="1">
-                <a:latin typeface="Times New Roman" panose="02020603050405020304" pitchFamily="18" charset="0"/>
+              <a:rPr lang="fr-FR" sz="1600" dirty="0" err="1">
+                <a:latin typeface="Segoe UI Black" panose="020B0A02040204020203" pitchFamily="34" charset="0"/>
+                <a:ea typeface="Segoe UI Black" panose="020B0A02040204020203" pitchFamily="34" charset="0"/>
                 <a:cs typeface="Times New Roman" panose="02020603050405020304" pitchFamily="18" charset="0"/>
               </a:rPr>
               <a:t>phần</a:t>
             </a:r>
             <a:r>
-              <a:rPr lang="fr-FR" sz="3200" dirty="0">
-                <a:latin typeface="Times New Roman" panose="02020603050405020304" pitchFamily="18" charset="0"/>
+              <a:rPr lang="fr-FR" sz="1600" dirty="0">
+                <a:latin typeface="Segoe UI Black" panose="020B0A02040204020203" pitchFamily="34" charset="0"/>
+                <a:ea typeface="Segoe UI Black" panose="020B0A02040204020203" pitchFamily="34" charset="0"/>
                 <a:cs typeface="Times New Roman" panose="02020603050405020304" pitchFamily="18" charset="0"/>
               </a:rPr>
               <a:t> </a:t>
             </a:r>
             <a:r>
-              <a:rPr lang="fr-FR" sz="3200" dirty="0" err="1">
-                <a:latin typeface="Times New Roman" panose="02020603050405020304" pitchFamily="18" charset="0"/>
+              <a:rPr lang="fr-FR" sz="1600" dirty="0" err="1">
+                <a:latin typeface="Segoe UI Black" panose="020B0A02040204020203" pitchFamily="34" charset="0"/>
+                <a:ea typeface="Segoe UI Black" panose="020B0A02040204020203" pitchFamily="34" charset="0"/>
                 <a:cs typeface="Times New Roman" panose="02020603050405020304" pitchFamily="18" charset="0"/>
               </a:rPr>
               <a:t>chính</a:t>
             </a:r>
             <a:r>
-              <a:rPr lang="fr-FR" sz="3200" dirty="0">
-                <a:latin typeface="Times New Roman" panose="02020603050405020304" pitchFamily="18" charset="0"/>
+              <a:rPr lang="fr-FR" sz="1600" dirty="0">
+                <a:latin typeface="Segoe UI Black" panose="020B0A02040204020203" pitchFamily="34" charset="0"/>
+                <a:ea typeface="Segoe UI Black" panose="020B0A02040204020203" pitchFamily="34" charset="0"/>
                 <a:cs typeface="Times New Roman" panose="02020603050405020304" pitchFamily="18" charset="0"/>
               </a:rPr>
               <a:t> </a:t>
             </a:r>
             <a:r>
-              <a:rPr lang="fr-FR" sz="3200" dirty="0" err="1">
-                <a:latin typeface="Times New Roman" panose="02020603050405020304" pitchFamily="18" charset="0"/>
+              <a:rPr lang="fr-FR" sz="1600" dirty="0" err="1">
+                <a:latin typeface="Segoe UI Black" panose="020B0A02040204020203" pitchFamily="34" charset="0"/>
+                <a:ea typeface="Segoe UI Black" panose="020B0A02040204020203" pitchFamily="34" charset="0"/>
                 <a:cs typeface="Times New Roman" panose="02020603050405020304" pitchFamily="18" charset="0"/>
               </a:rPr>
               <a:t>trong</a:t>
             </a:r>
             <a:r>
-              <a:rPr lang="fr-FR" sz="3200" dirty="0">
-                <a:latin typeface="Times New Roman" panose="02020603050405020304" pitchFamily="18" charset="0"/>
+              <a:rPr lang="fr-FR" sz="1600" dirty="0">
+                <a:latin typeface="Segoe UI Black" panose="020B0A02040204020203" pitchFamily="34" charset="0"/>
+                <a:ea typeface="Segoe UI Black" panose="020B0A02040204020203" pitchFamily="34" charset="0"/>
                 <a:cs typeface="Times New Roman" panose="02020603050405020304" pitchFamily="18" charset="0"/>
               </a:rPr>
               <a:t> </a:t>
             </a:r>
             <a:r>
-              <a:rPr lang="fr-FR" sz="3200" dirty="0" err="1">
-                <a:latin typeface="Times New Roman" panose="02020603050405020304" pitchFamily="18" charset="0"/>
+              <a:rPr lang="fr-FR" sz="1600" dirty="0" err="1">
+                <a:latin typeface="Segoe UI Black" panose="020B0A02040204020203" pitchFamily="34" charset="0"/>
+                <a:ea typeface="Segoe UI Black" panose="020B0A02040204020203" pitchFamily="34" charset="0"/>
                 <a:cs typeface="Times New Roman" panose="02020603050405020304" pitchFamily="18" charset="0"/>
               </a:rPr>
               <a:t>một</a:t>
             </a:r>
             <a:r>
-              <a:rPr lang="fr-FR" sz="3200" dirty="0">
-                <a:latin typeface="Times New Roman" panose="02020603050405020304" pitchFamily="18" charset="0"/>
+              <a:rPr lang="fr-FR" sz="1600" dirty="0">
+                <a:latin typeface="Segoe UI Black" panose="020B0A02040204020203" pitchFamily="34" charset="0"/>
+                <a:ea typeface="Segoe UI Black" panose="020B0A02040204020203" pitchFamily="34" charset="0"/>
                 <a:cs typeface="Times New Roman" panose="02020603050405020304" pitchFamily="18" charset="0"/>
               </a:rPr>
               <a:t> </a:t>
             </a:r>
             <a:r>
-              <a:rPr lang="fr-FR" sz="3200" dirty="0" err="1">
-                <a:latin typeface="Times New Roman" panose="02020603050405020304" pitchFamily="18" charset="0"/>
+              <a:rPr lang="fr-FR" sz="1600" dirty="0" err="1">
+                <a:latin typeface="Segoe UI Black" panose="020B0A02040204020203" pitchFamily="34" charset="0"/>
+                <a:ea typeface="Segoe UI Black" panose="020B0A02040204020203" pitchFamily="34" charset="0"/>
                 <a:cs typeface="Times New Roman" panose="02020603050405020304" pitchFamily="18" charset="0"/>
               </a:rPr>
               <a:t>board</a:t>
             </a:r>
             <a:r>
-              <a:rPr lang="fr-FR" sz="3200" dirty="0">
-                <a:latin typeface="Times New Roman" panose="02020603050405020304" pitchFamily="18" charset="0"/>
+              <a:rPr lang="fr-FR" sz="1600" dirty="0">
+                <a:latin typeface="Segoe UI Black" panose="020B0A02040204020203" pitchFamily="34" charset="0"/>
+                <a:ea typeface="Segoe UI Black" panose="020B0A02040204020203" pitchFamily="34" charset="0"/>
                 <a:cs typeface="Times New Roman" panose="02020603050405020304" pitchFamily="18" charset="0"/>
               </a:rPr>
               <a:t> </a:t>
             </a:r>
             <a:r>
-              <a:rPr lang="fr-FR" sz="3200" dirty="0" err="1">
-                <a:latin typeface="Times New Roman" panose="02020603050405020304" pitchFamily="18" charset="0"/>
+              <a:rPr lang="fr-FR" sz="1600" dirty="0" err="1">
+                <a:latin typeface="Segoe UI Black" panose="020B0A02040204020203" pitchFamily="34" charset="0"/>
+                <a:ea typeface="Segoe UI Black" panose="020B0A02040204020203" pitchFamily="34" charset="0"/>
                 <a:cs typeface="Times New Roman" panose="02020603050405020304" pitchFamily="18" charset="0"/>
               </a:rPr>
               <a:t>và</a:t>
             </a:r>
             <a:r>
-              <a:rPr lang="fr-FR" sz="3200" dirty="0">
-                <a:latin typeface="Times New Roman" panose="02020603050405020304" pitchFamily="18" charset="0"/>
+              <a:rPr lang="fr-FR" sz="1600" dirty="0">
+                <a:latin typeface="Segoe UI Black" panose="020B0A02040204020203" pitchFamily="34" charset="0"/>
+                <a:ea typeface="Segoe UI Black" panose="020B0A02040204020203" pitchFamily="34" charset="0"/>
                 <a:cs typeface="Times New Roman" panose="02020603050405020304" pitchFamily="18" charset="0"/>
               </a:rPr>
               <a:t> </a:t>
             </a:r>
             <a:r>
-              <a:rPr lang="fr-FR" sz="3200" dirty="0" err="1">
-                <a:latin typeface="Times New Roman" panose="02020603050405020304" pitchFamily="18" charset="0"/>
+              <a:rPr lang="fr-FR" sz="1600" dirty="0" err="1">
+                <a:latin typeface="Segoe UI Black" panose="020B0A02040204020203" pitchFamily="34" charset="0"/>
+                <a:ea typeface="Segoe UI Black" panose="020B0A02040204020203" pitchFamily="34" charset="0"/>
                 <a:cs typeface="Times New Roman" panose="02020603050405020304" pitchFamily="18" charset="0"/>
               </a:rPr>
               <a:t>có</a:t>
             </a:r>
             <a:r>
-              <a:rPr lang="fr-FR" sz="3200" dirty="0">
-                <a:latin typeface="Times New Roman" panose="02020603050405020304" pitchFamily="18" charset="0"/>
+              <a:rPr lang="fr-FR" sz="1600" dirty="0">
+                <a:latin typeface="Segoe UI Black" panose="020B0A02040204020203" pitchFamily="34" charset="0"/>
+                <a:ea typeface="Segoe UI Black" panose="020B0A02040204020203" pitchFamily="34" charset="0"/>
                 <a:cs typeface="Times New Roman" panose="02020603050405020304" pitchFamily="18" charset="0"/>
               </a:rPr>
               <a:t> </a:t>
             </a:r>
             <a:r>
-              <a:rPr lang="fr-FR" sz="3200" dirty="0" err="1">
-                <a:latin typeface="Times New Roman" panose="02020603050405020304" pitchFamily="18" charset="0"/>
+              <a:rPr lang="fr-FR" sz="1600" dirty="0" err="1">
+                <a:latin typeface="Segoe UI Black" panose="020B0A02040204020203" pitchFamily="34" charset="0"/>
+                <a:ea typeface="Segoe UI Black" panose="020B0A02040204020203" pitchFamily="34" charset="0"/>
                 <a:cs typeface="Times New Roman" panose="02020603050405020304" pitchFamily="18" charset="0"/>
               </a:rPr>
               <a:t>chứa</a:t>
             </a:r>
             <a:r>
-              <a:rPr lang="fr-FR" sz="3200" dirty="0">
-                <a:latin typeface="Times New Roman" panose="02020603050405020304" pitchFamily="18" charset="0"/>
+              <a:rPr lang="fr-FR" sz="1600" dirty="0">
+                <a:latin typeface="Segoe UI Black" panose="020B0A02040204020203" pitchFamily="34" charset="0"/>
+                <a:ea typeface="Segoe UI Black" panose="020B0A02040204020203" pitchFamily="34" charset="0"/>
                 <a:cs typeface="Times New Roman" panose="02020603050405020304" pitchFamily="18" charset="0"/>
               </a:rPr>
               <a:t> </a:t>
             </a:r>
             <a:r>
-              <a:rPr lang="fr-FR" sz="3200" dirty="0" err="1">
-                <a:latin typeface="Times New Roman" panose="02020603050405020304" pitchFamily="18" charset="0"/>
+              <a:rPr lang="fr-FR" sz="1600" dirty="0" err="1">
+                <a:latin typeface="Segoe UI Black" panose="020B0A02040204020203" pitchFamily="34" charset="0"/>
+                <a:ea typeface="Segoe UI Black" panose="020B0A02040204020203" pitchFamily="34" charset="0"/>
                 <a:cs typeface="Times New Roman" panose="02020603050405020304" pitchFamily="18" charset="0"/>
               </a:rPr>
               <a:t>các</a:t>
             </a:r>
             <a:r>
-              <a:rPr lang="fr-FR" sz="3200" dirty="0">
-                <a:latin typeface="Times New Roman" panose="02020603050405020304" pitchFamily="18" charset="0"/>
+              <a:rPr lang="fr-FR" sz="1600" dirty="0">
+                <a:latin typeface="Segoe UI Black" panose="020B0A02040204020203" pitchFamily="34" charset="0"/>
+                <a:ea typeface="Segoe UI Black" panose="020B0A02040204020203" pitchFamily="34" charset="0"/>
                 <a:cs typeface="Times New Roman" panose="02020603050405020304" pitchFamily="18" charset="0"/>
               </a:rPr>
               <a:t> </a:t>
             </a:r>
             <a:r>
-              <a:rPr lang="fr-FR" sz="3200" dirty="0" err="1">
-                <a:latin typeface="Times New Roman" panose="02020603050405020304" pitchFamily="18" charset="0"/>
+              <a:rPr lang="fr-FR" sz="1600" dirty="0" err="1">
+                <a:latin typeface="Segoe UI Black" panose="020B0A02040204020203" pitchFamily="34" charset="0"/>
+                <a:ea typeface="Segoe UI Black" panose="020B0A02040204020203" pitchFamily="34" charset="0"/>
                 <a:cs typeface="Times New Roman" panose="02020603050405020304" pitchFamily="18" charset="0"/>
               </a:rPr>
               <a:t>card</a:t>
             </a:r>
-            <a:endParaRPr lang="fr-FR" sz="3200" dirty="0">
-              <a:latin typeface="Times New Roman" panose="02020603050405020304" pitchFamily="18" charset="0"/>
+            <a:endParaRPr lang="fr-FR" sz="1600" dirty="0">
+              <a:latin typeface="Segoe UI Black" panose="020B0A02040204020203" pitchFamily="34" charset="0"/>
+              <a:ea typeface="Segoe UI Black" panose="020B0A02040204020203" pitchFamily="34" charset="0"/>
               <a:cs typeface="Times New Roman" panose="02020603050405020304" pitchFamily="18" charset="0"/>
             </a:endParaRPr>
           </a:p>
           <a:p>
             <a:pPr algn="just"/>
             <a:r>
-              <a:rPr lang="fr-FR" sz="3200" b="1" dirty="0" err="1">
-                <a:latin typeface="Times New Roman" panose="02020603050405020304" pitchFamily="18" charset="0"/>
+              <a:rPr lang="fr-FR" sz="1600" b="1" dirty="0" err="1">
+                <a:latin typeface="Segoe UI Black" panose="020B0A02040204020203" pitchFamily="34" charset="0"/>
+                <a:ea typeface="Segoe UI Black" panose="020B0A02040204020203" pitchFamily="34" charset="0"/>
                 <a:cs typeface="Times New Roman" panose="02020603050405020304" pitchFamily="18" charset="0"/>
               </a:rPr>
               <a:t>Card</a:t>
             </a:r>
             <a:r>
-              <a:rPr lang="fr-FR" sz="3200" b="1" dirty="0">
-                <a:latin typeface="Times New Roman" panose="02020603050405020304" pitchFamily="18" charset="0"/>
+              <a:rPr lang="fr-FR" sz="1600" b="1" dirty="0">
+                <a:latin typeface="Segoe UI Black" panose="020B0A02040204020203" pitchFamily="34" charset="0"/>
+                <a:ea typeface="Segoe UI Black" panose="020B0A02040204020203" pitchFamily="34" charset="0"/>
                 <a:cs typeface="Times New Roman" panose="02020603050405020304" pitchFamily="18" charset="0"/>
               </a:rPr>
               <a:t>: </a:t>
             </a:r>
             <a:r>
-              <a:rPr lang="fr-FR" sz="3200" dirty="0" err="1">
-                <a:latin typeface="Times New Roman" panose="02020603050405020304" pitchFamily="18" charset="0"/>
+              <a:rPr lang="fr-FR" sz="1600" dirty="0" err="1">
+                <a:latin typeface="Segoe UI Black" panose="020B0A02040204020203" pitchFamily="34" charset="0"/>
+                <a:ea typeface="Segoe UI Black" panose="020B0A02040204020203" pitchFamily="34" charset="0"/>
                 <a:cs typeface="Times New Roman" panose="02020603050405020304" pitchFamily="18" charset="0"/>
               </a:rPr>
               <a:t>dùng</a:t>
             </a:r>
             <a:r>
-              <a:rPr lang="fr-FR" sz="3200" dirty="0">
-                <a:latin typeface="Times New Roman" panose="02020603050405020304" pitchFamily="18" charset="0"/>
+              <a:rPr lang="fr-FR" sz="1600" dirty="0">
+                <a:latin typeface="Segoe UI Black" panose="020B0A02040204020203" pitchFamily="34" charset="0"/>
+                <a:ea typeface="Segoe UI Black" panose="020B0A02040204020203" pitchFamily="34" charset="0"/>
                 <a:cs typeface="Times New Roman" panose="02020603050405020304" pitchFamily="18" charset="0"/>
               </a:rPr>
               <a:t> </a:t>
             </a:r>
             <a:r>
-              <a:rPr lang="fr-FR" sz="3200" dirty="0" err="1">
-                <a:latin typeface="Times New Roman" panose="02020603050405020304" pitchFamily="18" charset="0"/>
+              <a:rPr lang="fr-FR" sz="1600" dirty="0" err="1">
+                <a:latin typeface="Segoe UI Black" panose="020B0A02040204020203" pitchFamily="34" charset="0"/>
+                <a:ea typeface="Segoe UI Black" panose="020B0A02040204020203" pitchFamily="34" charset="0"/>
                 <a:cs typeface="Times New Roman" panose="02020603050405020304" pitchFamily="18" charset="0"/>
               </a:rPr>
               <a:t>để</a:t>
             </a:r>
             <a:r>
-              <a:rPr lang="fr-FR" sz="3200" dirty="0">
-                <a:latin typeface="Times New Roman" panose="02020603050405020304" pitchFamily="18" charset="0"/>
+              <a:rPr lang="fr-FR" sz="1600" dirty="0">
+                <a:latin typeface="Segoe UI Black" panose="020B0A02040204020203" pitchFamily="34" charset="0"/>
+                <a:ea typeface="Segoe UI Black" panose="020B0A02040204020203" pitchFamily="34" charset="0"/>
                 <a:cs typeface="Times New Roman" panose="02020603050405020304" pitchFamily="18" charset="0"/>
               </a:rPr>
               <a:t> </a:t>
             </a:r>
             <a:r>
-              <a:rPr lang="fr-FR" sz="3200" dirty="0" err="1">
-                <a:latin typeface="Times New Roman" panose="02020603050405020304" pitchFamily="18" charset="0"/>
+              <a:rPr lang="fr-FR" sz="1600" dirty="0" err="1">
+                <a:latin typeface="Segoe UI Black" panose="020B0A02040204020203" pitchFamily="34" charset="0"/>
+                <a:ea typeface="Segoe UI Black" panose="020B0A02040204020203" pitchFamily="34" charset="0"/>
                 <a:cs typeface="Times New Roman" panose="02020603050405020304" pitchFamily="18" charset="0"/>
               </a:rPr>
               <a:t>lưu</a:t>
             </a:r>
             <a:r>
-              <a:rPr lang="fr-FR" sz="3200" dirty="0">
-                <a:latin typeface="Times New Roman" panose="02020603050405020304" pitchFamily="18" charset="0"/>
+              <a:rPr lang="fr-FR" sz="1600" dirty="0">
+                <a:latin typeface="Segoe UI Black" panose="020B0A02040204020203" pitchFamily="34" charset="0"/>
+                <a:ea typeface="Segoe UI Black" panose="020B0A02040204020203" pitchFamily="34" charset="0"/>
                 <a:cs typeface="Times New Roman" panose="02020603050405020304" pitchFamily="18" charset="0"/>
               </a:rPr>
               <a:t> </a:t>
             </a:r>
             <a:r>
-              <a:rPr lang="fr-FR" sz="3200" dirty="0" err="1">
-                <a:latin typeface="Times New Roman" panose="02020603050405020304" pitchFamily="18" charset="0"/>
+              <a:rPr lang="fr-FR" sz="1600" dirty="0" err="1">
+                <a:latin typeface="Segoe UI Black" panose="020B0A02040204020203" pitchFamily="34" charset="0"/>
+                <a:ea typeface="Segoe UI Black" panose="020B0A02040204020203" pitchFamily="34" charset="0"/>
                 <a:cs typeface="Times New Roman" panose="02020603050405020304" pitchFamily="18" charset="0"/>
               </a:rPr>
               <a:t>trữ</a:t>
             </a:r>
             <a:r>
-              <a:rPr lang="fr-FR" sz="3200" dirty="0">
-                <a:latin typeface="Times New Roman" panose="02020603050405020304" pitchFamily="18" charset="0"/>
+              <a:rPr lang="fr-FR" sz="1600" dirty="0">
+                <a:latin typeface="Segoe UI Black" panose="020B0A02040204020203" pitchFamily="34" charset="0"/>
+                <a:ea typeface="Segoe UI Black" panose="020B0A02040204020203" pitchFamily="34" charset="0"/>
                 <a:cs typeface="Times New Roman" panose="02020603050405020304" pitchFamily="18" charset="0"/>
               </a:rPr>
               <a:t> </a:t>
             </a:r>
             <a:r>
-              <a:rPr lang="fr-FR" sz="3200" dirty="0" err="1">
-                <a:latin typeface="Times New Roman" panose="02020603050405020304" pitchFamily="18" charset="0"/>
+              <a:rPr lang="fr-FR" sz="1600" dirty="0" err="1">
+                <a:latin typeface="Segoe UI Black" panose="020B0A02040204020203" pitchFamily="34" charset="0"/>
+                <a:ea typeface="Segoe UI Black" panose="020B0A02040204020203" pitchFamily="34" charset="0"/>
                 <a:cs typeface="Times New Roman" panose="02020603050405020304" pitchFamily="18" charset="0"/>
               </a:rPr>
               <a:t>công</a:t>
             </a:r>
             <a:r>
-              <a:rPr lang="fr-FR" sz="3200" dirty="0">
-                <a:latin typeface="Times New Roman" panose="02020603050405020304" pitchFamily="18" charset="0"/>
+              <a:rPr lang="fr-FR" sz="1600" dirty="0">
+                <a:latin typeface="Segoe UI Black" panose="020B0A02040204020203" pitchFamily="34" charset="0"/>
+                <a:ea typeface="Segoe UI Black" panose="020B0A02040204020203" pitchFamily="34" charset="0"/>
                 <a:cs typeface="Times New Roman" panose="02020603050405020304" pitchFamily="18" charset="0"/>
               </a:rPr>
               <a:t> </a:t>
             </a:r>
             <a:r>
-              <a:rPr lang="fr-FR" sz="3200" dirty="0" err="1">
-                <a:latin typeface="Times New Roman" panose="02020603050405020304" pitchFamily="18" charset="0"/>
+              <a:rPr lang="fr-FR" sz="1600" dirty="0" err="1">
+                <a:latin typeface="Segoe UI Black" panose="020B0A02040204020203" pitchFamily="34" charset="0"/>
+                <a:ea typeface="Segoe UI Black" panose="020B0A02040204020203" pitchFamily="34" charset="0"/>
                 <a:cs typeface="Times New Roman" panose="02020603050405020304" pitchFamily="18" charset="0"/>
               </a:rPr>
               <a:t>việc</a:t>
             </a:r>
             <a:r>
-              <a:rPr lang="fr-FR" sz="3200" dirty="0">
-                <a:latin typeface="Times New Roman" panose="02020603050405020304" pitchFamily="18" charset="0"/>
+              <a:rPr lang="fr-FR" sz="1600" dirty="0">
+                <a:latin typeface="Segoe UI Black" panose="020B0A02040204020203" pitchFamily="34" charset="0"/>
+                <a:ea typeface="Segoe UI Black" panose="020B0A02040204020203" pitchFamily="34" charset="0"/>
                 <a:cs typeface="Times New Roman" panose="02020603050405020304" pitchFamily="18" charset="0"/>
               </a:rPr>
               <a:t>. </a:t>
             </a:r>
             <a:r>
-              <a:rPr lang="fr-FR" sz="3200" dirty="0" err="1">
-                <a:latin typeface="Times New Roman" panose="02020603050405020304" pitchFamily="18" charset="0"/>
+              <a:rPr lang="fr-FR" sz="1600" dirty="0" err="1">
+                <a:latin typeface="Segoe UI Black" panose="020B0A02040204020203" pitchFamily="34" charset="0"/>
+                <a:ea typeface="Segoe UI Black" panose="020B0A02040204020203" pitchFamily="34" charset="0"/>
                 <a:cs typeface="Times New Roman" panose="02020603050405020304" pitchFamily="18" charset="0"/>
               </a:rPr>
               <a:t>Một</a:t>
             </a:r>
             <a:r>
-              <a:rPr lang="fr-FR" sz="3200" dirty="0">
-                <a:latin typeface="Times New Roman" panose="02020603050405020304" pitchFamily="18" charset="0"/>
+              <a:rPr lang="fr-FR" sz="1600" dirty="0">
+                <a:latin typeface="Segoe UI Black" panose="020B0A02040204020203" pitchFamily="34" charset="0"/>
+                <a:ea typeface="Segoe UI Black" panose="020B0A02040204020203" pitchFamily="34" charset="0"/>
                 <a:cs typeface="Times New Roman" panose="02020603050405020304" pitchFamily="18" charset="0"/>
               </a:rPr>
               <a:t> </a:t>
             </a:r>
             <a:r>
-              <a:rPr lang="fr-FR" sz="3200" dirty="0" err="1">
-                <a:latin typeface="Times New Roman" panose="02020603050405020304" pitchFamily="18" charset="0"/>
+              <a:rPr lang="fr-FR" sz="1600" dirty="0" err="1">
+                <a:latin typeface="Segoe UI Black" panose="020B0A02040204020203" pitchFamily="34" charset="0"/>
+                <a:ea typeface="Segoe UI Black" panose="020B0A02040204020203" pitchFamily="34" charset="0"/>
                 <a:cs typeface="Times New Roman" panose="02020603050405020304" pitchFamily="18" charset="0"/>
               </a:rPr>
               <a:t>Card</a:t>
             </a:r>
             <a:r>
-              <a:rPr lang="fr-FR" sz="3200" dirty="0">
-                <a:latin typeface="Times New Roman" panose="02020603050405020304" pitchFamily="18" charset="0"/>
+              <a:rPr lang="fr-FR" sz="1600" dirty="0">
+                <a:latin typeface="Segoe UI Black" panose="020B0A02040204020203" pitchFamily="34" charset="0"/>
+                <a:ea typeface="Segoe UI Black" panose="020B0A02040204020203" pitchFamily="34" charset="0"/>
                 <a:cs typeface="Times New Roman" panose="02020603050405020304" pitchFamily="18" charset="0"/>
               </a:rPr>
               <a:t> </a:t>
             </a:r>
             <a:r>
-              <a:rPr lang="fr-FR" sz="3200" dirty="0" err="1">
-                <a:latin typeface="Times New Roman" panose="02020603050405020304" pitchFamily="18" charset="0"/>
+              <a:rPr lang="fr-FR" sz="1600" dirty="0" err="1">
+                <a:latin typeface="Segoe UI Black" panose="020B0A02040204020203" pitchFamily="34" charset="0"/>
+                <a:ea typeface="Segoe UI Black" panose="020B0A02040204020203" pitchFamily="34" charset="0"/>
                 <a:cs typeface="Times New Roman" panose="02020603050405020304" pitchFamily="18" charset="0"/>
               </a:rPr>
               <a:t>có</a:t>
             </a:r>
             <a:r>
-              <a:rPr lang="fr-FR" sz="3200" dirty="0">
-                <a:latin typeface="Times New Roman" panose="02020603050405020304" pitchFamily="18" charset="0"/>
+              <a:rPr lang="fr-FR" sz="1600" dirty="0">
+                <a:latin typeface="Segoe UI Black" panose="020B0A02040204020203" pitchFamily="34" charset="0"/>
+                <a:ea typeface="Segoe UI Black" panose="020B0A02040204020203" pitchFamily="34" charset="0"/>
                 <a:cs typeface="Times New Roman" panose="02020603050405020304" pitchFamily="18" charset="0"/>
               </a:rPr>
               <a:t> </a:t>
             </a:r>
             <a:r>
-              <a:rPr lang="fr-FR" sz="3200" dirty="0" err="1">
-                <a:latin typeface="Times New Roman" panose="02020603050405020304" pitchFamily="18" charset="0"/>
+              <a:rPr lang="fr-FR" sz="1600" dirty="0" err="1">
+                <a:latin typeface="Segoe UI Black" panose="020B0A02040204020203" pitchFamily="34" charset="0"/>
+                <a:ea typeface="Segoe UI Black" panose="020B0A02040204020203" pitchFamily="34" charset="0"/>
                 <a:cs typeface="Times New Roman" panose="02020603050405020304" pitchFamily="18" charset="0"/>
               </a:rPr>
               <a:t>thể</a:t>
             </a:r>
             <a:r>
-              <a:rPr lang="fr-FR" sz="3200" dirty="0">
-                <a:latin typeface="Times New Roman" panose="02020603050405020304" pitchFamily="18" charset="0"/>
+              <a:rPr lang="fr-FR" sz="1600" dirty="0">
+                <a:latin typeface="Segoe UI Black" panose="020B0A02040204020203" pitchFamily="34" charset="0"/>
+                <a:ea typeface="Segoe UI Black" panose="020B0A02040204020203" pitchFamily="34" charset="0"/>
                 <a:cs typeface="Times New Roman" panose="02020603050405020304" pitchFamily="18" charset="0"/>
               </a:rPr>
               <a:t> </a:t>
             </a:r>
             <a:r>
-              <a:rPr lang="fr-FR" sz="3200" dirty="0" err="1">
-                <a:latin typeface="Times New Roman" panose="02020603050405020304" pitchFamily="18" charset="0"/>
+              <a:rPr lang="fr-FR" sz="1600" dirty="0" err="1">
+                <a:latin typeface="Segoe UI Black" panose="020B0A02040204020203" pitchFamily="34" charset="0"/>
+                <a:ea typeface="Segoe UI Black" panose="020B0A02040204020203" pitchFamily="34" charset="0"/>
                 <a:cs typeface="Times New Roman" panose="02020603050405020304" pitchFamily="18" charset="0"/>
               </a:rPr>
               <a:t>dùng</a:t>
             </a:r>
             <a:r>
-              <a:rPr lang="fr-FR" sz="3200" dirty="0">
-                <a:latin typeface="Times New Roman" panose="02020603050405020304" pitchFamily="18" charset="0"/>
+              <a:rPr lang="fr-FR" sz="1600" dirty="0">
+                <a:latin typeface="Segoe UI Black" panose="020B0A02040204020203" pitchFamily="34" charset="0"/>
+                <a:ea typeface="Segoe UI Black" panose="020B0A02040204020203" pitchFamily="34" charset="0"/>
                 <a:cs typeface="Times New Roman" panose="02020603050405020304" pitchFamily="18" charset="0"/>
               </a:rPr>
               <a:t> </a:t>
             </a:r>
             <a:r>
-              <a:rPr lang="fr-FR" sz="3200" dirty="0" err="1">
-                <a:latin typeface="Times New Roman" panose="02020603050405020304" pitchFamily="18" charset="0"/>
+              <a:rPr lang="fr-FR" sz="1600" dirty="0" err="1">
+                <a:latin typeface="Segoe UI Black" panose="020B0A02040204020203" pitchFamily="34" charset="0"/>
+                <a:ea typeface="Segoe UI Black" panose="020B0A02040204020203" pitchFamily="34" charset="0"/>
                 <a:cs typeface="Times New Roman" panose="02020603050405020304" pitchFamily="18" charset="0"/>
               </a:rPr>
               <a:t>để</a:t>
             </a:r>
             <a:r>
-              <a:rPr lang="fr-FR" sz="3200" dirty="0">
-                <a:latin typeface="Times New Roman" panose="02020603050405020304" pitchFamily="18" charset="0"/>
+              <a:rPr lang="fr-FR" sz="1600" dirty="0">
+                <a:latin typeface="Segoe UI Black" panose="020B0A02040204020203" pitchFamily="34" charset="0"/>
+                <a:ea typeface="Segoe UI Black" panose="020B0A02040204020203" pitchFamily="34" charset="0"/>
                 <a:cs typeface="Times New Roman" panose="02020603050405020304" pitchFamily="18" charset="0"/>
               </a:rPr>
               <a:t> </a:t>
             </a:r>
             <a:r>
-              <a:rPr lang="fr-FR" sz="3200" dirty="0" err="1">
-                <a:latin typeface="Times New Roman" panose="02020603050405020304" pitchFamily="18" charset="0"/>
+              <a:rPr lang="fr-FR" sz="1600" dirty="0" err="1">
+                <a:latin typeface="Segoe UI Black" panose="020B0A02040204020203" pitchFamily="34" charset="0"/>
+                <a:ea typeface="Segoe UI Black" panose="020B0A02040204020203" pitchFamily="34" charset="0"/>
                 <a:cs typeface="Times New Roman" panose="02020603050405020304" pitchFamily="18" charset="0"/>
               </a:rPr>
               <a:t>ghi</a:t>
             </a:r>
             <a:r>
-              <a:rPr lang="fr-FR" sz="3200" dirty="0">
-                <a:latin typeface="Times New Roman" panose="02020603050405020304" pitchFamily="18" charset="0"/>
+              <a:rPr lang="fr-FR" sz="1600" dirty="0">
+                <a:latin typeface="Segoe UI Black" panose="020B0A02040204020203" pitchFamily="34" charset="0"/>
+                <a:ea typeface="Segoe UI Black" panose="020B0A02040204020203" pitchFamily="34" charset="0"/>
                 <a:cs typeface="Times New Roman" panose="02020603050405020304" pitchFamily="18" charset="0"/>
               </a:rPr>
               <a:t> </a:t>
             </a:r>
             <a:r>
-              <a:rPr lang="fr-FR" sz="3200" dirty="0" err="1">
-                <a:latin typeface="Times New Roman" panose="02020603050405020304" pitchFamily="18" charset="0"/>
+              <a:rPr lang="fr-FR" sz="1600" dirty="0" err="1">
+                <a:latin typeface="Segoe UI Black" panose="020B0A02040204020203" pitchFamily="34" charset="0"/>
+                <a:ea typeface="Segoe UI Black" panose="020B0A02040204020203" pitchFamily="34" charset="0"/>
                 <a:cs typeface="Times New Roman" panose="02020603050405020304" pitchFamily="18" charset="0"/>
               </a:rPr>
               <a:t>task</a:t>
             </a:r>
             <a:r>
-              <a:rPr lang="fr-FR" sz="3200" dirty="0">
-                <a:latin typeface="Times New Roman" panose="02020603050405020304" pitchFamily="18" charset="0"/>
+              <a:rPr lang="fr-FR" sz="1600" dirty="0">
+                <a:latin typeface="Segoe UI Black" panose="020B0A02040204020203" pitchFamily="34" charset="0"/>
+                <a:ea typeface="Segoe UI Black" panose="020B0A02040204020203" pitchFamily="34" charset="0"/>
                 <a:cs typeface="Times New Roman" panose="02020603050405020304" pitchFamily="18" charset="0"/>
               </a:rPr>
               <a:t>, </a:t>
             </a:r>
             <a:r>
-              <a:rPr lang="fr-FR" sz="3200" dirty="0" err="1">
-                <a:latin typeface="Times New Roman" panose="02020603050405020304" pitchFamily="18" charset="0"/>
+              <a:rPr lang="fr-FR" sz="1600" dirty="0" err="1">
+                <a:latin typeface="Segoe UI Black" panose="020B0A02040204020203" pitchFamily="34" charset="0"/>
+                <a:ea typeface="Segoe UI Black" panose="020B0A02040204020203" pitchFamily="34" charset="0"/>
                 <a:cs typeface="Times New Roman" panose="02020603050405020304" pitchFamily="18" charset="0"/>
               </a:rPr>
               <a:t>feature</a:t>
             </a:r>
             <a:r>
-              <a:rPr lang="fr-FR" sz="3200" dirty="0">
-                <a:latin typeface="Times New Roman" panose="02020603050405020304" pitchFamily="18" charset="0"/>
+              <a:rPr lang="fr-FR" sz="1600" dirty="0">
+                <a:latin typeface="Segoe UI Black" panose="020B0A02040204020203" pitchFamily="34" charset="0"/>
+                <a:ea typeface="Segoe UI Black" panose="020B0A02040204020203" pitchFamily="34" charset="0"/>
                 <a:cs typeface="Times New Roman" panose="02020603050405020304" pitchFamily="18" charset="0"/>
               </a:rPr>
               <a:t>, question, note .</a:t>
             </a:r>
             <a:r>
-              <a:rPr lang="fr-FR" sz="3200" dirty="0" err="1">
-                <a:latin typeface="Times New Roman" panose="02020603050405020304" pitchFamily="18" charset="0"/>
+              <a:rPr lang="fr-FR" sz="1600" dirty="0" err="1">
+                <a:latin typeface="Segoe UI Black" panose="020B0A02040204020203" pitchFamily="34" charset="0"/>
+                <a:ea typeface="Segoe UI Black" panose="020B0A02040204020203" pitchFamily="34" charset="0"/>
                 <a:cs typeface="Times New Roman" panose="02020603050405020304" pitchFamily="18" charset="0"/>
               </a:rPr>
               <a:t>Mỗi</a:t>
             </a:r>
             <a:r>
-              <a:rPr lang="fr-FR" sz="3200" dirty="0">
-                <a:latin typeface="Times New Roman" panose="02020603050405020304" pitchFamily="18" charset="0"/>
+              <a:rPr lang="fr-FR" sz="1600" dirty="0">
+                <a:latin typeface="Segoe UI Black" panose="020B0A02040204020203" pitchFamily="34" charset="0"/>
+                <a:ea typeface="Segoe UI Black" panose="020B0A02040204020203" pitchFamily="34" charset="0"/>
                 <a:cs typeface="Times New Roman" panose="02020603050405020304" pitchFamily="18" charset="0"/>
               </a:rPr>
               <a:t> </a:t>
             </a:r>
             <a:r>
-              <a:rPr lang="fr-FR" sz="3200" dirty="0" err="1">
-                <a:latin typeface="Times New Roman" panose="02020603050405020304" pitchFamily="18" charset="0"/>
+              <a:rPr lang="fr-FR" sz="1600" dirty="0" err="1">
+                <a:latin typeface="Segoe UI Black" panose="020B0A02040204020203" pitchFamily="34" charset="0"/>
+                <a:ea typeface="Segoe UI Black" panose="020B0A02040204020203" pitchFamily="34" charset="0"/>
                 <a:cs typeface="Times New Roman" panose="02020603050405020304" pitchFamily="18" charset="0"/>
               </a:rPr>
               <a:t>card</a:t>
             </a:r>
             <a:r>
-              <a:rPr lang="fr-FR" sz="3200" dirty="0">
-                <a:latin typeface="Times New Roman" panose="02020603050405020304" pitchFamily="18" charset="0"/>
+              <a:rPr lang="fr-FR" sz="1600" dirty="0">
+                <a:latin typeface="Segoe UI Black" panose="020B0A02040204020203" pitchFamily="34" charset="0"/>
+                <a:ea typeface="Segoe UI Black" panose="020B0A02040204020203" pitchFamily="34" charset="0"/>
                 <a:cs typeface="Times New Roman" panose="02020603050405020304" pitchFamily="18" charset="0"/>
               </a:rPr>
               <a:t> </a:t>
             </a:r>
             <a:r>
-              <a:rPr lang="fr-FR" sz="3200" dirty="0" err="1">
-                <a:latin typeface="Times New Roman" panose="02020603050405020304" pitchFamily="18" charset="0"/>
+              <a:rPr lang="fr-FR" sz="1600" dirty="0" err="1">
+                <a:latin typeface="Segoe UI Black" panose="020B0A02040204020203" pitchFamily="34" charset="0"/>
+                <a:ea typeface="Segoe UI Black" panose="020B0A02040204020203" pitchFamily="34" charset="0"/>
                 <a:cs typeface="Times New Roman" panose="02020603050405020304" pitchFamily="18" charset="0"/>
               </a:rPr>
               <a:t>sẽ</a:t>
             </a:r>
             <a:r>
-              <a:rPr lang="fr-FR" sz="3200" dirty="0">
-                <a:latin typeface="Times New Roman" panose="02020603050405020304" pitchFamily="18" charset="0"/>
+              <a:rPr lang="fr-FR" sz="1600" dirty="0">
+                <a:latin typeface="Segoe UI Black" panose="020B0A02040204020203" pitchFamily="34" charset="0"/>
+                <a:ea typeface="Segoe UI Black" panose="020B0A02040204020203" pitchFamily="34" charset="0"/>
                 <a:cs typeface="Times New Roman" panose="02020603050405020304" pitchFamily="18" charset="0"/>
               </a:rPr>
               <a:t> </a:t>
             </a:r>
             <a:r>
-              <a:rPr lang="fr-FR" sz="3200" dirty="0" err="1">
-                <a:latin typeface="Times New Roman" panose="02020603050405020304" pitchFamily="18" charset="0"/>
+              <a:rPr lang="fr-FR" sz="1600" dirty="0" err="1">
+                <a:latin typeface="Segoe UI Black" panose="020B0A02040204020203" pitchFamily="34" charset="0"/>
+                <a:ea typeface="Segoe UI Black" panose="020B0A02040204020203" pitchFamily="34" charset="0"/>
                 <a:cs typeface="Times New Roman" panose="02020603050405020304" pitchFamily="18" charset="0"/>
               </a:rPr>
               <a:t>có</a:t>
             </a:r>
             <a:r>
-              <a:rPr lang="fr-FR" sz="3200" dirty="0">
-                <a:latin typeface="Times New Roman" panose="02020603050405020304" pitchFamily="18" charset="0"/>
+              <a:rPr lang="fr-FR" sz="1600" dirty="0">
+                <a:latin typeface="Segoe UI Black" panose="020B0A02040204020203" pitchFamily="34" charset="0"/>
+                <a:ea typeface="Segoe UI Black" panose="020B0A02040204020203" pitchFamily="34" charset="0"/>
                 <a:cs typeface="Times New Roman" panose="02020603050405020304" pitchFamily="18" charset="0"/>
               </a:rPr>
               <a:t> checklist </a:t>
             </a:r>
             <a:r>
-              <a:rPr lang="fr-FR" sz="3200" dirty="0" err="1">
-                <a:latin typeface="Times New Roman" panose="02020603050405020304" pitchFamily="18" charset="0"/>
+              <a:rPr lang="fr-FR" sz="1600" dirty="0" err="1">
+                <a:latin typeface="Segoe UI Black" panose="020B0A02040204020203" pitchFamily="34" charset="0"/>
+                <a:ea typeface="Segoe UI Black" panose="020B0A02040204020203" pitchFamily="34" charset="0"/>
                 <a:cs typeface="Times New Roman" panose="02020603050405020304" pitchFamily="18" charset="0"/>
               </a:rPr>
               <a:t>để</a:t>
             </a:r>
             <a:r>
-              <a:rPr lang="fr-FR" sz="3200" dirty="0">
-                <a:latin typeface="Times New Roman" panose="02020603050405020304" pitchFamily="18" charset="0"/>
+              <a:rPr lang="fr-FR" sz="1600" dirty="0">
+                <a:latin typeface="Segoe UI Black" panose="020B0A02040204020203" pitchFamily="34" charset="0"/>
+                <a:ea typeface="Segoe UI Black" panose="020B0A02040204020203" pitchFamily="34" charset="0"/>
                 <a:cs typeface="Times New Roman" panose="02020603050405020304" pitchFamily="18" charset="0"/>
               </a:rPr>
               <a:t> </a:t>
             </a:r>
             <a:r>
-              <a:rPr lang="fr-FR" sz="3200" dirty="0" err="1">
-                <a:latin typeface="Times New Roman" panose="02020603050405020304" pitchFamily="18" charset="0"/>
+              <a:rPr lang="fr-FR" sz="1600" dirty="0" err="1">
+                <a:latin typeface="Segoe UI Black" panose="020B0A02040204020203" pitchFamily="34" charset="0"/>
+                <a:ea typeface="Segoe UI Black" panose="020B0A02040204020203" pitchFamily="34" charset="0"/>
                 <a:cs typeface="Times New Roman" panose="02020603050405020304" pitchFamily="18" charset="0"/>
               </a:rPr>
               <a:t>bạn</a:t>
             </a:r>
             <a:r>
-              <a:rPr lang="fr-FR" sz="3200" dirty="0">
-                <a:latin typeface="Times New Roman" panose="02020603050405020304" pitchFamily="18" charset="0"/>
+              <a:rPr lang="fr-FR" sz="1600" dirty="0">
+                <a:latin typeface="Segoe UI Black" panose="020B0A02040204020203" pitchFamily="34" charset="0"/>
+                <a:ea typeface="Segoe UI Black" panose="020B0A02040204020203" pitchFamily="34" charset="0"/>
                 <a:cs typeface="Times New Roman" panose="02020603050405020304" pitchFamily="18" charset="0"/>
               </a:rPr>
               <a:t> chia </a:t>
             </a:r>
             <a:r>
-              <a:rPr lang="fr-FR" sz="3200" dirty="0" err="1">
-                <a:latin typeface="Times New Roman" panose="02020603050405020304" pitchFamily="18" charset="0"/>
+              <a:rPr lang="fr-FR" sz="1600" dirty="0" err="1">
+                <a:latin typeface="Segoe UI Black" panose="020B0A02040204020203" pitchFamily="34" charset="0"/>
+                <a:ea typeface="Segoe UI Black" panose="020B0A02040204020203" pitchFamily="34" charset="0"/>
                 <a:cs typeface="Times New Roman" panose="02020603050405020304" pitchFamily="18" charset="0"/>
               </a:rPr>
               <a:t>đầu</a:t>
             </a:r>
             <a:r>
-              <a:rPr lang="fr-FR" sz="3200" dirty="0">
-                <a:latin typeface="Times New Roman" panose="02020603050405020304" pitchFamily="18" charset="0"/>
+              <a:rPr lang="fr-FR" sz="1600" dirty="0">
+                <a:latin typeface="Segoe UI Black" panose="020B0A02040204020203" pitchFamily="34" charset="0"/>
+                <a:ea typeface="Segoe UI Black" panose="020B0A02040204020203" pitchFamily="34" charset="0"/>
                 <a:cs typeface="Times New Roman" panose="02020603050405020304" pitchFamily="18" charset="0"/>
               </a:rPr>
               <a:t> </a:t>
             </a:r>
             <a:r>
-              <a:rPr lang="fr-FR" sz="3200" dirty="0" err="1">
-                <a:latin typeface="Times New Roman" panose="02020603050405020304" pitchFamily="18" charset="0"/>
+              <a:rPr lang="fr-FR" sz="1600" dirty="0" err="1">
+                <a:latin typeface="Segoe UI Black" panose="020B0A02040204020203" pitchFamily="34" charset="0"/>
+                <a:ea typeface="Segoe UI Black" panose="020B0A02040204020203" pitchFamily="34" charset="0"/>
                 <a:cs typeface="Times New Roman" panose="02020603050405020304" pitchFamily="18" charset="0"/>
               </a:rPr>
               <a:t>việc</a:t>
             </a:r>
             <a:r>
-              <a:rPr lang="fr-FR" sz="3200" dirty="0">
-                <a:latin typeface="Times New Roman" panose="02020603050405020304" pitchFamily="18" charset="0"/>
+              <a:rPr lang="fr-FR" sz="1600" dirty="0">
+                <a:latin typeface="Segoe UI Black" panose="020B0A02040204020203" pitchFamily="34" charset="0"/>
+                <a:ea typeface="Segoe UI Black" panose="020B0A02040204020203" pitchFamily="34" charset="0"/>
                 <a:cs typeface="Times New Roman" panose="02020603050405020304" pitchFamily="18" charset="0"/>
               </a:rPr>
               <a:t> </a:t>
             </a:r>
             <a:r>
-              <a:rPr lang="fr-FR" sz="3200" dirty="0" err="1">
-                <a:latin typeface="Times New Roman" panose="02020603050405020304" pitchFamily="18" charset="0"/>
+              <a:rPr lang="fr-FR" sz="1600" dirty="0" err="1">
+                <a:latin typeface="Segoe UI Black" panose="020B0A02040204020203" pitchFamily="34" charset="0"/>
+                <a:ea typeface="Segoe UI Black" panose="020B0A02040204020203" pitchFamily="34" charset="0"/>
                 <a:cs typeface="Times New Roman" panose="02020603050405020304" pitchFamily="18" charset="0"/>
               </a:rPr>
               <a:t>nhỏ</a:t>
             </a:r>
             <a:r>
-              <a:rPr lang="fr-FR" sz="3200" dirty="0">
-                <a:latin typeface="Times New Roman" panose="02020603050405020304" pitchFamily="18" charset="0"/>
+              <a:rPr lang="fr-FR" sz="1600" dirty="0">
+                <a:latin typeface="Segoe UI Black" panose="020B0A02040204020203" pitchFamily="34" charset="0"/>
+                <a:ea typeface="Segoe UI Black" panose="020B0A02040204020203" pitchFamily="34" charset="0"/>
                 <a:cs typeface="Times New Roman" panose="02020603050405020304" pitchFamily="18" charset="0"/>
               </a:rPr>
               <a:t> </a:t>
             </a:r>
             <a:r>
-              <a:rPr lang="fr-FR" sz="3200" dirty="0" err="1">
-                <a:latin typeface="Times New Roman" panose="02020603050405020304" pitchFamily="18" charset="0"/>
+              <a:rPr lang="fr-FR" sz="1600" dirty="0" err="1">
+                <a:latin typeface="Segoe UI Black" panose="020B0A02040204020203" pitchFamily="34" charset="0"/>
+                <a:ea typeface="Segoe UI Black" panose="020B0A02040204020203" pitchFamily="34" charset="0"/>
                 <a:cs typeface="Times New Roman" panose="02020603050405020304" pitchFamily="18" charset="0"/>
               </a:rPr>
               <a:t>hơn</a:t>
             </a:r>
             <a:r>
-              <a:rPr lang="fr-FR" sz="3200" dirty="0">
-                <a:latin typeface="Times New Roman" panose="02020603050405020304" pitchFamily="18" charset="0"/>
+              <a:rPr lang="fr-FR" sz="1600" dirty="0">
+                <a:latin typeface="Segoe UI Black" panose="020B0A02040204020203" pitchFamily="34" charset="0"/>
+                <a:ea typeface="Segoe UI Black" panose="020B0A02040204020203" pitchFamily="34" charset="0"/>
                 <a:cs typeface="Times New Roman" panose="02020603050405020304" pitchFamily="18" charset="0"/>
               </a:rPr>
               <a:t>.</a:t>
             </a:r>
-            <a:endParaRPr lang="en-US" sz="3200" dirty="0">
-              <a:latin typeface="Times New Roman" panose="02020603050405020304" pitchFamily="18" charset="0"/>
+            <a:endParaRPr lang="en-US" sz="1600" dirty="0">
+              <a:latin typeface="Segoe UI Black" panose="020B0A02040204020203" pitchFamily="34" charset="0"/>
+              <a:ea typeface="Segoe UI Black" panose="020B0A02040204020203" pitchFamily="34" charset="0"/>
               <a:cs typeface="Times New Roman" panose="02020603050405020304" pitchFamily="18" charset="0"/>
             </a:endParaRPr>
           </a:p>
           <a:p>
-            <a:endParaRPr lang="en-US" sz="3000" dirty="0">
-              <a:latin typeface="Times New Roman" panose="02020603050405020304" pitchFamily="18" charset="0"/>
+            <a:endParaRPr lang="en-US" sz="1600" dirty="0">
+              <a:latin typeface="Segoe UI Black" panose="020B0A02040204020203" pitchFamily="34" charset="0"/>
+              <a:ea typeface="Segoe UI Black" panose="020B0A02040204020203" pitchFamily="34" charset="0"/>
               <a:cs typeface="Times New Roman" panose="02020603050405020304" pitchFamily="18" charset="0"/>
             </a:endParaRPr>
           </a:p>
@@ -9318,21 +9801,24 @@
               <a:buNone/>
             </a:pPr>
             <a:r>
-              <a:rPr lang="en-US" sz="5000" dirty="0" err="1">
-                <a:latin typeface="Times New Roman" panose="02020603050405020304" pitchFamily="18" charset="0"/>
+              <a:rPr lang="en-US" sz="3000" dirty="0" err="1">
+                <a:latin typeface="Segoe UI Black" panose="020B0A02040204020203" pitchFamily="34" charset="0"/>
+                <a:ea typeface="Segoe UI Black" panose="020B0A02040204020203" pitchFamily="34" charset="0"/>
                 <a:cs typeface="Times New Roman" panose="02020603050405020304" pitchFamily="18" charset="0"/>
               </a:rPr>
               <a:t>Tạo</a:t>
             </a:r>
             <a:r>
-              <a:rPr lang="en-US" sz="5000" dirty="0">
-                <a:latin typeface="Times New Roman" panose="02020603050405020304" pitchFamily="18" charset="0"/>
+              <a:rPr lang="en-US" sz="3000" dirty="0">
+                <a:latin typeface="Segoe UI Black" panose="020B0A02040204020203" pitchFamily="34" charset="0"/>
+                <a:ea typeface="Segoe UI Black" panose="020B0A02040204020203" pitchFamily="34" charset="0"/>
                 <a:cs typeface="Times New Roman" panose="02020603050405020304" pitchFamily="18" charset="0"/>
               </a:rPr>
               <a:t> board</a:t>
             </a:r>
-            <a:endParaRPr sz="5000" dirty="0">
-              <a:latin typeface="Times New Roman" panose="02020603050405020304" pitchFamily="18" charset="0"/>
+            <a:endParaRPr sz="3000" dirty="0">
+              <a:latin typeface="Segoe UI Black" panose="020B0A02040204020203" pitchFamily="34" charset="0"/>
+              <a:ea typeface="Segoe UI Black" panose="020B0A02040204020203" pitchFamily="34" charset="0"/>
               <a:cs typeface="Times New Roman" panose="02020603050405020304" pitchFamily="18" charset="0"/>
             </a:endParaRPr>
           </a:p>
@@ -9384,35 +9870,40 @@
               <a:buNone/>
             </a:pPr>
             <a:r>
-              <a:rPr lang="en-US" sz="3000" dirty="0" err="1">
-                <a:latin typeface="Times New Roman" panose="02020603050405020304" pitchFamily="18" charset="0"/>
+              <a:rPr lang="en-US" dirty="0" err="1">
+                <a:latin typeface="Segoe UI Black" panose="020B0A02040204020203" pitchFamily="34" charset="0"/>
+                <a:ea typeface="Segoe UI Black" panose="020B0A02040204020203" pitchFamily="34" charset="0"/>
                 <a:cs typeface="Times New Roman" panose="02020603050405020304" pitchFamily="18" charset="0"/>
               </a:rPr>
               <a:t>Bước</a:t>
             </a:r>
             <a:r>
-              <a:rPr lang="en-US" sz="3000" dirty="0">
-                <a:latin typeface="Times New Roman" panose="02020603050405020304" pitchFamily="18" charset="0"/>
+              <a:rPr lang="en-US" dirty="0">
+                <a:latin typeface="Segoe UI Black" panose="020B0A02040204020203" pitchFamily="34" charset="0"/>
+                <a:ea typeface="Segoe UI Black" panose="020B0A02040204020203" pitchFamily="34" charset="0"/>
                 <a:cs typeface="Times New Roman" panose="02020603050405020304" pitchFamily="18" charset="0"/>
               </a:rPr>
               <a:t> 1: </a:t>
             </a:r>
             <a:r>
-              <a:rPr lang="en-US" sz="3000" dirty="0" err="1">
-                <a:latin typeface="Times New Roman" panose="02020603050405020304" pitchFamily="18" charset="0"/>
+              <a:rPr lang="en-US" dirty="0" err="1">
+                <a:latin typeface="Segoe UI Black" panose="020B0A02040204020203" pitchFamily="34" charset="0"/>
+                <a:ea typeface="Segoe UI Black" panose="020B0A02040204020203" pitchFamily="34" charset="0"/>
                 <a:cs typeface="Times New Roman" panose="02020603050405020304" pitchFamily="18" charset="0"/>
               </a:rPr>
               <a:t>chọn</a:t>
             </a:r>
             <a:r>
-              <a:rPr lang="en-US" sz="3000" dirty="0">
-                <a:latin typeface="Times New Roman" panose="02020603050405020304" pitchFamily="18" charset="0"/>
+              <a:rPr lang="en-US" dirty="0">
+                <a:latin typeface="Segoe UI Black" panose="020B0A02040204020203" pitchFamily="34" charset="0"/>
+                <a:ea typeface="Segoe UI Black" panose="020B0A02040204020203" pitchFamily="34" charset="0"/>
                 <a:cs typeface="Times New Roman" panose="02020603050405020304" pitchFamily="18" charset="0"/>
               </a:rPr>
               <a:t> create new board</a:t>
             </a:r>
-            <a:endParaRPr sz="3000" dirty="0">
-              <a:latin typeface="Times New Roman" panose="02020603050405020304" pitchFamily="18" charset="0"/>
+            <a:endParaRPr dirty="0">
+              <a:latin typeface="Segoe UI Black" panose="020B0A02040204020203" pitchFamily="34" charset="0"/>
+              <a:ea typeface="Segoe UI Black" panose="020B0A02040204020203" pitchFamily="34" charset="0"/>
               <a:cs typeface="Times New Roman" panose="02020603050405020304" pitchFamily="18" charset="0"/>
             </a:endParaRPr>
           </a:p>
@@ -9500,20 +9991,25 @@
           <a:lstStyle/>
           <a:p>
             <a:r>
-              <a:rPr lang="en-US" sz="5000" dirty="0" err="1">
-                <a:latin typeface="Times New Roman" panose="02020603050405020304" pitchFamily="18" charset="0"/>
+              <a:rPr lang="en-US" sz="3000" dirty="0" err="1">
+                <a:latin typeface="Segoe UI Black" panose="020B0A02040204020203" pitchFamily="34" charset="0"/>
+                <a:ea typeface="Segoe UI Black" panose="020B0A02040204020203" pitchFamily="34" charset="0"/>
                 <a:cs typeface="Times New Roman" panose="02020603050405020304" pitchFamily="18" charset="0"/>
               </a:rPr>
               <a:t>Tạo</a:t>
             </a:r>
             <a:r>
-              <a:rPr lang="en-US" sz="5000" dirty="0">
-                <a:latin typeface="Times New Roman" panose="02020603050405020304" pitchFamily="18" charset="0"/>
+              <a:rPr lang="en-US" sz="3000" dirty="0">
+                <a:latin typeface="Segoe UI Black" panose="020B0A02040204020203" pitchFamily="34" charset="0"/>
+                <a:ea typeface="Segoe UI Black" panose="020B0A02040204020203" pitchFamily="34" charset="0"/>
                 <a:cs typeface="Times New Roman" panose="02020603050405020304" pitchFamily="18" charset="0"/>
               </a:rPr>
               <a:t> board</a:t>
             </a:r>
-            <a:endParaRPr lang="en-US" sz="5000" dirty="0"/>
+            <a:endParaRPr lang="en-US" sz="3000" dirty="0">
+              <a:latin typeface="Segoe UI Black" panose="020B0A02040204020203" pitchFamily="34" charset="0"/>
+              <a:ea typeface="Segoe UI Black" panose="020B0A02040204020203" pitchFamily="34" charset="0"/>
+            </a:endParaRPr>
           </a:p>
         </p:txBody>
       </p:sp>
@@ -9545,155 +10041,179 @@
           <a:p>
             <a:pPr algn="just"/>
             <a:r>
-              <a:rPr lang="en-US" sz="3000" dirty="0">
-                <a:latin typeface="Times New Roman" panose="02020603050405020304" pitchFamily="18" charset="0"/>
+              <a:rPr lang="en-US" dirty="0">
+                <a:latin typeface="Segoe UI Black" panose="020B0A02040204020203" pitchFamily="34" charset="0"/>
+                <a:ea typeface="Segoe UI Black" panose="020B0A02040204020203" pitchFamily="34" charset="0"/>
                 <a:cs typeface="Times New Roman" panose="02020603050405020304" pitchFamily="18" charset="0"/>
               </a:rPr>
               <a:t>	</a:t>
             </a:r>
             <a:r>
-              <a:rPr lang="en-US" sz="3000" dirty="0" err="1">
-                <a:latin typeface="Times New Roman" panose="02020603050405020304" pitchFamily="18" charset="0"/>
+              <a:rPr lang="en-US" dirty="0" err="1">
+                <a:latin typeface="Segoe UI Black" panose="020B0A02040204020203" pitchFamily="34" charset="0"/>
+                <a:ea typeface="Segoe UI Black" panose="020B0A02040204020203" pitchFamily="34" charset="0"/>
                 <a:cs typeface="Times New Roman" panose="02020603050405020304" pitchFamily="18" charset="0"/>
               </a:rPr>
               <a:t>Bước</a:t>
             </a:r>
             <a:r>
-              <a:rPr lang="en-US" sz="3000" dirty="0">
-                <a:latin typeface="Times New Roman" panose="02020603050405020304" pitchFamily="18" charset="0"/>
+              <a:rPr lang="en-US" dirty="0">
+                <a:latin typeface="Segoe UI Black" panose="020B0A02040204020203" pitchFamily="34" charset="0"/>
+                <a:ea typeface="Segoe UI Black" panose="020B0A02040204020203" pitchFamily="34" charset="0"/>
                 <a:cs typeface="Times New Roman" panose="02020603050405020304" pitchFamily="18" charset="0"/>
               </a:rPr>
               <a:t> 2: </a:t>
             </a:r>
             <a:r>
-              <a:rPr lang="en-US" sz="3000" dirty="0" err="1">
-                <a:latin typeface="Times New Roman" panose="02020603050405020304" pitchFamily="18" charset="0"/>
+              <a:rPr lang="en-US" dirty="0" err="1">
+                <a:latin typeface="Segoe UI Black" panose="020B0A02040204020203" pitchFamily="34" charset="0"/>
+                <a:ea typeface="Segoe UI Black" panose="020B0A02040204020203" pitchFamily="34" charset="0"/>
                 <a:cs typeface="Times New Roman" panose="02020603050405020304" pitchFamily="18" charset="0"/>
               </a:rPr>
               <a:t>Nhập</a:t>
             </a:r>
             <a:r>
-              <a:rPr lang="en-US" sz="3000" dirty="0">
-                <a:latin typeface="Times New Roman" panose="02020603050405020304" pitchFamily="18" charset="0"/>
+              <a:rPr lang="en-US" dirty="0">
+                <a:latin typeface="Segoe UI Black" panose="020B0A02040204020203" pitchFamily="34" charset="0"/>
+                <a:ea typeface="Segoe UI Black" panose="020B0A02040204020203" pitchFamily="34" charset="0"/>
                 <a:cs typeface="Times New Roman" panose="02020603050405020304" pitchFamily="18" charset="0"/>
               </a:rPr>
               <a:t> </a:t>
             </a:r>
             <a:r>
-              <a:rPr lang="en-US" sz="3000" dirty="0" err="1">
-                <a:latin typeface="Times New Roman" panose="02020603050405020304" pitchFamily="18" charset="0"/>
+              <a:rPr lang="en-US" dirty="0" err="1">
+                <a:latin typeface="Segoe UI Black" panose="020B0A02040204020203" pitchFamily="34" charset="0"/>
+                <a:ea typeface="Segoe UI Black" panose="020B0A02040204020203" pitchFamily="34" charset="0"/>
                 <a:cs typeface="Times New Roman" panose="02020603050405020304" pitchFamily="18" charset="0"/>
               </a:rPr>
               <a:t>tên</a:t>
             </a:r>
             <a:r>
-              <a:rPr lang="en-US" sz="3000" dirty="0">
-                <a:latin typeface="Times New Roman" panose="02020603050405020304" pitchFamily="18" charset="0"/>
+              <a:rPr lang="en-US" dirty="0">
+                <a:latin typeface="Segoe UI Black" panose="020B0A02040204020203" pitchFamily="34" charset="0"/>
+                <a:ea typeface="Segoe UI Black" panose="020B0A02040204020203" pitchFamily="34" charset="0"/>
                 <a:cs typeface="Times New Roman" panose="02020603050405020304" pitchFamily="18" charset="0"/>
               </a:rPr>
               <a:t> board, </a:t>
             </a:r>
             <a:r>
-              <a:rPr lang="en-US" sz="3000" dirty="0" err="1">
-                <a:latin typeface="Times New Roman" panose="02020603050405020304" pitchFamily="18" charset="0"/>
+              <a:rPr lang="en-US" dirty="0" err="1">
+                <a:latin typeface="Segoe UI Black" panose="020B0A02040204020203" pitchFamily="34" charset="0"/>
+                <a:ea typeface="Segoe UI Black" panose="020B0A02040204020203" pitchFamily="34" charset="0"/>
                 <a:cs typeface="Times New Roman" panose="02020603050405020304" pitchFamily="18" charset="0"/>
               </a:rPr>
               <a:t>chọn</a:t>
             </a:r>
             <a:r>
-              <a:rPr lang="en-US" sz="3000" dirty="0">
-                <a:latin typeface="Times New Roman" panose="02020603050405020304" pitchFamily="18" charset="0"/>
+              <a:rPr lang="en-US" dirty="0">
+                <a:latin typeface="Segoe UI Black" panose="020B0A02040204020203" pitchFamily="34" charset="0"/>
+                <a:ea typeface="Segoe UI Black" panose="020B0A02040204020203" pitchFamily="34" charset="0"/>
                 <a:cs typeface="Times New Roman" panose="02020603050405020304" pitchFamily="18" charset="0"/>
               </a:rPr>
               <a:t> </a:t>
             </a:r>
             <a:r>
-              <a:rPr lang="en-US" sz="3000" dirty="0" err="1">
-                <a:latin typeface="Times New Roman" panose="02020603050405020304" pitchFamily="18" charset="0"/>
+              <a:rPr lang="en-US" dirty="0" err="1">
+                <a:latin typeface="Segoe UI Black" panose="020B0A02040204020203" pitchFamily="34" charset="0"/>
+                <a:ea typeface="Segoe UI Black" panose="020B0A02040204020203" pitchFamily="34" charset="0"/>
                 <a:cs typeface="Times New Roman" panose="02020603050405020304" pitchFamily="18" charset="0"/>
               </a:rPr>
               <a:t>chế</a:t>
             </a:r>
             <a:r>
-              <a:rPr lang="en-US" sz="3000" dirty="0">
-                <a:latin typeface="Times New Roman" panose="02020603050405020304" pitchFamily="18" charset="0"/>
+              <a:rPr lang="en-US" dirty="0">
+                <a:latin typeface="Segoe UI Black" panose="020B0A02040204020203" pitchFamily="34" charset="0"/>
+                <a:ea typeface="Segoe UI Black" panose="020B0A02040204020203" pitchFamily="34" charset="0"/>
                 <a:cs typeface="Times New Roman" panose="02020603050405020304" pitchFamily="18" charset="0"/>
               </a:rPr>
               <a:t> </a:t>
             </a:r>
             <a:r>
-              <a:rPr lang="en-US" sz="3000" dirty="0" err="1">
-                <a:latin typeface="Times New Roman" panose="02020603050405020304" pitchFamily="18" charset="0"/>
+              <a:rPr lang="en-US" dirty="0" err="1">
+                <a:latin typeface="Segoe UI Black" panose="020B0A02040204020203" pitchFamily="34" charset="0"/>
+                <a:ea typeface="Segoe UI Black" panose="020B0A02040204020203" pitchFamily="34" charset="0"/>
                 <a:cs typeface="Times New Roman" panose="02020603050405020304" pitchFamily="18" charset="0"/>
               </a:rPr>
               <a:t>độ</a:t>
             </a:r>
             <a:r>
-              <a:rPr lang="en-US" sz="3000" dirty="0">
-                <a:latin typeface="Times New Roman" panose="02020603050405020304" pitchFamily="18" charset="0"/>
+              <a:rPr lang="en-US" dirty="0">
+                <a:latin typeface="Segoe UI Black" panose="020B0A02040204020203" pitchFamily="34" charset="0"/>
+                <a:ea typeface="Segoe UI Black" panose="020B0A02040204020203" pitchFamily="34" charset="0"/>
                 <a:cs typeface="Times New Roman" panose="02020603050405020304" pitchFamily="18" charset="0"/>
               </a:rPr>
               <a:t> </a:t>
             </a:r>
             <a:r>
-              <a:rPr lang="en-US" sz="3000" dirty="0" err="1">
-                <a:latin typeface="Times New Roman" panose="02020603050405020304" pitchFamily="18" charset="0"/>
+              <a:rPr lang="en-US" dirty="0" err="1">
+                <a:latin typeface="Segoe UI Black" panose="020B0A02040204020203" pitchFamily="34" charset="0"/>
+                <a:ea typeface="Segoe UI Black" panose="020B0A02040204020203" pitchFamily="34" charset="0"/>
                 <a:cs typeface="Times New Roman" panose="02020603050405020304" pitchFamily="18" charset="0"/>
               </a:rPr>
               <a:t>phân</a:t>
             </a:r>
             <a:r>
-              <a:rPr lang="en-US" sz="3000" dirty="0">
-                <a:latin typeface="Times New Roman" panose="02020603050405020304" pitchFamily="18" charset="0"/>
+              <a:rPr lang="en-US" dirty="0">
+                <a:latin typeface="Segoe UI Black" panose="020B0A02040204020203" pitchFamily="34" charset="0"/>
+                <a:ea typeface="Segoe UI Black" panose="020B0A02040204020203" pitchFamily="34" charset="0"/>
                 <a:cs typeface="Times New Roman" panose="02020603050405020304" pitchFamily="18" charset="0"/>
               </a:rPr>
               <a:t> </a:t>
             </a:r>
             <a:r>
-              <a:rPr lang="en-US" sz="3000" dirty="0" err="1">
-                <a:latin typeface="Times New Roman" panose="02020603050405020304" pitchFamily="18" charset="0"/>
+              <a:rPr lang="en-US" dirty="0" err="1">
+                <a:latin typeface="Segoe UI Black" panose="020B0A02040204020203" pitchFamily="34" charset="0"/>
+                <a:ea typeface="Segoe UI Black" panose="020B0A02040204020203" pitchFamily="34" charset="0"/>
                 <a:cs typeface="Times New Roman" panose="02020603050405020304" pitchFamily="18" charset="0"/>
               </a:rPr>
               <a:t>quyền</a:t>
             </a:r>
             <a:r>
-              <a:rPr lang="en-US" sz="3000" dirty="0">
-                <a:latin typeface="Times New Roman" panose="02020603050405020304" pitchFamily="18" charset="0"/>
+              <a:rPr lang="en-US" dirty="0">
+                <a:latin typeface="Segoe UI Black" panose="020B0A02040204020203" pitchFamily="34" charset="0"/>
+                <a:ea typeface="Segoe UI Black" panose="020B0A02040204020203" pitchFamily="34" charset="0"/>
                 <a:cs typeface="Times New Roman" panose="02020603050405020304" pitchFamily="18" charset="0"/>
               </a:rPr>
               <a:t>, </a:t>
             </a:r>
             <a:r>
-              <a:rPr lang="en-US" sz="3000" dirty="0" err="1">
-                <a:latin typeface="Times New Roman" panose="02020603050405020304" pitchFamily="18" charset="0"/>
+              <a:rPr lang="en-US" dirty="0" err="1">
+                <a:latin typeface="Segoe UI Black" panose="020B0A02040204020203" pitchFamily="34" charset="0"/>
+                <a:ea typeface="Segoe UI Black" panose="020B0A02040204020203" pitchFamily="34" charset="0"/>
                 <a:cs typeface="Times New Roman" panose="02020603050405020304" pitchFamily="18" charset="0"/>
               </a:rPr>
               <a:t>thay</a:t>
             </a:r>
             <a:r>
-              <a:rPr lang="en-US" sz="3000" dirty="0">
-                <a:latin typeface="Times New Roman" panose="02020603050405020304" pitchFamily="18" charset="0"/>
+              <a:rPr lang="en-US" dirty="0">
+                <a:latin typeface="Segoe UI Black" panose="020B0A02040204020203" pitchFamily="34" charset="0"/>
+                <a:ea typeface="Segoe UI Black" panose="020B0A02040204020203" pitchFamily="34" charset="0"/>
                 <a:cs typeface="Times New Roman" panose="02020603050405020304" pitchFamily="18" charset="0"/>
               </a:rPr>
               <a:t> </a:t>
             </a:r>
             <a:r>
-              <a:rPr lang="en-US" sz="3000" dirty="0" err="1">
-                <a:latin typeface="Times New Roman" panose="02020603050405020304" pitchFamily="18" charset="0"/>
+              <a:rPr lang="en-US" dirty="0" err="1">
+                <a:latin typeface="Segoe UI Black" panose="020B0A02040204020203" pitchFamily="34" charset="0"/>
+                <a:ea typeface="Segoe UI Black" panose="020B0A02040204020203" pitchFamily="34" charset="0"/>
                 <a:cs typeface="Times New Roman" panose="02020603050405020304" pitchFamily="18" charset="0"/>
               </a:rPr>
               <a:t>đổi</a:t>
             </a:r>
             <a:r>
-              <a:rPr lang="en-US" sz="3000" dirty="0">
-                <a:latin typeface="Times New Roman" panose="02020603050405020304" pitchFamily="18" charset="0"/>
+              <a:rPr lang="en-US" dirty="0">
+                <a:latin typeface="Segoe UI Black" panose="020B0A02040204020203" pitchFamily="34" charset="0"/>
+                <a:ea typeface="Segoe UI Black" panose="020B0A02040204020203" pitchFamily="34" charset="0"/>
                 <a:cs typeface="Times New Roman" panose="02020603050405020304" pitchFamily="18" charset="0"/>
               </a:rPr>
               <a:t> background</a:t>
             </a:r>
           </a:p>
           <a:p>
-            <a:endParaRPr lang="en-US" dirty="0"/>
+            <a:endParaRPr lang="en-US" dirty="0">
+              <a:latin typeface="Segoe UI Black" panose="020B0A02040204020203" pitchFamily="34" charset="0"/>
+              <a:ea typeface="Segoe UI Black" panose="020B0A02040204020203" pitchFamily="34" charset="0"/>
+            </a:endParaRPr>
           </a:p>
         </p:txBody>
       </p:sp>
@@ -9784,20 +10304,25 @@
           <a:lstStyle/>
           <a:p>
             <a:r>
-              <a:rPr lang="en-US" sz="5000" dirty="0" err="1">
-                <a:latin typeface="Times New Roman" panose="02020603050405020304" pitchFamily="18" charset="0"/>
+              <a:rPr lang="en-US" sz="3000" dirty="0" err="1">
+                <a:latin typeface="Segoe UI Black" panose="020B0A02040204020203" pitchFamily="34" charset="0"/>
+                <a:ea typeface="Segoe UI Black" panose="020B0A02040204020203" pitchFamily="34" charset="0"/>
                 <a:cs typeface="Times New Roman" panose="02020603050405020304" pitchFamily="18" charset="0"/>
               </a:rPr>
               <a:t>Tạo</a:t>
             </a:r>
             <a:r>
-              <a:rPr lang="en-US" sz="5000" dirty="0">
-                <a:latin typeface="Times New Roman" panose="02020603050405020304" pitchFamily="18" charset="0"/>
+              <a:rPr lang="en-US" sz="3000" dirty="0">
+                <a:latin typeface="Segoe UI Black" panose="020B0A02040204020203" pitchFamily="34" charset="0"/>
+                <a:ea typeface="Segoe UI Black" panose="020B0A02040204020203" pitchFamily="34" charset="0"/>
                 <a:cs typeface="Times New Roman" panose="02020603050405020304" pitchFamily="18" charset="0"/>
               </a:rPr>
               <a:t> list</a:t>
             </a:r>
-            <a:endParaRPr lang="en-US" sz="5000" dirty="0"/>
+            <a:endParaRPr lang="en-US" sz="3000" dirty="0">
+              <a:latin typeface="Segoe UI Black" panose="020B0A02040204020203" pitchFamily="34" charset="0"/>
+              <a:ea typeface="Segoe UI Black" panose="020B0A02040204020203" pitchFamily="34" charset="0"/>
+            </a:endParaRPr>
           </a:p>
         </p:txBody>
       </p:sp>
@@ -9829,127 +10354,147 @@
           <a:p>
             <a:pPr algn="just"/>
             <a:r>
-              <a:rPr lang="en-US" sz="3000" dirty="0">
-                <a:latin typeface="Times New Roman" panose="02020603050405020304" pitchFamily="18" charset="0"/>
+              <a:rPr lang="en-US" dirty="0">
+                <a:latin typeface="Segoe UI Black" panose="020B0A02040204020203" pitchFamily="34" charset="0"/>
+                <a:ea typeface="Segoe UI Black" panose="020B0A02040204020203" pitchFamily="34" charset="0"/>
                 <a:cs typeface="Times New Roman" panose="02020603050405020304" pitchFamily="18" charset="0"/>
               </a:rPr>
               <a:t>	</a:t>
             </a:r>
             <a:r>
-              <a:rPr lang="en-US" sz="3000" dirty="0" err="1">
-                <a:latin typeface="Times New Roman" panose="02020603050405020304" pitchFamily="18" charset="0"/>
+              <a:rPr lang="en-US" dirty="0" err="1">
+                <a:latin typeface="Segoe UI Black" panose="020B0A02040204020203" pitchFamily="34" charset="0"/>
+                <a:ea typeface="Segoe UI Black" panose="020B0A02040204020203" pitchFamily="34" charset="0"/>
                 <a:cs typeface="Times New Roman" panose="02020603050405020304" pitchFamily="18" charset="0"/>
               </a:rPr>
               <a:t>Bước</a:t>
             </a:r>
             <a:r>
-              <a:rPr lang="en-US" sz="3000" dirty="0">
-                <a:latin typeface="Times New Roman" panose="02020603050405020304" pitchFamily="18" charset="0"/>
+              <a:rPr lang="en-US" dirty="0">
+                <a:latin typeface="Segoe UI Black" panose="020B0A02040204020203" pitchFamily="34" charset="0"/>
+                <a:ea typeface="Segoe UI Black" panose="020B0A02040204020203" pitchFamily="34" charset="0"/>
                 <a:cs typeface="Times New Roman" panose="02020603050405020304" pitchFamily="18" charset="0"/>
               </a:rPr>
               <a:t> 3: Sau </a:t>
             </a:r>
             <a:r>
-              <a:rPr lang="en-US" sz="3000" dirty="0" err="1">
-                <a:latin typeface="Times New Roman" panose="02020603050405020304" pitchFamily="18" charset="0"/>
+              <a:rPr lang="en-US" dirty="0" err="1">
+                <a:latin typeface="Segoe UI Black" panose="020B0A02040204020203" pitchFamily="34" charset="0"/>
+                <a:ea typeface="Segoe UI Black" panose="020B0A02040204020203" pitchFamily="34" charset="0"/>
                 <a:cs typeface="Times New Roman" panose="02020603050405020304" pitchFamily="18" charset="0"/>
               </a:rPr>
               <a:t>khi</a:t>
             </a:r>
             <a:r>
-              <a:rPr lang="en-US" sz="3000" dirty="0">
-                <a:latin typeface="Times New Roman" panose="02020603050405020304" pitchFamily="18" charset="0"/>
+              <a:rPr lang="en-US" dirty="0">
+                <a:latin typeface="Segoe UI Black" panose="020B0A02040204020203" pitchFamily="34" charset="0"/>
+                <a:ea typeface="Segoe UI Black" panose="020B0A02040204020203" pitchFamily="34" charset="0"/>
                 <a:cs typeface="Times New Roman" panose="02020603050405020304" pitchFamily="18" charset="0"/>
               </a:rPr>
               <a:t> Board </a:t>
             </a:r>
             <a:r>
-              <a:rPr lang="en-US" sz="3000" dirty="0" err="1">
-                <a:latin typeface="Times New Roman" panose="02020603050405020304" pitchFamily="18" charset="0"/>
+              <a:rPr lang="en-US" dirty="0" err="1">
+                <a:latin typeface="Segoe UI Black" panose="020B0A02040204020203" pitchFamily="34" charset="0"/>
+                <a:ea typeface="Segoe UI Black" panose="020B0A02040204020203" pitchFamily="34" charset="0"/>
                 <a:cs typeface="Times New Roman" panose="02020603050405020304" pitchFamily="18" charset="0"/>
               </a:rPr>
               <a:t>đã</a:t>
             </a:r>
             <a:r>
-              <a:rPr lang="en-US" sz="3000" dirty="0">
-                <a:latin typeface="Times New Roman" panose="02020603050405020304" pitchFamily="18" charset="0"/>
+              <a:rPr lang="en-US" dirty="0">
+                <a:latin typeface="Segoe UI Black" panose="020B0A02040204020203" pitchFamily="34" charset="0"/>
+                <a:ea typeface="Segoe UI Black" panose="020B0A02040204020203" pitchFamily="34" charset="0"/>
                 <a:cs typeface="Times New Roman" panose="02020603050405020304" pitchFamily="18" charset="0"/>
               </a:rPr>
               <a:t> </a:t>
             </a:r>
             <a:r>
-              <a:rPr lang="en-US" sz="3000" dirty="0" err="1">
-                <a:latin typeface="Times New Roman" panose="02020603050405020304" pitchFamily="18" charset="0"/>
+              <a:rPr lang="en-US" dirty="0" err="1">
+                <a:latin typeface="Segoe UI Black" panose="020B0A02040204020203" pitchFamily="34" charset="0"/>
+                <a:ea typeface="Segoe UI Black" panose="020B0A02040204020203" pitchFamily="34" charset="0"/>
                 <a:cs typeface="Times New Roman" panose="02020603050405020304" pitchFamily="18" charset="0"/>
               </a:rPr>
               <a:t>tạo</a:t>
             </a:r>
             <a:r>
-              <a:rPr lang="en-US" sz="3000" dirty="0">
-                <a:latin typeface="Times New Roman" panose="02020603050405020304" pitchFamily="18" charset="0"/>
+              <a:rPr lang="en-US" dirty="0">
+                <a:latin typeface="Segoe UI Black" panose="020B0A02040204020203" pitchFamily="34" charset="0"/>
+                <a:ea typeface="Segoe UI Black" panose="020B0A02040204020203" pitchFamily="34" charset="0"/>
                 <a:cs typeface="Times New Roman" panose="02020603050405020304" pitchFamily="18" charset="0"/>
               </a:rPr>
               <a:t> </a:t>
             </a:r>
             <a:r>
-              <a:rPr lang="en-US" sz="3000" dirty="0" err="1">
-                <a:latin typeface="Times New Roman" panose="02020603050405020304" pitchFamily="18" charset="0"/>
+              <a:rPr lang="en-US" dirty="0" err="1">
+                <a:latin typeface="Segoe UI Black" panose="020B0A02040204020203" pitchFamily="34" charset="0"/>
+                <a:ea typeface="Segoe UI Black" panose="020B0A02040204020203" pitchFamily="34" charset="0"/>
                 <a:cs typeface="Times New Roman" panose="02020603050405020304" pitchFamily="18" charset="0"/>
               </a:rPr>
               <a:t>xong,bây</a:t>
             </a:r>
             <a:r>
-              <a:rPr lang="en-US" sz="3000" dirty="0">
-                <a:latin typeface="Times New Roman" panose="02020603050405020304" pitchFamily="18" charset="0"/>
+              <a:rPr lang="en-US" dirty="0">
+                <a:latin typeface="Segoe UI Black" panose="020B0A02040204020203" pitchFamily="34" charset="0"/>
+                <a:ea typeface="Segoe UI Black" panose="020B0A02040204020203" pitchFamily="34" charset="0"/>
                 <a:cs typeface="Times New Roman" panose="02020603050405020304" pitchFamily="18" charset="0"/>
               </a:rPr>
               <a:t> </a:t>
             </a:r>
             <a:r>
-              <a:rPr lang="en-US" sz="3000" dirty="0" err="1">
-                <a:latin typeface="Times New Roman" panose="02020603050405020304" pitchFamily="18" charset="0"/>
+              <a:rPr lang="en-US" dirty="0" err="1">
+                <a:latin typeface="Segoe UI Black" panose="020B0A02040204020203" pitchFamily="34" charset="0"/>
+                <a:ea typeface="Segoe UI Black" panose="020B0A02040204020203" pitchFamily="34" charset="0"/>
                 <a:cs typeface="Times New Roman" panose="02020603050405020304" pitchFamily="18" charset="0"/>
               </a:rPr>
               <a:t>giờ</a:t>
             </a:r>
             <a:r>
-              <a:rPr lang="en-US" sz="3000" dirty="0">
-                <a:latin typeface="Times New Roman" panose="02020603050405020304" pitchFamily="18" charset="0"/>
+              <a:rPr lang="en-US" dirty="0">
+                <a:latin typeface="Segoe UI Black" panose="020B0A02040204020203" pitchFamily="34" charset="0"/>
+                <a:ea typeface="Segoe UI Black" panose="020B0A02040204020203" pitchFamily="34" charset="0"/>
                 <a:cs typeface="Times New Roman" panose="02020603050405020304" pitchFamily="18" charset="0"/>
               </a:rPr>
               <a:t> </a:t>
             </a:r>
             <a:r>
-              <a:rPr lang="en-US" sz="3000" dirty="0" err="1">
-                <a:latin typeface="Times New Roman" panose="02020603050405020304" pitchFamily="18" charset="0"/>
+              <a:rPr lang="en-US" dirty="0" err="1">
+                <a:latin typeface="Segoe UI Black" panose="020B0A02040204020203" pitchFamily="34" charset="0"/>
+                <a:ea typeface="Segoe UI Black" panose="020B0A02040204020203" pitchFamily="34" charset="0"/>
                 <a:cs typeface="Times New Roman" panose="02020603050405020304" pitchFamily="18" charset="0"/>
               </a:rPr>
               <a:t>thêm</a:t>
             </a:r>
             <a:r>
-              <a:rPr lang="en-US" sz="3000" dirty="0">
-                <a:latin typeface="Times New Roman" panose="02020603050405020304" pitchFamily="18" charset="0"/>
+              <a:rPr lang="en-US" dirty="0">
+                <a:latin typeface="Segoe UI Black" panose="020B0A02040204020203" pitchFamily="34" charset="0"/>
+                <a:ea typeface="Segoe UI Black" panose="020B0A02040204020203" pitchFamily="34" charset="0"/>
                 <a:cs typeface="Times New Roman" panose="02020603050405020304" pitchFamily="18" charset="0"/>
               </a:rPr>
               <a:t> </a:t>
             </a:r>
             <a:r>
-              <a:rPr lang="en-US" sz="3000" dirty="0" err="1">
-                <a:latin typeface="Times New Roman" panose="02020603050405020304" pitchFamily="18" charset="0"/>
+              <a:rPr lang="en-US" dirty="0" err="1">
+                <a:latin typeface="Segoe UI Black" panose="020B0A02040204020203" pitchFamily="34" charset="0"/>
+                <a:ea typeface="Segoe UI Black" panose="020B0A02040204020203" pitchFamily="34" charset="0"/>
                 <a:cs typeface="Times New Roman" panose="02020603050405020304" pitchFamily="18" charset="0"/>
               </a:rPr>
               <a:t>các</a:t>
             </a:r>
             <a:r>
-              <a:rPr lang="en-US" sz="3000" dirty="0">
-                <a:latin typeface="Times New Roman" panose="02020603050405020304" pitchFamily="18" charset="0"/>
+              <a:rPr lang="en-US" dirty="0">
+                <a:latin typeface="Segoe UI Black" panose="020B0A02040204020203" pitchFamily="34" charset="0"/>
+                <a:ea typeface="Segoe UI Black" panose="020B0A02040204020203" pitchFamily="34" charset="0"/>
                 <a:cs typeface="Times New Roman" panose="02020603050405020304" pitchFamily="18" charset="0"/>
               </a:rPr>
               <a:t> list </a:t>
             </a:r>
           </a:p>
           <a:p>
-            <a:endParaRPr lang="en-US" dirty="0"/>
+            <a:endParaRPr lang="en-US" dirty="0">
+              <a:latin typeface="Segoe UI Black" panose="020B0A02040204020203" pitchFamily="34" charset="0"/>
+              <a:ea typeface="Segoe UI Black" panose="020B0A02040204020203" pitchFamily="34" charset="0"/>
+            </a:endParaRPr>
           </a:p>
         </p:txBody>
       </p:sp>
@@ -10040,20 +10585,25 @@
           <a:lstStyle/>
           <a:p>
             <a:r>
-              <a:rPr lang="en-US" sz="5000" dirty="0" err="1">
-                <a:latin typeface="Times New Roman" panose="02020603050405020304" pitchFamily="18" charset="0"/>
+              <a:rPr lang="en-US" sz="3000" dirty="0" err="1">
+                <a:latin typeface="Segoe UI Black" panose="020B0A02040204020203" pitchFamily="34" charset="0"/>
+                <a:ea typeface="Segoe UI Black" panose="020B0A02040204020203" pitchFamily="34" charset="0"/>
                 <a:cs typeface="Times New Roman" panose="02020603050405020304" pitchFamily="18" charset="0"/>
               </a:rPr>
               <a:t>Tạo</a:t>
             </a:r>
             <a:r>
-              <a:rPr lang="en-US" sz="5000" dirty="0">
-                <a:latin typeface="Times New Roman" panose="02020603050405020304" pitchFamily="18" charset="0"/>
+              <a:rPr lang="en-US" sz="3000" dirty="0">
+                <a:latin typeface="Segoe UI Black" panose="020B0A02040204020203" pitchFamily="34" charset="0"/>
+                <a:ea typeface="Segoe UI Black" panose="020B0A02040204020203" pitchFamily="34" charset="0"/>
                 <a:cs typeface="Times New Roman" panose="02020603050405020304" pitchFamily="18" charset="0"/>
               </a:rPr>
               <a:t> card</a:t>
             </a:r>
-            <a:endParaRPr lang="en-US" sz="5000" dirty="0"/>
+            <a:endParaRPr lang="en-US" sz="3000" dirty="0">
+              <a:latin typeface="Segoe UI Black" panose="020B0A02040204020203" pitchFamily="34" charset="0"/>
+              <a:ea typeface="Segoe UI Black" panose="020B0A02040204020203" pitchFamily="34" charset="0"/>
+            </a:endParaRPr>
           </a:p>
         </p:txBody>
       </p:sp>
@@ -10085,113 +10635,131 @@
           <a:p>
             <a:pPr algn="just"/>
             <a:r>
-              <a:rPr lang="en-US" sz="3000" dirty="0">
-                <a:latin typeface="Times New Roman" panose="02020603050405020304" pitchFamily="18" charset="0"/>
+              <a:rPr lang="en-US" dirty="0">
+                <a:latin typeface="Segoe UI Black" panose="020B0A02040204020203" pitchFamily="34" charset="0"/>
+                <a:ea typeface="Segoe UI Black" panose="020B0A02040204020203" pitchFamily="34" charset="0"/>
                 <a:cs typeface="Times New Roman" panose="02020603050405020304" pitchFamily="18" charset="0"/>
               </a:rPr>
               <a:t>	</a:t>
             </a:r>
             <a:r>
-              <a:rPr lang="en-US" sz="3000" dirty="0" err="1">
-                <a:latin typeface="Times New Roman" panose="02020603050405020304" pitchFamily="18" charset="0"/>
+              <a:rPr lang="en-US" dirty="0" err="1">
+                <a:latin typeface="Segoe UI Black" panose="020B0A02040204020203" pitchFamily="34" charset="0"/>
+                <a:ea typeface="Segoe UI Black" panose="020B0A02040204020203" pitchFamily="34" charset="0"/>
                 <a:cs typeface="Times New Roman" panose="02020603050405020304" pitchFamily="18" charset="0"/>
               </a:rPr>
               <a:t>Bước</a:t>
             </a:r>
             <a:r>
-              <a:rPr lang="en-US" sz="3000" dirty="0">
-                <a:latin typeface="Times New Roman" panose="02020603050405020304" pitchFamily="18" charset="0"/>
+              <a:rPr lang="en-US" dirty="0">
+                <a:latin typeface="Segoe UI Black" panose="020B0A02040204020203" pitchFamily="34" charset="0"/>
+                <a:ea typeface="Segoe UI Black" panose="020B0A02040204020203" pitchFamily="34" charset="0"/>
                 <a:cs typeface="Times New Roman" panose="02020603050405020304" pitchFamily="18" charset="0"/>
               </a:rPr>
               <a:t> 4: </a:t>
             </a:r>
             <a:r>
-              <a:rPr lang="en-US" sz="3000" dirty="0" err="1">
-                <a:latin typeface="Times New Roman" panose="02020603050405020304" pitchFamily="18" charset="0"/>
+              <a:rPr lang="en-US" dirty="0" err="1">
+                <a:latin typeface="Segoe UI Black" panose="020B0A02040204020203" pitchFamily="34" charset="0"/>
+                <a:ea typeface="Segoe UI Black" panose="020B0A02040204020203" pitchFamily="34" charset="0"/>
                 <a:cs typeface="Times New Roman" panose="02020603050405020304" pitchFamily="18" charset="0"/>
               </a:rPr>
               <a:t>tạo</a:t>
             </a:r>
             <a:r>
-              <a:rPr lang="en-US" sz="3000" dirty="0">
-                <a:latin typeface="Times New Roman" panose="02020603050405020304" pitchFamily="18" charset="0"/>
+              <a:rPr lang="en-US" dirty="0">
+                <a:latin typeface="Segoe UI Black" panose="020B0A02040204020203" pitchFamily="34" charset="0"/>
+                <a:ea typeface="Segoe UI Black" panose="020B0A02040204020203" pitchFamily="34" charset="0"/>
                 <a:cs typeface="Times New Roman" panose="02020603050405020304" pitchFamily="18" charset="0"/>
               </a:rPr>
               <a:t> </a:t>
             </a:r>
             <a:r>
-              <a:rPr lang="en-US" sz="3000" dirty="0" err="1">
-                <a:latin typeface="Times New Roman" panose="02020603050405020304" pitchFamily="18" charset="0"/>
+              <a:rPr lang="en-US" dirty="0" err="1">
+                <a:latin typeface="Segoe UI Black" panose="020B0A02040204020203" pitchFamily="34" charset="0"/>
+                <a:ea typeface="Segoe UI Black" panose="020B0A02040204020203" pitchFamily="34" charset="0"/>
                 <a:cs typeface="Times New Roman" panose="02020603050405020304" pitchFamily="18" charset="0"/>
               </a:rPr>
               <a:t>danh</a:t>
             </a:r>
             <a:r>
-              <a:rPr lang="en-US" sz="3000" dirty="0">
-                <a:latin typeface="Times New Roman" panose="02020603050405020304" pitchFamily="18" charset="0"/>
+              <a:rPr lang="en-US" dirty="0">
+                <a:latin typeface="Segoe UI Black" panose="020B0A02040204020203" pitchFamily="34" charset="0"/>
+                <a:ea typeface="Segoe UI Black" panose="020B0A02040204020203" pitchFamily="34" charset="0"/>
                 <a:cs typeface="Times New Roman" panose="02020603050405020304" pitchFamily="18" charset="0"/>
               </a:rPr>
               <a:t> </a:t>
             </a:r>
             <a:r>
-              <a:rPr lang="en-US" sz="3000" dirty="0" err="1">
-                <a:latin typeface="Times New Roman" panose="02020603050405020304" pitchFamily="18" charset="0"/>
+              <a:rPr lang="en-US" dirty="0" err="1">
+                <a:latin typeface="Segoe UI Black" panose="020B0A02040204020203" pitchFamily="34" charset="0"/>
+                <a:ea typeface="Segoe UI Black" panose="020B0A02040204020203" pitchFamily="34" charset="0"/>
                 <a:cs typeface="Times New Roman" panose="02020603050405020304" pitchFamily="18" charset="0"/>
               </a:rPr>
               <a:t>sách</a:t>
             </a:r>
             <a:r>
-              <a:rPr lang="en-US" sz="3000" dirty="0">
-                <a:latin typeface="Times New Roman" panose="02020603050405020304" pitchFamily="18" charset="0"/>
+              <a:rPr lang="en-US" dirty="0">
+                <a:latin typeface="Segoe UI Black" panose="020B0A02040204020203" pitchFamily="34" charset="0"/>
+                <a:ea typeface="Segoe UI Black" panose="020B0A02040204020203" pitchFamily="34" charset="0"/>
                 <a:cs typeface="Times New Roman" panose="02020603050405020304" pitchFamily="18" charset="0"/>
               </a:rPr>
               <a:t> </a:t>
             </a:r>
             <a:r>
-              <a:rPr lang="en-US" sz="3000" dirty="0" err="1">
-                <a:latin typeface="Times New Roman" panose="02020603050405020304" pitchFamily="18" charset="0"/>
+              <a:rPr lang="en-US" dirty="0" err="1">
+                <a:latin typeface="Segoe UI Black" panose="020B0A02040204020203" pitchFamily="34" charset="0"/>
+                <a:ea typeface="Segoe UI Black" panose="020B0A02040204020203" pitchFamily="34" charset="0"/>
                 <a:cs typeface="Times New Roman" panose="02020603050405020304" pitchFamily="18" charset="0"/>
               </a:rPr>
               <a:t>công</a:t>
             </a:r>
             <a:r>
-              <a:rPr lang="en-US" sz="3000" dirty="0">
-                <a:latin typeface="Times New Roman" panose="02020603050405020304" pitchFamily="18" charset="0"/>
+              <a:rPr lang="en-US" dirty="0">
+                <a:latin typeface="Segoe UI Black" panose="020B0A02040204020203" pitchFamily="34" charset="0"/>
+                <a:ea typeface="Segoe UI Black" panose="020B0A02040204020203" pitchFamily="34" charset="0"/>
                 <a:cs typeface="Times New Roman" panose="02020603050405020304" pitchFamily="18" charset="0"/>
               </a:rPr>
               <a:t> </a:t>
             </a:r>
             <a:r>
-              <a:rPr lang="en-US" sz="3000" dirty="0" err="1">
-                <a:latin typeface="Times New Roman" panose="02020603050405020304" pitchFamily="18" charset="0"/>
+              <a:rPr lang="en-US" dirty="0" err="1">
+                <a:latin typeface="Segoe UI Black" panose="020B0A02040204020203" pitchFamily="34" charset="0"/>
+                <a:ea typeface="Segoe UI Black" panose="020B0A02040204020203" pitchFamily="34" charset="0"/>
                 <a:cs typeface="Times New Roman" panose="02020603050405020304" pitchFamily="18" charset="0"/>
               </a:rPr>
               <a:t>việc</a:t>
             </a:r>
             <a:r>
-              <a:rPr lang="en-US" sz="3000" dirty="0">
-                <a:latin typeface="Times New Roman" panose="02020603050405020304" pitchFamily="18" charset="0"/>
+              <a:rPr lang="en-US" dirty="0">
+                <a:latin typeface="Segoe UI Black" panose="020B0A02040204020203" pitchFamily="34" charset="0"/>
+                <a:ea typeface="Segoe UI Black" panose="020B0A02040204020203" pitchFamily="34" charset="0"/>
                 <a:cs typeface="Times New Roman" panose="02020603050405020304" pitchFamily="18" charset="0"/>
               </a:rPr>
               <a:t> ở </a:t>
             </a:r>
             <a:r>
-              <a:rPr lang="en-US" sz="3000" dirty="0" err="1">
-                <a:latin typeface="Times New Roman" panose="02020603050405020304" pitchFamily="18" charset="0"/>
+              <a:rPr lang="en-US" dirty="0" err="1">
+                <a:latin typeface="Segoe UI Black" panose="020B0A02040204020203" pitchFamily="34" charset="0"/>
+                <a:ea typeface="Segoe UI Black" panose="020B0A02040204020203" pitchFamily="34" charset="0"/>
                 <a:cs typeface="Times New Roman" panose="02020603050405020304" pitchFamily="18" charset="0"/>
               </a:rPr>
               <a:t>mục</a:t>
             </a:r>
             <a:r>
-              <a:rPr lang="en-US" sz="3000" dirty="0">
-                <a:latin typeface="Times New Roman" panose="02020603050405020304" pitchFamily="18" charset="0"/>
+              <a:rPr lang="en-US" dirty="0">
+                <a:latin typeface="Segoe UI Black" panose="020B0A02040204020203" pitchFamily="34" charset="0"/>
+                <a:ea typeface="Segoe UI Black" panose="020B0A02040204020203" pitchFamily="34" charset="0"/>
                 <a:cs typeface="Times New Roman" panose="02020603050405020304" pitchFamily="18" charset="0"/>
               </a:rPr>
               <a:t> card</a:t>
             </a:r>
           </a:p>
           <a:p>
-            <a:endParaRPr lang="en-US" dirty="0"/>
+            <a:endParaRPr lang="en-US" dirty="0">
+              <a:latin typeface="Segoe UI Black" panose="020B0A02040204020203" pitchFamily="34" charset="0"/>
+              <a:ea typeface="Segoe UI Black" panose="020B0A02040204020203" pitchFamily="34" charset="0"/>
+            </a:endParaRPr>
           </a:p>
         </p:txBody>
       </p:sp>
@@ -10282,8 +10850,9 @@
           <a:lstStyle/>
           <a:p>
             <a:r>
-              <a:rPr lang="en-US" sz="4500" dirty="0">
-                <a:latin typeface="Times New Roman" panose="02020603050405020304" pitchFamily="18" charset="0"/>
+              <a:rPr lang="en-US" sz="3000" dirty="0">
+                <a:latin typeface="Segoe UI Black" panose="020B0A02040204020203" pitchFamily="34" charset="0"/>
+                <a:ea typeface="Segoe UI Black" panose="020B0A02040204020203" pitchFamily="34" charset="0"/>
                 <a:cs typeface="Times New Roman" panose="02020603050405020304" pitchFamily="18" charset="0"/>
               </a:rPr>
               <a:t>THIẾT LẬP CẤU HÌNH CHO CARD</a:t>
@@ -10336,7 +10905,7 @@
         <p:spPr>
           <a:xfrm>
             <a:off x="2021058" y="1637134"/>
-            <a:ext cx="9711397" cy="1015663"/>
+            <a:ext cx="9711397" cy="338554"/>
           </a:xfrm>
           <a:prstGeom prst="rect">
             <a:avLst/>
@@ -10350,155 +10919,177 @@
           <a:lstStyle/>
           <a:p>
             <a:r>
-              <a:rPr lang="en-US" sz="3000" dirty="0" err="1">
-                <a:latin typeface="Times New Roman" panose="02020603050405020304" pitchFamily="18" charset="0"/>
+              <a:rPr lang="en-US" sz="1600" dirty="0" err="1">
+                <a:latin typeface="Segoe UI Black" panose="020B0A02040204020203" pitchFamily="34" charset="0"/>
+                <a:ea typeface="Segoe UI Black" panose="020B0A02040204020203" pitchFamily="34" charset="0"/>
                 <a:cs typeface="Times New Roman" panose="02020603050405020304" pitchFamily="18" charset="0"/>
               </a:rPr>
               <a:t>Gồm</a:t>
             </a:r>
             <a:r>
-              <a:rPr lang="en-US" sz="3000" dirty="0">
-                <a:latin typeface="Times New Roman" panose="02020603050405020304" pitchFamily="18" charset="0"/>
+              <a:rPr lang="en-US" sz="1600" dirty="0">
+                <a:latin typeface="Segoe UI Black" panose="020B0A02040204020203" pitchFamily="34" charset="0"/>
+                <a:ea typeface="Segoe UI Black" panose="020B0A02040204020203" pitchFamily="34" charset="0"/>
                 <a:cs typeface="Times New Roman" panose="02020603050405020304" pitchFamily="18" charset="0"/>
               </a:rPr>
               <a:t> </a:t>
             </a:r>
             <a:r>
-              <a:rPr lang="en-US" sz="3000" dirty="0" err="1">
-                <a:latin typeface="Times New Roman" panose="02020603050405020304" pitchFamily="18" charset="0"/>
+              <a:rPr lang="en-US" sz="1600" dirty="0" err="1">
+                <a:latin typeface="Segoe UI Black" panose="020B0A02040204020203" pitchFamily="34" charset="0"/>
+                <a:ea typeface="Segoe UI Black" panose="020B0A02040204020203" pitchFamily="34" charset="0"/>
                 <a:cs typeface="Times New Roman" panose="02020603050405020304" pitchFamily="18" charset="0"/>
               </a:rPr>
               <a:t>có</a:t>
             </a:r>
             <a:r>
-              <a:rPr lang="en-US" sz="3000" dirty="0">
-                <a:latin typeface="Times New Roman" panose="02020603050405020304" pitchFamily="18" charset="0"/>
+              <a:rPr lang="en-US" sz="1600" dirty="0">
+                <a:latin typeface="Segoe UI Black" panose="020B0A02040204020203" pitchFamily="34" charset="0"/>
+                <a:ea typeface="Segoe UI Black" panose="020B0A02040204020203" pitchFamily="34" charset="0"/>
                 <a:cs typeface="Times New Roman" panose="02020603050405020304" pitchFamily="18" charset="0"/>
               </a:rPr>
               <a:t> </a:t>
             </a:r>
             <a:r>
-              <a:rPr lang="en-US" sz="3000" dirty="0" err="1">
-                <a:latin typeface="Times New Roman" panose="02020603050405020304" pitchFamily="18" charset="0"/>
+              <a:rPr lang="en-US" sz="1600" dirty="0" err="1">
+                <a:latin typeface="Segoe UI Black" panose="020B0A02040204020203" pitchFamily="34" charset="0"/>
+                <a:ea typeface="Segoe UI Black" panose="020B0A02040204020203" pitchFamily="34" charset="0"/>
                 <a:cs typeface="Times New Roman" panose="02020603050405020304" pitchFamily="18" charset="0"/>
               </a:rPr>
               <a:t>nhãn</a:t>
             </a:r>
             <a:r>
-              <a:rPr lang="en-US" sz="3000" dirty="0">
-                <a:latin typeface="Times New Roman" panose="02020603050405020304" pitchFamily="18" charset="0"/>
+              <a:rPr lang="en-US" sz="1600" dirty="0">
+                <a:latin typeface="Segoe UI Black" panose="020B0A02040204020203" pitchFamily="34" charset="0"/>
+                <a:ea typeface="Segoe UI Black" panose="020B0A02040204020203" pitchFamily="34" charset="0"/>
                 <a:cs typeface="Times New Roman" panose="02020603050405020304" pitchFamily="18" charset="0"/>
               </a:rPr>
               <a:t>, </a:t>
             </a:r>
             <a:r>
-              <a:rPr lang="en-US" sz="3000" dirty="0" err="1">
-                <a:latin typeface="Times New Roman" panose="02020603050405020304" pitchFamily="18" charset="0"/>
+              <a:rPr lang="en-US" sz="1600" dirty="0" err="1">
+                <a:latin typeface="Segoe UI Black" panose="020B0A02040204020203" pitchFamily="34" charset="0"/>
+                <a:ea typeface="Segoe UI Black" panose="020B0A02040204020203" pitchFamily="34" charset="0"/>
                 <a:cs typeface="Times New Roman" panose="02020603050405020304" pitchFamily="18" charset="0"/>
               </a:rPr>
               <a:t>ngày</a:t>
             </a:r>
             <a:r>
-              <a:rPr lang="en-US" sz="3000" dirty="0">
-                <a:latin typeface="Times New Roman" panose="02020603050405020304" pitchFamily="18" charset="0"/>
+              <a:rPr lang="en-US" sz="1600" dirty="0">
+                <a:latin typeface="Segoe UI Black" panose="020B0A02040204020203" pitchFamily="34" charset="0"/>
+                <a:ea typeface="Segoe UI Black" panose="020B0A02040204020203" pitchFamily="34" charset="0"/>
                 <a:cs typeface="Times New Roman" panose="02020603050405020304" pitchFamily="18" charset="0"/>
               </a:rPr>
               <a:t> </a:t>
             </a:r>
             <a:r>
-              <a:rPr lang="en-US" sz="3000" dirty="0" err="1">
-                <a:latin typeface="Times New Roman" panose="02020603050405020304" pitchFamily="18" charset="0"/>
+              <a:rPr lang="en-US" sz="1600" dirty="0" err="1">
+                <a:latin typeface="Segoe UI Black" panose="020B0A02040204020203" pitchFamily="34" charset="0"/>
+                <a:ea typeface="Segoe UI Black" panose="020B0A02040204020203" pitchFamily="34" charset="0"/>
                 <a:cs typeface="Times New Roman" panose="02020603050405020304" pitchFamily="18" charset="0"/>
               </a:rPr>
               <a:t>hết</a:t>
             </a:r>
             <a:r>
-              <a:rPr lang="en-US" sz="3000" dirty="0">
-                <a:latin typeface="Times New Roman" panose="02020603050405020304" pitchFamily="18" charset="0"/>
+              <a:rPr lang="en-US" sz="1600" dirty="0">
+                <a:latin typeface="Segoe UI Black" panose="020B0A02040204020203" pitchFamily="34" charset="0"/>
+                <a:ea typeface="Segoe UI Black" panose="020B0A02040204020203" pitchFamily="34" charset="0"/>
                 <a:cs typeface="Times New Roman" panose="02020603050405020304" pitchFamily="18" charset="0"/>
               </a:rPr>
               <a:t> </a:t>
             </a:r>
             <a:r>
-              <a:rPr lang="en-US" sz="3000" dirty="0" err="1">
-                <a:latin typeface="Times New Roman" panose="02020603050405020304" pitchFamily="18" charset="0"/>
+              <a:rPr lang="en-US" sz="1600" dirty="0" err="1">
+                <a:latin typeface="Segoe UI Black" panose="020B0A02040204020203" pitchFamily="34" charset="0"/>
+                <a:ea typeface="Segoe UI Black" panose="020B0A02040204020203" pitchFamily="34" charset="0"/>
                 <a:cs typeface="Times New Roman" panose="02020603050405020304" pitchFamily="18" charset="0"/>
               </a:rPr>
               <a:t>hạn</a:t>
             </a:r>
             <a:r>
-              <a:rPr lang="en-US" sz="3000" dirty="0">
-                <a:latin typeface="Times New Roman" panose="02020603050405020304" pitchFamily="18" charset="0"/>
+              <a:rPr lang="en-US" sz="1600" dirty="0">
+                <a:latin typeface="Segoe UI Black" panose="020B0A02040204020203" pitchFamily="34" charset="0"/>
+                <a:ea typeface="Segoe UI Black" panose="020B0A02040204020203" pitchFamily="34" charset="0"/>
                 <a:cs typeface="Times New Roman" panose="02020603050405020304" pitchFamily="18" charset="0"/>
               </a:rPr>
               <a:t>, </a:t>
             </a:r>
             <a:r>
-              <a:rPr lang="en-US" sz="3000" dirty="0" err="1">
-                <a:latin typeface="Times New Roman" panose="02020603050405020304" pitchFamily="18" charset="0"/>
+              <a:rPr lang="en-US" sz="1600" dirty="0" err="1">
+                <a:latin typeface="Segoe UI Black" panose="020B0A02040204020203" pitchFamily="34" charset="0"/>
+                <a:ea typeface="Segoe UI Black" panose="020B0A02040204020203" pitchFamily="34" charset="0"/>
                 <a:cs typeface="Times New Roman" panose="02020603050405020304" pitchFamily="18" charset="0"/>
               </a:rPr>
               <a:t>lịch</a:t>
             </a:r>
             <a:r>
-              <a:rPr lang="en-US" sz="3000" dirty="0">
-                <a:latin typeface="Times New Roman" panose="02020603050405020304" pitchFamily="18" charset="0"/>
+              <a:rPr lang="en-US" sz="1600" dirty="0">
+                <a:latin typeface="Segoe UI Black" panose="020B0A02040204020203" pitchFamily="34" charset="0"/>
+                <a:ea typeface="Segoe UI Black" panose="020B0A02040204020203" pitchFamily="34" charset="0"/>
                 <a:cs typeface="Times New Roman" panose="02020603050405020304" pitchFamily="18" charset="0"/>
               </a:rPr>
               <a:t> </a:t>
             </a:r>
             <a:r>
-              <a:rPr lang="en-US" sz="3000" dirty="0" err="1">
-                <a:latin typeface="Times New Roman" panose="02020603050405020304" pitchFamily="18" charset="0"/>
+              <a:rPr lang="en-US" sz="1600" dirty="0" err="1">
+                <a:latin typeface="Segoe UI Black" panose="020B0A02040204020203" pitchFamily="34" charset="0"/>
+                <a:ea typeface="Segoe UI Black" panose="020B0A02040204020203" pitchFamily="34" charset="0"/>
                 <a:cs typeface="Times New Roman" panose="02020603050405020304" pitchFamily="18" charset="0"/>
               </a:rPr>
               <a:t>hẹn</a:t>
             </a:r>
             <a:r>
-              <a:rPr lang="en-US" sz="3000" dirty="0">
-                <a:latin typeface="Times New Roman" panose="02020603050405020304" pitchFamily="18" charset="0"/>
+              <a:rPr lang="en-US" sz="1600" dirty="0">
+                <a:latin typeface="Segoe UI Black" panose="020B0A02040204020203" pitchFamily="34" charset="0"/>
+                <a:ea typeface="Segoe UI Black" panose="020B0A02040204020203" pitchFamily="34" charset="0"/>
                 <a:cs typeface="Times New Roman" panose="02020603050405020304" pitchFamily="18" charset="0"/>
               </a:rPr>
               <a:t>, </a:t>
             </a:r>
             <a:r>
-              <a:rPr lang="en-US" sz="3000" dirty="0" err="1">
-                <a:latin typeface="Times New Roman" panose="02020603050405020304" pitchFamily="18" charset="0"/>
+              <a:rPr lang="en-US" sz="1600" dirty="0" err="1">
+                <a:latin typeface="Segoe UI Black" panose="020B0A02040204020203" pitchFamily="34" charset="0"/>
+                <a:ea typeface="Segoe UI Black" panose="020B0A02040204020203" pitchFamily="34" charset="0"/>
                 <a:cs typeface="Times New Roman" panose="02020603050405020304" pitchFamily="18" charset="0"/>
               </a:rPr>
               <a:t>đính</a:t>
             </a:r>
             <a:r>
-              <a:rPr lang="en-US" sz="3000" dirty="0">
-                <a:latin typeface="Times New Roman" panose="02020603050405020304" pitchFamily="18" charset="0"/>
+              <a:rPr lang="en-US" sz="1600" dirty="0">
+                <a:latin typeface="Segoe UI Black" panose="020B0A02040204020203" pitchFamily="34" charset="0"/>
+                <a:ea typeface="Segoe UI Black" panose="020B0A02040204020203" pitchFamily="34" charset="0"/>
                 <a:cs typeface="Times New Roman" panose="02020603050405020304" pitchFamily="18" charset="0"/>
               </a:rPr>
               <a:t> </a:t>
             </a:r>
             <a:r>
-              <a:rPr lang="en-US" sz="3000" dirty="0" err="1">
-                <a:latin typeface="Times New Roman" panose="02020603050405020304" pitchFamily="18" charset="0"/>
+              <a:rPr lang="en-US" sz="1600" dirty="0" err="1">
+                <a:latin typeface="Segoe UI Black" panose="020B0A02040204020203" pitchFamily="34" charset="0"/>
+                <a:ea typeface="Segoe UI Black" panose="020B0A02040204020203" pitchFamily="34" charset="0"/>
                 <a:cs typeface="Times New Roman" panose="02020603050405020304" pitchFamily="18" charset="0"/>
               </a:rPr>
               <a:t>kèm</a:t>
             </a:r>
             <a:r>
-              <a:rPr lang="en-US" sz="3000" dirty="0">
-                <a:latin typeface="Times New Roman" panose="02020603050405020304" pitchFamily="18" charset="0"/>
+              <a:rPr lang="en-US" sz="1600" dirty="0">
+                <a:latin typeface="Segoe UI Black" panose="020B0A02040204020203" pitchFamily="34" charset="0"/>
+                <a:ea typeface="Segoe UI Black" panose="020B0A02040204020203" pitchFamily="34" charset="0"/>
                 <a:cs typeface="Times New Roman" panose="02020603050405020304" pitchFamily="18" charset="0"/>
               </a:rPr>
               <a:t>, di </a:t>
             </a:r>
             <a:r>
-              <a:rPr lang="en-US" sz="3000" dirty="0" err="1">
-                <a:latin typeface="Times New Roman" panose="02020603050405020304" pitchFamily="18" charset="0"/>
+              <a:rPr lang="en-US" sz="1600" dirty="0" err="1">
+                <a:latin typeface="Segoe UI Black" panose="020B0A02040204020203" pitchFamily="34" charset="0"/>
+                <a:ea typeface="Segoe UI Black" panose="020B0A02040204020203" pitchFamily="34" charset="0"/>
                 <a:cs typeface="Times New Roman" panose="02020603050405020304" pitchFamily="18" charset="0"/>
               </a:rPr>
               <a:t>chuyển</a:t>
             </a:r>
             <a:r>
-              <a:rPr lang="en-US" sz="3000" dirty="0">
-                <a:latin typeface="Times New Roman" panose="02020603050405020304" pitchFamily="18" charset="0"/>
+              <a:rPr lang="en-US" sz="1600" dirty="0">
+                <a:latin typeface="Segoe UI Black" panose="020B0A02040204020203" pitchFamily="34" charset="0"/>
+                <a:ea typeface="Segoe UI Black" panose="020B0A02040204020203" pitchFamily="34" charset="0"/>
                 <a:cs typeface="Times New Roman" panose="02020603050405020304" pitchFamily="18" charset="0"/>
               </a:rPr>
               <a:t> card</a:t>
@@ -10563,8 +11154,9 @@
           <a:lstStyle/>
           <a:p>
             <a:r>
-              <a:rPr lang="en-US" sz="5000" dirty="0">
-                <a:latin typeface="Times New Roman" panose="02020603050405020304" pitchFamily="18" charset="0"/>
+              <a:rPr lang="en-US" sz="3000" dirty="0">
+                <a:latin typeface="Segoe UI Black" panose="020B0A02040204020203" pitchFamily="34" charset="0"/>
+                <a:ea typeface="Segoe UI Black" panose="020B0A02040204020203" pitchFamily="34" charset="0"/>
                 <a:cs typeface="Times New Roman" panose="02020603050405020304" pitchFamily="18" charset="0"/>
               </a:rPr>
               <a:t>THIẾT LẬP CẤU HÌNH CHO CARD</a:t>
@@ -10587,7 +11179,7 @@
         <p:spPr>
           <a:xfrm>
             <a:off x="1969476" y="1730326"/>
-            <a:ext cx="9833317" cy="553998"/>
+            <a:ext cx="9833317" cy="338554"/>
           </a:xfrm>
           <a:prstGeom prst="rect">
             <a:avLst/>
@@ -10601,140 +11193,160 @@
           <a:lstStyle/>
           <a:p>
             <a:r>
-              <a:rPr lang="en-US" sz="3000" dirty="0" err="1">
-                <a:latin typeface="Times New Roman" panose="02020603050405020304" pitchFamily="18" charset="0"/>
+              <a:rPr lang="en-US" sz="1600" dirty="0" err="1">
+                <a:latin typeface="Segoe UI Black" panose="020B0A02040204020203" pitchFamily="34" charset="0"/>
+                <a:ea typeface="Segoe UI Black" panose="020B0A02040204020203" pitchFamily="34" charset="0"/>
                 <a:cs typeface="Times New Roman" panose="02020603050405020304" pitchFamily="18" charset="0"/>
               </a:rPr>
               <a:t>Cấu</a:t>
             </a:r>
             <a:r>
-              <a:rPr lang="en-US" sz="3000" dirty="0">
-                <a:latin typeface="Times New Roman" panose="02020603050405020304" pitchFamily="18" charset="0"/>
+              <a:rPr lang="en-US" sz="1600" dirty="0">
+                <a:latin typeface="Segoe UI Black" panose="020B0A02040204020203" pitchFamily="34" charset="0"/>
+                <a:ea typeface="Segoe UI Black" panose="020B0A02040204020203" pitchFamily="34" charset="0"/>
                 <a:cs typeface="Times New Roman" panose="02020603050405020304" pitchFamily="18" charset="0"/>
               </a:rPr>
               <a:t> </a:t>
             </a:r>
             <a:r>
-              <a:rPr lang="en-US" sz="3000" dirty="0" err="1">
-                <a:latin typeface="Times New Roman" panose="02020603050405020304" pitchFamily="18" charset="0"/>
+              <a:rPr lang="en-US" sz="1600" dirty="0" err="1">
+                <a:latin typeface="Segoe UI Black" panose="020B0A02040204020203" pitchFamily="34" charset="0"/>
+                <a:ea typeface="Segoe UI Black" panose="020B0A02040204020203" pitchFamily="34" charset="0"/>
                 <a:cs typeface="Times New Roman" panose="02020603050405020304" pitchFamily="18" charset="0"/>
               </a:rPr>
               <a:t>hình</a:t>
             </a:r>
             <a:r>
-              <a:rPr lang="en-US" sz="3000" dirty="0">
-                <a:latin typeface="Times New Roman" panose="02020603050405020304" pitchFamily="18" charset="0"/>
+              <a:rPr lang="en-US" sz="1600" dirty="0">
+                <a:latin typeface="Segoe UI Black" panose="020B0A02040204020203" pitchFamily="34" charset="0"/>
+                <a:ea typeface="Segoe UI Black" panose="020B0A02040204020203" pitchFamily="34" charset="0"/>
                 <a:cs typeface="Times New Roman" panose="02020603050405020304" pitchFamily="18" charset="0"/>
               </a:rPr>
               <a:t> </a:t>
             </a:r>
             <a:r>
-              <a:rPr lang="en-US" sz="3000" dirty="0" err="1">
-                <a:latin typeface="Times New Roman" panose="02020603050405020304" pitchFamily="18" charset="0"/>
+              <a:rPr lang="en-US" sz="1600" dirty="0" err="1">
+                <a:latin typeface="Segoe UI Black" panose="020B0A02040204020203" pitchFamily="34" charset="0"/>
+                <a:ea typeface="Segoe UI Black" panose="020B0A02040204020203" pitchFamily="34" charset="0"/>
                 <a:cs typeface="Times New Roman" panose="02020603050405020304" pitchFamily="18" charset="0"/>
               </a:rPr>
               <a:t>lable</a:t>
             </a:r>
             <a:r>
-              <a:rPr lang="en-US" sz="3000" dirty="0">
-                <a:latin typeface="Times New Roman" panose="02020603050405020304" pitchFamily="18" charset="0"/>
+              <a:rPr lang="en-US" sz="1600" dirty="0">
+                <a:latin typeface="Segoe UI Black" panose="020B0A02040204020203" pitchFamily="34" charset="0"/>
+                <a:ea typeface="Segoe UI Black" panose="020B0A02040204020203" pitchFamily="34" charset="0"/>
                 <a:cs typeface="Times New Roman" panose="02020603050405020304" pitchFamily="18" charset="0"/>
               </a:rPr>
               <a:t>: </a:t>
             </a:r>
             <a:r>
-              <a:rPr lang="en-US" sz="3000" dirty="0" err="1">
-                <a:latin typeface="Times New Roman" panose="02020603050405020304" pitchFamily="18" charset="0"/>
+              <a:rPr lang="en-US" sz="1600" dirty="0" err="1">
+                <a:latin typeface="Segoe UI Black" panose="020B0A02040204020203" pitchFamily="34" charset="0"/>
+                <a:ea typeface="Segoe UI Black" panose="020B0A02040204020203" pitchFamily="34" charset="0"/>
                 <a:cs typeface="Times New Roman" panose="02020603050405020304" pitchFamily="18" charset="0"/>
               </a:rPr>
               <a:t>có</a:t>
             </a:r>
             <a:r>
-              <a:rPr lang="en-US" sz="3000" dirty="0">
-                <a:latin typeface="Times New Roman" panose="02020603050405020304" pitchFamily="18" charset="0"/>
+              <a:rPr lang="en-US" sz="1600" dirty="0">
+                <a:latin typeface="Segoe UI Black" panose="020B0A02040204020203" pitchFamily="34" charset="0"/>
+                <a:ea typeface="Segoe UI Black" panose="020B0A02040204020203" pitchFamily="34" charset="0"/>
                 <a:cs typeface="Times New Roman" panose="02020603050405020304" pitchFamily="18" charset="0"/>
               </a:rPr>
               <a:t> </a:t>
             </a:r>
             <a:r>
-              <a:rPr lang="en-US" sz="3000" dirty="0" err="1">
-                <a:latin typeface="Times New Roman" panose="02020603050405020304" pitchFamily="18" charset="0"/>
+              <a:rPr lang="en-US" sz="1600" dirty="0" err="1">
+                <a:latin typeface="Segoe UI Black" panose="020B0A02040204020203" pitchFamily="34" charset="0"/>
+                <a:ea typeface="Segoe UI Black" panose="020B0A02040204020203" pitchFamily="34" charset="0"/>
                 <a:cs typeface="Times New Roman" panose="02020603050405020304" pitchFamily="18" charset="0"/>
               </a:rPr>
               <a:t>thể</a:t>
             </a:r>
             <a:r>
-              <a:rPr lang="en-US" sz="3000" dirty="0">
-                <a:latin typeface="Times New Roman" panose="02020603050405020304" pitchFamily="18" charset="0"/>
+              <a:rPr lang="en-US" sz="1600" dirty="0">
+                <a:latin typeface="Segoe UI Black" panose="020B0A02040204020203" pitchFamily="34" charset="0"/>
+                <a:ea typeface="Segoe UI Black" panose="020B0A02040204020203" pitchFamily="34" charset="0"/>
                 <a:cs typeface="Times New Roman" panose="02020603050405020304" pitchFamily="18" charset="0"/>
               </a:rPr>
               <a:t> </a:t>
             </a:r>
             <a:r>
-              <a:rPr lang="en-US" sz="3000" dirty="0" err="1">
-                <a:latin typeface="Times New Roman" panose="02020603050405020304" pitchFamily="18" charset="0"/>
+              <a:rPr lang="en-US" sz="1600" dirty="0" err="1">
+                <a:latin typeface="Segoe UI Black" panose="020B0A02040204020203" pitchFamily="34" charset="0"/>
+                <a:ea typeface="Segoe UI Black" panose="020B0A02040204020203" pitchFamily="34" charset="0"/>
                 <a:cs typeface="Times New Roman" panose="02020603050405020304" pitchFamily="18" charset="0"/>
               </a:rPr>
               <a:t>chọn</a:t>
             </a:r>
             <a:r>
-              <a:rPr lang="en-US" sz="3000" dirty="0">
-                <a:latin typeface="Times New Roman" panose="02020603050405020304" pitchFamily="18" charset="0"/>
+              <a:rPr lang="en-US" sz="1600" dirty="0">
+                <a:latin typeface="Segoe UI Black" panose="020B0A02040204020203" pitchFamily="34" charset="0"/>
+                <a:ea typeface="Segoe UI Black" panose="020B0A02040204020203" pitchFamily="34" charset="0"/>
                 <a:cs typeface="Times New Roman" panose="02020603050405020304" pitchFamily="18" charset="0"/>
               </a:rPr>
               <a:t> </a:t>
             </a:r>
             <a:r>
-              <a:rPr lang="en-US" sz="3000" dirty="0" err="1">
-                <a:latin typeface="Times New Roman" panose="02020603050405020304" pitchFamily="18" charset="0"/>
+              <a:rPr lang="en-US" sz="1600" dirty="0" err="1">
+                <a:latin typeface="Segoe UI Black" panose="020B0A02040204020203" pitchFamily="34" charset="0"/>
+                <a:ea typeface="Segoe UI Black" panose="020B0A02040204020203" pitchFamily="34" charset="0"/>
                 <a:cs typeface="Times New Roman" panose="02020603050405020304" pitchFamily="18" charset="0"/>
               </a:rPr>
               <a:t>và</a:t>
             </a:r>
             <a:r>
-              <a:rPr lang="en-US" sz="3000" dirty="0">
-                <a:latin typeface="Times New Roman" panose="02020603050405020304" pitchFamily="18" charset="0"/>
+              <a:rPr lang="en-US" sz="1600" dirty="0">
+                <a:latin typeface="Segoe UI Black" panose="020B0A02040204020203" pitchFamily="34" charset="0"/>
+                <a:ea typeface="Segoe UI Black" panose="020B0A02040204020203" pitchFamily="34" charset="0"/>
                 <a:cs typeface="Times New Roman" panose="02020603050405020304" pitchFamily="18" charset="0"/>
               </a:rPr>
               <a:t> </a:t>
             </a:r>
             <a:r>
-              <a:rPr lang="en-US" sz="3000" dirty="0" err="1">
-                <a:latin typeface="Times New Roman" panose="02020603050405020304" pitchFamily="18" charset="0"/>
+              <a:rPr lang="en-US" sz="1600" dirty="0" err="1">
+                <a:latin typeface="Segoe UI Black" panose="020B0A02040204020203" pitchFamily="34" charset="0"/>
+                <a:ea typeface="Segoe UI Black" panose="020B0A02040204020203" pitchFamily="34" charset="0"/>
                 <a:cs typeface="Times New Roman" panose="02020603050405020304" pitchFamily="18" charset="0"/>
               </a:rPr>
               <a:t>thêm</a:t>
             </a:r>
             <a:r>
-              <a:rPr lang="en-US" sz="3000" dirty="0">
-                <a:latin typeface="Times New Roman" panose="02020603050405020304" pitchFamily="18" charset="0"/>
+              <a:rPr lang="en-US" sz="1600" dirty="0">
+                <a:latin typeface="Segoe UI Black" panose="020B0A02040204020203" pitchFamily="34" charset="0"/>
+                <a:ea typeface="Segoe UI Black" panose="020B0A02040204020203" pitchFamily="34" charset="0"/>
                 <a:cs typeface="Times New Roman" panose="02020603050405020304" pitchFamily="18" charset="0"/>
               </a:rPr>
               <a:t> </a:t>
             </a:r>
             <a:r>
-              <a:rPr lang="en-US" sz="3000" dirty="0" err="1">
-                <a:latin typeface="Times New Roman" panose="02020603050405020304" pitchFamily="18" charset="0"/>
+              <a:rPr lang="en-US" sz="1600" dirty="0" err="1">
+                <a:latin typeface="Segoe UI Black" panose="020B0A02040204020203" pitchFamily="34" charset="0"/>
+                <a:ea typeface="Segoe UI Black" panose="020B0A02040204020203" pitchFamily="34" charset="0"/>
                 <a:cs typeface="Times New Roman" panose="02020603050405020304" pitchFamily="18" charset="0"/>
               </a:rPr>
               <a:t>tên</a:t>
             </a:r>
             <a:r>
-              <a:rPr lang="en-US" sz="3000" dirty="0">
-                <a:latin typeface="Times New Roman" panose="02020603050405020304" pitchFamily="18" charset="0"/>
+              <a:rPr lang="en-US" sz="1600" dirty="0">
+                <a:latin typeface="Segoe UI Black" panose="020B0A02040204020203" pitchFamily="34" charset="0"/>
+                <a:ea typeface="Segoe UI Black" panose="020B0A02040204020203" pitchFamily="34" charset="0"/>
                 <a:cs typeface="Times New Roman" panose="02020603050405020304" pitchFamily="18" charset="0"/>
               </a:rPr>
               <a:t> </a:t>
             </a:r>
             <a:r>
-              <a:rPr lang="en-US" sz="3000" dirty="0" err="1">
-                <a:latin typeface="Times New Roman" panose="02020603050405020304" pitchFamily="18" charset="0"/>
+              <a:rPr lang="en-US" sz="1600" dirty="0" err="1">
+                <a:latin typeface="Segoe UI Black" panose="020B0A02040204020203" pitchFamily="34" charset="0"/>
+                <a:ea typeface="Segoe UI Black" panose="020B0A02040204020203" pitchFamily="34" charset="0"/>
                 <a:cs typeface="Times New Roman" panose="02020603050405020304" pitchFamily="18" charset="0"/>
               </a:rPr>
               <a:t>lable</a:t>
             </a:r>
-            <a:endParaRPr lang="en-US" sz="3000" dirty="0">
-              <a:latin typeface="Times New Roman" panose="02020603050405020304" pitchFamily="18" charset="0"/>
+            <a:endParaRPr lang="en-US" sz="1600" dirty="0">
+              <a:latin typeface="Segoe UI Black" panose="020B0A02040204020203" pitchFamily="34" charset="0"/>
+              <a:ea typeface="Segoe UI Black" panose="020B0A02040204020203" pitchFamily="34" charset="0"/>
               <a:cs typeface="Times New Roman" panose="02020603050405020304" pitchFamily="18" charset="0"/>
             </a:endParaRPr>
           </a:p>
